--- a/GamSearch.pptx
+++ b/GamSearch.pptx
@@ -5,7 +5,7 @@
     <p:sldMasterId id="2147483648" r:id="rId1"/>
   </p:sldMasterIdLst>
   <p:notesMasterIdLst>
-    <p:notesMasterId r:id="rId18"/>
+    <p:notesMasterId r:id="rId19"/>
   </p:notesMasterIdLst>
   <p:sldIdLst>
     <p:sldId id="257" r:id="rId2"/>
@@ -19,11 +19,12 @@
     <p:sldId id="272" r:id="rId10"/>
     <p:sldId id="268" r:id="rId11"/>
     <p:sldId id="269" r:id="rId12"/>
-    <p:sldId id="265" r:id="rId13"/>
-    <p:sldId id="266" r:id="rId14"/>
-    <p:sldId id="262" r:id="rId15"/>
-    <p:sldId id="267" r:id="rId16"/>
-    <p:sldId id="263" r:id="rId17"/>
+    <p:sldId id="274" r:id="rId13"/>
+    <p:sldId id="265" r:id="rId14"/>
+    <p:sldId id="266" r:id="rId15"/>
+    <p:sldId id="262" r:id="rId16"/>
+    <p:sldId id="267" r:id="rId17"/>
+    <p:sldId id="263" r:id="rId18"/>
   </p:sldIdLst>
   <p:sldSz cx="12192000" cy="6858000"/>
   <p:notesSz cx="6858000" cy="9144000"/>
@@ -4264,7 +4265,7 @@
           <a:p>
             <a:r>
               <a:rPr lang="en-US" altLang="ko-KR" dirty="0"/>
-              <a:t>III.</a:t>
+              <a:t>III. </a:t>
             </a:r>
             <a:r>
               <a:rPr lang="ko-KR" altLang="en-US" dirty="0"/>
@@ -4909,7 +4910,7 @@
           <a:p>
             <a:r>
               <a:rPr lang="en-US" altLang="ko-KR" dirty="0"/>
-              <a:t>III.</a:t>
+              <a:t>III. </a:t>
             </a:r>
             <a:r>
               <a:rPr lang="ko-KR" altLang="en-US" dirty="0"/>
@@ -5422,135 +5423,79 @@
           <a:chExt cx="0" cy="0"/>
         </a:xfrm>
       </p:grpSpPr>
-      <p:sp>
-        <p:nvSpPr>
-          <p:cNvPr id="2" name="제목 1">
-            <a:extLst>
-              <a:ext uri="{FF2B5EF4-FFF2-40B4-BE49-F238E27FC236}">
-                <a16:creationId xmlns:a16="http://schemas.microsoft.com/office/drawing/2014/main" id="{E1438AFA-734F-24D5-8AE9-9A6E13C3E842}"/>
-              </a:ext>
-            </a:extLst>
-          </p:cNvPr>
-          <p:cNvSpPr>
-            <a:spLocks noGrp="1"/>
-          </p:cNvSpPr>
-          <p:nvPr>
-            <p:ph type="title"/>
-          </p:nvPr>
-        </p:nvSpPr>
-        <p:spPr/>
-        <p:txBody>
-          <a:bodyPr/>
-          <a:lstStyle/>
-          <a:p>
+      <p:pic>
+        <p:nvPicPr>
+          <p:cNvPr id="5" name="그림 4">
+            <a:extLst>
+              <a:ext uri="{FF2B5EF4-FFF2-40B4-BE49-F238E27FC236}">
+                <a16:creationId xmlns:a16="http://schemas.microsoft.com/office/drawing/2014/main" id="{4280C3C9-92BC-401C-B6B1-3E6A0A5E32B4}"/>
+              </a:ext>
+            </a:extLst>
+          </p:cNvPr>
+          <p:cNvPicPr>
+            <a:picLocks noChangeAspect="1"/>
+          </p:cNvPicPr>
+          <p:nvPr/>
+        </p:nvPicPr>
+        <p:blipFill>
+          <a:blip r:embed="rId2"/>
+          <a:stretch>
+            <a:fillRect/>
+          </a:stretch>
+        </p:blipFill>
+        <p:spPr>
+          <a:xfrm>
+            <a:off x="1387090" y="886690"/>
+            <a:ext cx="9417820" cy="5860473"/>
+          </a:xfrm>
+          <a:prstGeom prst="rect">
+            <a:avLst/>
+          </a:prstGeom>
+        </p:spPr>
+      </p:pic>
+      <p:sp>
+        <p:nvSpPr>
+          <p:cNvPr id="6" name="TextBox 5">
+            <a:extLst>
+              <a:ext uri="{FF2B5EF4-FFF2-40B4-BE49-F238E27FC236}">
+                <a16:creationId xmlns:a16="http://schemas.microsoft.com/office/drawing/2014/main" id="{3C7164E8-4AEB-A64A-790A-976CEA6F62EE}"/>
+              </a:ext>
+            </a:extLst>
+          </p:cNvPr>
+          <p:cNvSpPr txBox="1"/>
+          <p:nvPr/>
+        </p:nvSpPr>
+        <p:spPr>
+          <a:xfrm>
+            <a:off x="637309" y="207818"/>
+            <a:ext cx="2438400" cy="369332"/>
+          </a:xfrm>
+          <a:prstGeom prst="rect">
+            <a:avLst/>
+          </a:prstGeom>
+          <a:noFill/>
+        </p:spPr>
+        <p:txBody>
+          <a:bodyPr wrap="square" rtlCol="0">
+            <a:spAutoFit/>
+          </a:bodyPr>
+          <a:lstStyle/>
+          <a:p>
+            <a:r>
+              <a:rPr lang="en-US" altLang="ko-KR" dirty="0"/>
+              <a:t>III. </a:t>
+            </a:r>
             <a:r>
               <a:rPr lang="ko-KR" altLang="en-US" dirty="0"/>
-              <a:t>포인트 시스템</a:t>
-            </a:r>
-          </a:p>
-        </p:txBody>
-      </p:sp>
-      <p:sp>
-        <p:nvSpPr>
-          <p:cNvPr id="3" name="내용 개체 틀 2">
-            <a:extLst>
-              <a:ext uri="{FF2B5EF4-FFF2-40B4-BE49-F238E27FC236}">
-                <a16:creationId xmlns:a16="http://schemas.microsoft.com/office/drawing/2014/main" id="{FDFACA67-B4F5-B76A-BFAB-BF2B7C6FBAB4}"/>
-              </a:ext>
-            </a:extLst>
-          </p:cNvPr>
-          <p:cNvSpPr>
-            <a:spLocks noGrp="1"/>
-          </p:cNvSpPr>
-          <p:nvPr>
-            <p:ph idx="1"/>
-          </p:nvPr>
-        </p:nvSpPr>
-        <p:spPr/>
-        <p:txBody>
-          <a:bodyPr/>
-          <a:lstStyle/>
-          <a:p>
-            <a:pPr marL="0" indent="0">
-              <a:buNone/>
-            </a:pPr>
+              <a:t>설계 </a:t>
+            </a:r>
             <a:r>
               <a:rPr lang="en-US" altLang="ko-KR" dirty="0"/>
-              <a:t>Steam DB</a:t>
+              <a:t>(ERD </a:t>
             </a:r>
             <a:r>
               <a:rPr lang="ko-KR" altLang="en-US" dirty="0"/>
-              <a:t>에 저장 되어있는 게임 플레이 타임 및 </a:t>
-            </a:r>
-            <a:r>
-              <a:rPr lang="ko-KR" altLang="en-US" dirty="0" err="1"/>
-              <a:t>업적등</a:t>
-            </a:r>
-            <a:r>
-              <a:rPr lang="ko-KR" altLang="en-US" dirty="0"/>
-              <a:t> 데이터를 가져와 게시글을 작성하면 포인트 부여</a:t>
-            </a:r>
-            <a:endParaRPr lang="en-US" altLang="ko-KR" dirty="0"/>
-          </a:p>
-          <a:p>
-            <a:pPr marL="0" indent="0">
-              <a:buNone/>
-            </a:pPr>
-            <a:endParaRPr lang="en-US" altLang="ko-KR" dirty="0"/>
-          </a:p>
-          <a:p>
-            <a:pPr marL="0" indent="0">
-              <a:buNone/>
-            </a:pPr>
-            <a:r>
-              <a:rPr lang="ko-KR" altLang="en-US" dirty="0"/>
-              <a:t>부여된 포인트를 포인트 </a:t>
-            </a:r>
-            <a:r>
-              <a:rPr lang="ko-KR" altLang="en-US" dirty="0" err="1"/>
-              <a:t>샵에서</a:t>
-            </a:r>
-            <a:r>
-              <a:rPr lang="ko-KR" altLang="en-US" dirty="0"/>
-              <a:t> 활용</a:t>
-            </a:r>
-            <a:endParaRPr lang="en-US" altLang="ko-KR" dirty="0"/>
-          </a:p>
-          <a:p>
-            <a:pPr marL="0" indent="0">
-              <a:buNone/>
-            </a:pPr>
-            <a:endParaRPr lang="en-US" altLang="ko-KR" dirty="0"/>
-          </a:p>
-          <a:p>
-            <a:pPr marL="0" indent="0">
-              <a:buNone/>
-            </a:pPr>
-            <a:r>
-              <a:rPr lang="ko-KR" altLang="en-US" dirty="0"/>
-              <a:t>포인트 </a:t>
-            </a:r>
-            <a:r>
-              <a:rPr lang="ko-KR" altLang="en-US" dirty="0" err="1"/>
-              <a:t>샵에는</a:t>
-            </a:r>
-            <a:r>
-              <a:rPr lang="ko-KR" altLang="en-US" dirty="0"/>
-              <a:t> 스팀 쿠폰 및 오픈마켓의 컴퓨터 장비 리스트</a:t>
-            </a:r>
-            <a:endParaRPr lang="en-US" altLang="ko-KR" dirty="0"/>
-          </a:p>
-          <a:p>
-            <a:pPr marL="0" indent="0">
-              <a:buNone/>
-            </a:pPr>
-            <a:r>
-              <a:rPr lang="en-US" altLang="ko-KR" dirty="0"/>
-              <a:t>(</a:t>
-            </a:r>
-            <a:r>
-              <a:rPr lang="ko-KR" altLang="en-US" dirty="0"/>
-              <a:t>혹은 오픈마켓과 제휴시스템</a:t>
+              <a:t>구상도</a:t>
             </a:r>
             <a:r>
               <a:rPr lang="en-US" altLang="ko-KR" dirty="0"/>
@@ -5563,7 +5508,7 @@
     </p:spTree>
     <p:extLst>
       <p:ext uri="{BB962C8B-B14F-4D97-AF65-F5344CB8AC3E}">
-        <p14:creationId xmlns:p14="http://schemas.microsoft.com/office/powerpoint/2010/main" val="7236793"/>
+        <p14:creationId xmlns:p14="http://schemas.microsoft.com/office/powerpoint/2010/main" val="939704192"/>
       </p:ext>
     </p:extLst>
   </p:cSld>
@@ -5595,7 +5540,7 @@
           <p:cNvPr id="2" name="제목 1">
             <a:extLst>
               <a:ext uri="{FF2B5EF4-FFF2-40B4-BE49-F238E27FC236}">
-                <a16:creationId xmlns:a16="http://schemas.microsoft.com/office/drawing/2014/main" id="{3354D8F7-1C73-893A-2A89-F94AEC5C59F5}"/>
+                <a16:creationId xmlns:a16="http://schemas.microsoft.com/office/drawing/2014/main" id="{E1438AFA-734F-24D5-8AE9-9A6E13C3E842}"/>
               </a:ext>
             </a:extLst>
           </p:cNvPr>
@@ -5613,7 +5558,7 @@
           <a:p>
             <a:r>
               <a:rPr lang="ko-KR" altLang="en-US" dirty="0"/>
-              <a:t>예상되는 필요 기술</a:t>
+              <a:t>포인트 시스템</a:t>
             </a:r>
           </a:p>
         </p:txBody>
@@ -5623,7 +5568,7 @@
           <p:cNvPr id="3" name="내용 개체 틀 2">
             <a:extLst>
               <a:ext uri="{FF2B5EF4-FFF2-40B4-BE49-F238E27FC236}">
-                <a16:creationId xmlns:a16="http://schemas.microsoft.com/office/drawing/2014/main" id="{DCD811AF-1364-D41D-9B8F-69564EDE141A}"/>
+                <a16:creationId xmlns:a16="http://schemas.microsoft.com/office/drawing/2014/main" id="{FDFACA67-B4F5-B76A-BFAB-BF2B7C6FBAB4}"/>
               </a:ext>
             </a:extLst>
           </p:cNvPr>
@@ -5643,8 +5588,20 @@
               <a:buNone/>
             </a:pPr>
             <a:r>
+              <a:rPr lang="en-US" altLang="ko-KR" dirty="0"/>
+              <a:t>Steam DB</a:t>
+            </a:r>
+            <a:r>
               <a:rPr lang="ko-KR" altLang="en-US" dirty="0"/>
-              <a:t>웹 페이지 디자인</a:t>
+              <a:t>에 저장 되어있는 게임 플레이 타임 및 </a:t>
+            </a:r>
+            <a:r>
+              <a:rPr lang="ko-KR" altLang="en-US" dirty="0" err="1"/>
+              <a:t>업적등</a:t>
+            </a:r>
+            <a:r>
+              <a:rPr lang="ko-KR" altLang="en-US" dirty="0"/>
+              <a:t> 데이터를 가져와 게시글을 작성하면 포인트 부여</a:t>
             </a:r>
             <a:endParaRPr lang="en-US" altLang="ko-KR" dirty="0"/>
           </a:p>
@@ -5652,34 +5609,23 @@
             <a:pPr marL="0" indent="0">
               <a:buNone/>
             </a:pPr>
-            <a:r>
-              <a:rPr lang="ko-KR" altLang="en-US" dirty="0"/>
-              <a:t>로그인 </a:t>
-            </a:r>
-            <a:r>
-              <a:rPr lang="en-US" altLang="ko-KR" dirty="0"/>
-              <a:t>– security, </a:t>
-            </a:r>
-            <a:r>
-              <a:rPr lang="en-US" altLang="ko-KR" dirty="0" err="1"/>
-              <a:t>Oauth</a:t>
-            </a:r>
-            <a:r>
-              <a:rPr lang="en-US" altLang="ko-KR" dirty="0"/>
-              <a:t>(steam)</a:t>
-            </a:r>
+            <a:endParaRPr lang="en-US" altLang="ko-KR" dirty="0"/>
           </a:p>
           <a:p>
             <a:pPr marL="0" indent="0">
               <a:buNone/>
             </a:pPr>
             <a:r>
+              <a:rPr lang="ko-KR" altLang="en-US" dirty="0"/>
+              <a:t>부여된 포인트를 포인트 </a:t>
+            </a:r>
+            <a:r>
               <a:rPr lang="ko-KR" altLang="en-US" dirty="0" err="1"/>
-              <a:t>쳇봇</a:t>
+              <a:t>샵에서</a:t>
             </a:r>
             <a:r>
               <a:rPr lang="ko-KR" altLang="en-US" dirty="0"/>
-              <a:t> 구현</a:t>
+              <a:t> 활용</a:t>
             </a:r>
             <a:endParaRPr lang="en-US" altLang="ko-KR" dirty="0"/>
           </a:p>
@@ -5687,26 +5633,6 @@
             <a:pPr marL="0" indent="0">
               <a:buNone/>
             </a:pPr>
-            <a:r>
-              <a:rPr lang="ko-KR" altLang="en-US" dirty="0"/>
-              <a:t>웹 </a:t>
-            </a:r>
-            <a:r>
-              <a:rPr lang="ko-KR" altLang="en-US" dirty="0" err="1"/>
-              <a:t>크롤링</a:t>
-            </a:r>
-            <a:r>
-              <a:rPr lang="ko-KR" altLang="en-US" dirty="0"/>
-              <a:t> </a:t>
-            </a:r>
-            <a:r>
-              <a:rPr lang="en-US" altLang="ko-KR" dirty="0"/>
-              <a:t>– </a:t>
-            </a:r>
-            <a:r>
-              <a:rPr lang="ko-KR" altLang="en-US" dirty="0"/>
-              <a:t>뉴스 등</a:t>
-            </a:r>
             <a:endParaRPr lang="en-US" altLang="ko-KR" dirty="0"/>
           </a:p>
           <a:p>
@@ -5715,7 +5641,15 @@
             </a:pPr>
             <a:r>
               <a:rPr lang="ko-KR" altLang="en-US" dirty="0"/>
-              <a:t>게시판</a:t>
+              <a:t>포인트 </a:t>
+            </a:r>
+            <a:r>
+              <a:rPr lang="ko-KR" altLang="en-US" dirty="0" err="1"/>
+              <a:t>샵에는</a:t>
+            </a:r>
+            <a:r>
+              <a:rPr lang="ko-KR" altLang="en-US" dirty="0"/>
+              <a:t> 스팀 쿠폰 및 오픈마켓의 컴퓨터 장비 리스트</a:t>
             </a:r>
             <a:endParaRPr lang="en-US" altLang="ko-KR" dirty="0"/>
           </a:p>
@@ -5725,23 +5659,16 @@
             </a:pPr>
             <a:r>
               <a:rPr lang="en-US" altLang="ko-KR" dirty="0"/>
-              <a:t>DB</a:t>
-            </a:r>
-          </a:p>
-          <a:p>
-            <a:pPr marL="0" indent="0">
-              <a:buNone/>
-            </a:pPr>
+              <a:t>(</a:t>
+            </a:r>
             <a:r>
               <a:rPr lang="ko-KR" altLang="en-US" dirty="0"/>
-              <a:t>포인트 시스템 결제</a:t>
-            </a:r>
-            <a:endParaRPr lang="en-US" altLang="ko-KR" dirty="0"/>
-          </a:p>
-          <a:p>
-            <a:pPr marL="0" indent="0">
-              <a:buNone/>
-            </a:pPr>
+              <a:t>혹은 오픈마켓과 제휴시스템</a:t>
+            </a:r>
+            <a:r>
+              <a:rPr lang="en-US" altLang="ko-KR" dirty="0"/>
+              <a:t>)</a:t>
+            </a:r>
             <a:endParaRPr lang="ko-KR" altLang="en-US" dirty="0"/>
           </a:p>
         </p:txBody>
@@ -5749,7 +5676,7 @@
     </p:spTree>
     <p:extLst>
       <p:ext uri="{BB962C8B-B14F-4D97-AF65-F5344CB8AC3E}">
-        <p14:creationId xmlns:p14="http://schemas.microsoft.com/office/powerpoint/2010/main" val="2036563012"/>
+        <p14:creationId xmlns:p14="http://schemas.microsoft.com/office/powerpoint/2010/main" val="7236793"/>
       </p:ext>
     </p:extLst>
   </p:cSld>
@@ -5781,7 +5708,7 @@
           <p:cNvPr id="2" name="제목 1">
             <a:extLst>
               <a:ext uri="{FF2B5EF4-FFF2-40B4-BE49-F238E27FC236}">
-                <a16:creationId xmlns:a16="http://schemas.microsoft.com/office/drawing/2014/main" id="{DACD66F2-925E-F5C1-596E-EA6E30860C5E}"/>
+                <a16:creationId xmlns:a16="http://schemas.microsoft.com/office/drawing/2014/main" id="{3354D8F7-1C73-893A-2A89-F94AEC5C59F5}"/>
               </a:ext>
             </a:extLst>
           </p:cNvPr>
@@ -5799,7 +5726,7 @@
           <a:p>
             <a:r>
               <a:rPr lang="ko-KR" altLang="en-US" dirty="0"/>
-              <a:t>기간</a:t>
+              <a:t>예상되는 필요 기술</a:t>
             </a:r>
           </a:p>
         </p:txBody>
@@ -5809,7 +5736,7 @@
           <p:cNvPr id="3" name="내용 개체 틀 2">
             <a:extLst>
               <a:ext uri="{FF2B5EF4-FFF2-40B4-BE49-F238E27FC236}">
-                <a16:creationId xmlns:a16="http://schemas.microsoft.com/office/drawing/2014/main" id="{B4335C24-6C47-A086-7904-7000C293C6B4}"/>
+                <a16:creationId xmlns:a16="http://schemas.microsoft.com/office/drawing/2014/main" id="{DCD811AF-1364-D41D-9B8F-69564EDE141A}"/>
               </a:ext>
             </a:extLst>
           </p:cNvPr>
@@ -5822,6 +5749,192 @@
         </p:nvSpPr>
         <p:spPr/>
         <p:txBody>
+          <a:bodyPr/>
+          <a:lstStyle/>
+          <a:p>
+            <a:pPr marL="0" indent="0">
+              <a:buNone/>
+            </a:pPr>
+            <a:r>
+              <a:rPr lang="ko-KR" altLang="en-US" dirty="0"/>
+              <a:t>웹 페이지 디자인</a:t>
+            </a:r>
+            <a:endParaRPr lang="en-US" altLang="ko-KR" dirty="0"/>
+          </a:p>
+          <a:p>
+            <a:pPr marL="0" indent="0">
+              <a:buNone/>
+            </a:pPr>
+            <a:r>
+              <a:rPr lang="ko-KR" altLang="en-US" dirty="0"/>
+              <a:t>로그인 </a:t>
+            </a:r>
+            <a:r>
+              <a:rPr lang="en-US" altLang="ko-KR" dirty="0"/>
+              <a:t>– security, </a:t>
+            </a:r>
+            <a:r>
+              <a:rPr lang="en-US" altLang="ko-KR" dirty="0" err="1"/>
+              <a:t>Oauth</a:t>
+            </a:r>
+            <a:r>
+              <a:rPr lang="en-US" altLang="ko-KR" dirty="0"/>
+              <a:t>(steam)</a:t>
+            </a:r>
+          </a:p>
+          <a:p>
+            <a:pPr marL="0" indent="0">
+              <a:buNone/>
+            </a:pPr>
+            <a:r>
+              <a:rPr lang="ko-KR" altLang="en-US" dirty="0" err="1"/>
+              <a:t>쳇봇</a:t>
+            </a:r>
+            <a:r>
+              <a:rPr lang="ko-KR" altLang="en-US" dirty="0"/>
+              <a:t> 구현</a:t>
+            </a:r>
+            <a:endParaRPr lang="en-US" altLang="ko-KR" dirty="0"/>
+          </a:p>
+          <a:p>
+            <a:pPr marL="0" indent="0">
+              <a:buNone/>
+            </a:pPr>
+            <a:r>
+              <a:rPr lang="ko-KR" altLang="en-US" dirty="0"/>
+              <a:t>웹 </a:t>
+            </a:r>
+            <a:r>
+              <a:rPr lang="ko-KR" altLang="en-US" dirty="0" err="1"/>
+              <a:t>크롤링</a:t>
+            </a:r>
+            <a:r>
+              <a:rPr lang="ko-KR" altLang="en-US" dirty="0"/>
+              <a:t> </a:t>
+            </a:r>
+            <a:r>
+              <a:rPr lang="en-US" altLang="ko-KR" dirty="0"/>
+              <a:t>– </a:t>
+            </a:r>
+            <a:r>
+              <a:rPr lang="ko-KR" altLang="en-US" dirty="0"/>
+              <a:t>뉴스 등</a:t>
+            </a:r>
+            <a:endParaRPr lang="en-US" altLang="ko-KR" dirty="0"/>
+          </a:p>
+          <a:p>
+            <a:pPr marL="0" indent="0">
+              <a:buNone/>
+            </a:pPr>
+            <a:r>
+              <a:rPr lang="ko-KR" altLang="en-US" dirty="0"/>
+              <a:t>게시판</a:t>
+            </a:r>
+            <a:endParaRPr lang="en-US" altLang="ko-KR" dirty="0"/>
+          </a:p>
+          <a:p>
+            <a:pPr marL="0" indent="0">
+              <a:buNone/>
+            </a:pPr>
+            <a:r>
+              <a:rPr lang="en-US" altLang="ko-KR" dirty="0"/>
+              <a:t>DB</a:t>
+            </a:r>
+          </a:p>
+          <a:p>
+            <a:pPr marL="0" indent="0">
+              <a:buNone/>
+            </a:pPr>
+            <a:r>
+              <a:rPr lang="ko-KR" altLang="en-US" dirty="0"/>
+              <a:t>포인트 시스템 결제</a:t>
+            </a:r>
+            <a:endParaRPr lang="en-US" altLang="ko-KR" dirty="0"/>
+          </a:p>
+          <a:p>
+            <a:pPr marL="0" indent="0">
+              <a:buNone/>
+            </a:pPr>
+            <a:endParaRPr lang="ko-KR" altLang="en-US" dirty="0"/>
+          </a:p>
+        </p:txBody>
+      </p:sp>
+    </p:spTree>
+    <p:extLst>
+      <p:ext uri="{BB962C8B-B14F-4D97-AF65-F5344CB8AC3E}">
+        <p14:creationId xmlns:p14="http://schemas.microsoft.com/office/powerpoint/2010/main" val="2036563012"/>
+      </p:ext>
+    </p:extLst>
+  </p:cSld>
+  <p:clrMapOvr>
+    <a:masterClrMapping/>
+  </p:clrMapOvr>
+</p:sld>
+</file>
+
+<file path=ppt/slides/slide15.xml><?xml version="1.0" encoding="utf-8"?>
+<p:sld xmlns:a="http://schemas.openxmlformats.org/drawingml/2006/main" xmlns:r="http://schemas.openxmlformats.org/officeDocument/2006/relationships" xmlns:p="http://schemas.openxmlformats.org/presentationml/2006/main">
+  <p:cSld>
+    <p:spTree>
+      <p:nvGrpSpPr>
+        <p:cNvPr id="1" name=""/>
+        <p:cNvGrpSpPr/>
+        <p:nvPr/>
+      </p:nvGrpSpPr>
+      <p:grpSpPr>
+        <a:xfrm>
+          <a:off x="0" y="0"/>
+          <a:ext cx="0" cy="0"/>
+          <a:chOff x="0" y="0"/>
+          <a:chExt cx="0" cy="0"/>
+        </a:xfrm>
+      </p:grpSpPr>
+      <p:sp>
+        <p:nvSpPr>
+          <p:cNvPr id="2" name="제목 1">
+            <a:extLst>
+              <a:ext uri="{FF2B5EF4-FFF2-40B4-BE49-F238E27FC236}">
+                <a16:creationId xmlns:a16="http://schemas.microsoft.com/office/drawing/2014/main" id="{DACD66F2-925E-F5C1-596E-EA6E30860C5E}"/>
+              </a:ext>
+            </a:extLst>
+          </p:cNvPr>
+          <p:cNvSpPr>
+            <a:spLocks noGrp="1"/>
+          </p:cNvSpPr>
+          <p:nvPr>
+            <p:ph type="title"/>
+          </p:nvPr>
+        </p:nvSpPr>
+        <p:spPr/>
+        <p:txBody>
+          <a:bodyPr/>
+          <a:lstStyle/>
+          <a:p>
+            <a:r>
+              <a:rPr lang="ko-KR" altLang="en-US" dirty="0"/>
+              <a:t>기간</a:t>
+            </a:r>
+          </a:p>
+        </p:txBody>
+      </p:sp>
+      <p:sp>
+        <p:nvSpPr>
+          <p:cNvPr id="3" name="내용 개체 틀 2">
+            <a:extLst>
+              <a:ext uri="{FF2B5EF4-FFF2-40B4-BE49-F238E27FC236}">
+                <a16:creationId xmlns:a16="http://schemas.microsoft.com/office/drawing/2014/main" id="{B4335C24-6C47-A086-7904-7000C293C6B4}"/>
+              </a:ext>
+            </a:extLst>
+          </p:cNvPr>
+          <p:cNvSpPr>
+            <a:spLocks noGrp="1"/>
+          </p:cNvSpPr>
+          <p:nvPr>
+            <p:ph idx="1"/>
+          </p:nvPr>
+        </p:nvSpPr>
+        <p:spPr/>
+        <p:txBody>
           <a:bodyPr>
             <a:normAutofit/>
           </a:bodyPr>
@@ -5852,7 +5965,13 @@
           <p:cNvGraphicFramePr>
             <a:graphicFrameLocks noGrp="1"/>
           </p:cNvGraphicFramePr>
-          <p:nvPr/>
+          <p:nvPr>
+            <p:extLst>
+              <p:ext uri="{D42A27DB-BD31-4B8C-83A1-F6EECF244321}">
+                <p14:modId xmlns:p14="http://schemas.microsoft.com/office/powerpoint/2010/main" val="212158617"/>
+              </p:ext>
+            </p:extLst>
+          </p:nvPr>
         </p:nvGraphicFramePr>
         <p:xfrm>
           <a:off x="1108608" y="2727892"/>
@@ -7015,7 +7134,7 @@
                       <a:pPr algn="ctr" latinLnBrk="1"/>
                       <a:r>
                         <a:rPr lang="ko-KR" altLang="en-US" sz="1000" dirty="0"/>
-                        <a:t>네비게이션</a:t>
+                        <a:t>네비게이션 바 기능 구현</a:t>
                       </a:r>
                     </a:p>
                   </a:txBody>
@@ -9740,7 +9859,7 @@
 </p:sld>
 </file>
 
-<file path=ppt/slides/slide15.xml><?xml version="1.0" encoding="utf-8"?>
+<file path=ppt/slides/slide16.xml><?xml version="1.0" encoding="utf-8"?>
 <p:sld xmlns:a="http://schemas.openxmlformats.org/drawingml/2006/main" xmlns:r="http://schemas.openxmlformats.org/officeDocument/2006/relationships" xmlns:p="http://schemas.openxmlformats.org/presentationml/2006/main">
   <p:cSld>
     <p:spTree>
@@ -10326,7 +10445,7 @@
 </p:sld>
 </file>
 
-<file path=ppt/slides/slide16.xml><?xml version="1.0" encoding="utf-8"?>
+<file path=ppt/slides/slide17.xml><?xml version="1.0" encoding="utf-8"?>
 <p:sld xmlns:a="http://schemas.openxmlformats.org/drawingml/2006/main" xmlns:r="http://schemas.openxmlformats.org/officeDocument/2006/relationships" xmlns:p="http://schemas.openxmlformats.org/presentationml/2006/main">
   <p:cSld>
     <p:spTree>
@@ -12477,7 +12596,7 @@
         <p:spPr>
           <a:xfrm>
             <a:off x="468165" y="199706"/>
-            <a:ext cx="2066591" cy="369332"/>
+            <a:ext cx="2148345" cy="369332"/>
           </a:xfrm>
           <a:prstGeom prst="rect">
             <a:avLst/>
@@ -12492,7 +12611,7 @@
           <a:p>
             <a:r>
               <a:rPr lang="en-US" altLang="ko-KR" dirty="0"/>
-              <a:t>III.</a:t>
+              <a:t>III. </a:t>
             </a:r>
             <a:r>
               <a:rPr lang="ko-KR" altLang="en-US" dirty="0"/>
@@ -13850,7 +13969,7 @@
         <p:spPr>
           <a:xfrm>
             <a:off x="468165" y="199706"/>
-            <a:ext cx="1835759" cy="369332"/>
+            <a:ext cx="1917513" cy="369332"/>
           </a:xfrm>
           <a:prstGeom prst="rect">
             <a:avLst/>
@@ -13865,7 +13984,7 @@
           <a:p>
             <a:r>
               <a:rPr lang="en-US" altLang="ko-KR" dirty="0"/>
-              <a:t>III.</a:t>
+              <a:t>III. </a:t>
             </a:r>
             <a:r>
               <a:rPr lang="ko-KR" altLang="en-US" dirty="0"/>
@@ -15323,7 +15442,7 @@
         <p:spPr>
           <a:xfrm>
             <a:off x="468165" y="199706"/>
-            <a:ext cx="2066591" cy="369332"/>
+            <a:ext cx="2148345" cy="369332"/>
           </a:xfrm>
           <a:prstGeom prst="rect">
             <a:avLst/>
@@ -15338,7 +15457,7 @@
           <a:p>
             <a:r>
               <a:rPr lang="en-US" altLang="ko-KR" dirty="0"/>
-              <a:t>III.</a:t>
+              <a:t>III. </a:t>
             </a:r>
             <a:r>
               <a:rPr lang="ko-KR" altLang="en-US" dirty="0"/>
@@ -16172,7 +16291,7 @@
         <p:spPr>
           <a:xfrm>
             <a:off x="581454" y="410099"/>
-            <a:ext cx="1835759" cy="369332"/>
+            <a:ext cx="1917513" cy="369332"/>
           </a:xfrm>
           <a:prstGeom prst="rect">
             <a:avLst/>
@@ -16187,7 +16306,7 @@
           <a:p>
             <a:r>
               <a:rPr lang="en-US" altLang="ko-KR" dirty="0"/>
-              <a:t>III.</a:t>
+              <a:t>III. </a:t>
             </a:r>
             <a:r>
               <a:rPr lang="ko-KR" altLang="en-US" dirty="0"/>

--- a/GamSearch.pptx
+++ b/GamSearch.pptx
@@ -5423,12 +5423,64 @@
           <a:chExt cx="0" cy="0"/>
         </a:xfrm>
       </p:grpSpPr>
+      <p:sp>
+        <p:nvSpPr>
+          <p:cNvPr id="6" name="TextBox 5">
+            <a:extLst>
+              <a:ext uri="{FF2B5EF4-FFF2-40B4-BE49-F238E27FC236}">
+                <a16:creationId xmlns:a16="http://schemas.microsoft.com/office/drawing/2014/main" id="{3C7164E8-4AEB-A64A-790A-976CEA6F62EE}"/>
+              </a:ext>
+            </a:extLst>
+          </p:cNvPr>
+          <p:cNvSpPr txBox="1"/>
+          <p:nvPr/>
+        </p:nvSpPr>
+        <p:spPr>
+          <a:xfrm>
+            <a:off x="637309" y="207818"/>
+            <a:ext cx="2438400" cy="369332"/>
+          </a:xfrm>
+          <a:prstGeom prst="rect">
+            <a:avLst/>
+          </a:prstGeom>
+          <a:noFill/>
+        </p:spPr>
+        <p:txBody>
+          <a:bodyPr wrap="square" rtlCol="0">
+            <a:spAutoFit/>
+          </a:bodyPr>
+          <a:lstStyle/>
+          <a:p>
+            <a:r>
+              <a:rPr lang="en-US" altLang="ko-KR" dirty="0"/>
+              <a:t>III. </a:t>
+            </a:r>
+            <a:r>
+              <a:rPr lang="ko-KR" altLang="en-US" dirty="0"/>
+              <a:t>설계 </a:t>
+            </a:r>
+            <a:r>
+              <a:rPr lang="en-US" altLang="ko-KR" dirty="0"/>
+              <a:t>(ERD </a:t>
+            </a:r>
+            <a:r>
+              <a:rPr lang="ko-KR" altLang="en-US" dirty="0"/>
+              <a:t>구상도</a:t>
+            </a:r>
+            <a:r>
+              <a:rPr lang="en-US" altLang="ko-KR" dirty="0"/>
+              <a:t>)</a:t>
+            </a:r>
+            <a:endParaRPr lang="ko-KR" altLang="en-US" dirty="0"/>
+          </a:p>
+        </p:txBody>
+      </p:sp>
       <p:pic>
         <p:nvPicPr>
-          <p:cNvPr id="5" name="그림 4">
-            <a:extLst>
-              <a:ext uri="{FF2B5EF4-FFF2-40B4-BE49-F238E27FC236}">
-                <a16:creationId xmlns:a16="http://schemas.microsoft.com/office/drawing/2014/main" id="{4280C3C9-92BC-401C-B6B1-3E6A0A5E32B4}"/>
+          <p:cNvPr id="3" name="그림 2">
+            <a:extLst>
+              <a:ext uri="{FF2B5EF4-FFF2-40B4-BE49-F238E27FC236}">
+                <a16:creationId xmlns:a16="http://schemas.microsoft.com/office/drawing/2014/main" id="{D021900F-786E-846D-D52D-907AAF4DC27D}"/>
               </a:ext>
             </a:extLst>
           </p:cNvPr>
@@ -5445,66 +5497,14 @@
         </p:blipFill>
         <p:spPr>
           <a:xfrm>
-            <a:off x="1387090" y="886690"/>
-            <a:ext cx="9417820" cy="5860473"/>
+            <a:off x="708204" y="775854"/>
+            <a:ext cx="10775591" cy="6082146"/>
           </a:xfrm>
           <a:prstGeom prst="rect">
             <a:avLst/>
           </a:prstGeom>
         </p:spPr>
       </p:pic>
-      <p:sp>
-        <p:nvSpPr>
-          <p:cNvPr id="6" name="TextBox 5">
-            <a:extLst>
-              <a:ext uri="{FF2B5EF4-FFF2-40B4-BE49-F238E27FC236}">
-                <a16:creationId xmlns:a16="http://schemas.microsoft.com/office/drawing/2014/main" id="{3C7164E8-4AEB-A64A-790A-976CEA6F62EE}"/>
-              </a:ext>
-            </a:extLst>
-          </p:cNvPr>
-          <p:cNvSpPr txBox="1"/>
-          <p:nvPr/>
-        </p:nvSpPr>
-        <p:spPr>
-          <a:xfrm>
-            <a:off x="637309" y="207818"/>
-            <a:ext cx="2438400" cy="369332"/>
-          </a:xfrm>
-          <a:prstGeom prst="rect">
-            <a:avLst/>
-          </a:prstGeom>
-          <a:noFill/>
-        </p:spPr>
-        <p:txBody>
-          <a:bodyPr wrap="square" rtlCol="0">
-            <a:spAutoFit/>
-          </a:bodyPr>
-          <a:lstStyle/>
-          <a:p>
-            <a:r>
-              <a:rPr lang="en-US" altLang="ko-KR" dirty="0"/>
-              <a:t>III. </a:t>
-            </a:r>
-            <a:r>
-              <a:rPr lang="ko-KR" altLang="en-US" dirty="0"/>
-              <a:t>설계 </a:t>
-            </a:r>
-            <a:r>
-              <a:rPr lang="en-US" altLang="ko-KR" dirty="0"/>
-              <a:t>(ERD </a:t>
-            </a:r>
-            <a:r>
-              <a:rPr lang="ko-KR" altLang="en-US" dirty="0"/>
-              <a:t>구상도</a:t>
-            </a:r>
-            <a:r>
-              <a:rPr lang="en-US" altLang="ko-KR" dirty="0"/>
-              <a:t>)</a:t>
-            </a:r>
-            <a:endParaRPr lang="ko-KR" altLang="en-US" dirty="0"/>
-          </a:p>
-        </p:txBody>
-      </p:sp>
     </p:spTree>
     <p:extLst>
       <p:ext uri="{BB962C8B-B14F-4D97-AF65-F5344CB8AC3E}">

--- a/GamSearch.pptx
+++ b/GamSearch.pptx
@@ -5477,10 +5477,10 @@
       </p:sp>
       <p:pic>
         <p:nvPicPr>
-          <p:cNvPr id="3" name="그림 2">
-            <a:extLst>
-              <a:ext uri="{FF2B5EF4-FFF2-40B4-BE49-F238E27FC236}">
-                <a16:creationId xmlns:a16="http://schemas.microsoft.com/office/drawing/2014/main" id="{D021900F-786E-846D-D52D-907AAF4DC27D}"/>
+          <p:cNvPr id="4" name="그림 3">
+            <a:extLst>
+              <a:ext uri="{FF2B5EF4-FFF2-40B4-BE49-F238E27FC236}">
+                <a16:creationId xmlns:a16="http://schemas.microsoft.com/office/drawing/2014/main" id="{054F8089-6A52-B232-6B5F-FA89B1731D57}"/>
               </a:ext>
             </a:extLst>
           </p:cNvPr>
@@ -5497,8 +5497,8 @@
         </p:blipFill>
         <p:spPr>
           <a:xfrm>
-            <a:off x="708204" y="775854"/>
-            <a:ext cx="10775591" cy="6082146"/>
+            <a:off x="876399" y="577150"/>
+            <a:ext cx="10525891" cy="6249651"/>
           </a:xfrm>
           <a:prstGeom prst="rect">
             <a:avLst/>
@@ -11883,7 +11883,7 @@
         </p:nvSpPr>
         <p:spPr>
           <a:xfrm>
-            <a:off x="2872590" y="2002122"/>
+            <a:off x="3123443" y="2098733"/>
             <a:ext cx="781614" cy="369332"/>
           </a:xfrm>
           <a:prstGeom prst="rect">
@@ -12110,7 +12110,7 @@
         </p:nvSpPr>
         <p:spPr>
           <a:xfrm>
-            <a:off x="9263203" y="1331825"/>
+            <a:off x="9839606" y="726400"/>
             <a:ext cx="2272419" cy="504524"/>
           </a:xfrm>
           <a:prstGeom prst="rect">
@@ -12574,10 +12574,9 @@
           <a:lstStyle/>
           <a:p>
             <a:r>
-              <a:rPr lang="ko-KR" altLang="en-US"/>
+              <a:rPr lang="ko-KR" altLang="en-US" dirty="0"/>
               <a:t>포인트 교환소</a:t>
             </a:r>
-            <a:endParaRPr lang="ko-KR" altLang="en-US" dirty="0"/>
           </a:p>
         </p:txBody>
       </p:sp>

--- a/GamSearch.pptx
+++ b/GamSearch.pptx
@@ -5477,10 +5477,10 @@
       </p:sp>
       <p:pic>
         <p:nvPicPr>
-          <p:cNvPr id="4" name="그림 3">
-            <a:extLst>
-              <a:ext uri="{FF2B5EF4-FFF2-40B4-BE49-F238E27FC236}">
-                <a16:creationId xmlns:a16="http://schemas.microsoft.com/office/drawing/2014/main" id="{054F8089-6A52-B232-6B5F-FA89B1731D57}"/>
+          <p:cNvPr id="3" name="그림 2">
+            <a:extLst>
+              <a:ext uri="{FF2B5EF4-FFF2-40B4-BE49-F238E27FC236}">
+                <a16:creationId xmlns:a16="http://schemas.microsoft.com/office/drawing/2014/main" id="{0A3AA64A-E274-E9E9-9110-8497167B0E86}"/>
               </a:ext>
             </a:extLst>
           </p:cNvPr>
@@ -5497,8 +5497,8 @@
         </p:blipFill>
         <p:spPr>
           <a:xfrm>
-            <a:off x="876399" y="577150"/>
-            <a:ext cx="10525891" cy="6249651"/>
+            <a:off x="450397" y="577150"/>
+            <a:ext cx="11467476" cy="6280850"/>
           </a:xfrm>
           <a:prstGeom prst="rect">
             <a:avLst/>
@@ -12110,7 +12110,7 @@
         </p:nvSpPr>
         <p:spPr>
           <a:xfrm>
-            <a:off x="9839606" y="726400"/>
+            <a:off x="9634398" y="1309585"/>
             <a:ext cx="2272419" cy="504524"/>
           </a:xfrm>
           <a:prstGeom prst="rect">

--- a/GamSearch.pptx
+++ b/GamSearch.pptx
@@ -5,7 +5,7 @@
     <p:sldMasterId id="2147483648" r:id="rId1"/>
   </p:sldMasterIdLst>
   <p:notesMasterIdLst>
-    <p:notesMasterId r:id="rId19"/>
+    <p:notesMasterId r:id="rId22"/>
   </p:notesMasterIdLst>
   <p:sldIdLst>
     <p:sldId id="257" r:id="rId2"/>
@@ -16,15 +16,18 @@
     <p:sldId id="256" r:id="rId7"/>
     <p:sldId id="271" r:id="rId8"/>
     <p:sldId id="273" r:id="rId9"/>
-    <p:sldId id="272" r:id="rId10"/>
-    <p:sldId id="268" r:id="rId11"/>
-    <p:sldId id="269" r:id="rId12"/>
-    <p:sldId id="274" r:id="rId13"/>
-    <p:sldId id="265" r:id="rId14"/>
-    <p:sldId id="266" r:id="rId15"/>
-    <p:sldId id="262" r:id="rId16"/>
-    <p:sldId id="267" r:id="rId17"/>
-    <p:sldId id="263" r:id="rId18"/>
+    <p:sldId id="275" r:id="rId10"/>
+    <p:sldId id="276" r:id="rId11"/>
+    <p:sldId id="272" r:id="rId12"/>
+    <p:sldId id="268" r:id="rId13"/>
+    <p:sldId id="269" r:id="rId14"/>
+    <p:sldId id="274" r:id="rId15"/>
+    <p:sldId id="277" r:id="rId16"/>
+    <p:sldId id="265" r:id="rId17"/>
+    <p:sldId id="266" r:id="rId18"/>
+    <p:sldId id="262" r:id="rId19"/>
+    <p:sldId id="267" r:id="rId20"/>
+    <p:sldId id="263" r:id="rId21"/>
   </p:sldIdLst>
   <p:sldSz cx="12192000" cy="6858000"/>
   <p:notesSz cx="6858000" cy="9144000"/>
@@ -271,7 +274,7 @@
           <a:p>
             <a:fld id="{FA85EDBE-8252-45C2-A9C5-8A6AC6FBD320}" type="datetimeFigureOut">
               <a:rPr lang="ko-KR" altLang="en-US" smtClean="0"/>
-              <a:t>2024-09-25</a:t>
+              <a:t>2024-10-01</a:t>
             </a:fld>
             <a:endParaRPr lang="ko-KR" altLang="en-US"/>
           </a:p>
@@ -769,7 +772,7 @@
           <a:p>
             <a:fld id="{59671178-1DD7-40C3-B074-D28224E0B86A}" type="datetimeFigureOut">
               <a:rPr lang="ko-KR" altLang="en-US" smtClean="0"/>
-              <a:t>2024-09-25</a:t>
+              <a:t>2024-10-01</a:t>
             </a:fld>
             <a:endParaRPr lang="ko-KR" altLang="en-US"/>
           </a:p>
@@ -967,7 +970,7 @@
           <a:p>
             <a:fld id="{59671178-1DD7-40C3-B074-D28224E0B86A}" type="datetimeFigureOut">
               <a:rPr lang="ko-KR" altLang="en-US" smtClean="0"/>
-              <a:t>2024-09-25</a:t>
+              <a:t>2024-10-01</a:t>
             </a:fld>
             <a:endParaRPr lang="ko-KR" altLang="en-US"/>
           </a:p>
@@ -1175,7 +1178,7 @@
           <a:p>
             <a:fld id="{59671178-1DD7-40C3-B074-D28224E0B86A}" type="datetimeFigureOut">
               <a:rPr lang="ko-KR" altLang="en-US" smtClean="0"/>
-              <a:t>2024-09-25</a:t>
+              <a:t>2024-10-01</a:t>
             </a:fld>
             <a:endParaRPr lang="ko-KR" altLang="en-US"/>
           </a:p>
@@ -1373,7 +1376,7 @@
           <a:p>
             <a:fld id="{59671178-1DD7-40C3-B074-D28224E0B86A}" type="datetimeFigureOut">
               <a:rPr lang="ko-KR" altLang="en-US" smtClean="0"/>
-              <a:t>2024-09-25</a:t>
+              <a:t>2024-10-01</a:t>
             </a:fld>
             <a:endParaRPr lang="ko-KR" altLang="en-US"/>
           </a:p>
@@ -1648,7 +1651,7 @@
           <a:p>
             <a:fld id="{59671178-1DD7-40C3-B074-D28224E0B86A}" type="datetimeFigureOut">
               <a:rPr lang="ko-KR" altLang="en-US" smtClean="0"/>
-              <a:t>2024-09-25</a:t>
+              <a:t>2024-10-01</a:t>
             </a:fld>
             <a:endParaRPr lang="ko-KR" altLang="en-US"/>
           </a:p>
@@ -1913,7 +1916,7 @@
           <a:p>
             <a:fld id="{59671178-1DD7-40C3-B074-D28224E0B86A}" type="datetimeFigureOut">
               <a:rPr lang="ko-KR" altLang="en-US" smtClean="0"/>
-              <a:t>2024-09-25</a:t>
+              <a:t>2024-10-01</a:t>
             </a:fld>
             <a:endParaRPr lang="ko-KR" altLang="en-US"/>
           </a:p>
@@ -2325,7 +2328,7 @@
           <a:p>
             <a:fld id="{59671178-1DD7-40C3-B074-D28224E0B86A}" type="datetimeFigureOut">
               <a:rPr lang="ko-KR" altLang="en-US" smtClean="0"/>
-              <a:t>2024-09-25</a:t>
+              <a:t>2024-10-01</a:t>
             </a:fld>
             <a:endParaRPr lang="ko-KR" altLang="en-US"/>
           </a:p>
@@ -2466,7 +2469,7 @@
           <a:p>
             <a:fld id="{59671178-1DD7-40C3-B074-D28224E0B86A}" type="datetimeFigureOut">
               <a:rPr lang="ko-KR" altLang="en-US" smtClean="0"/>
-              <a:t>2024-09-25</a:t>
+              <a:t>2024-10-01</a:t>
             </a:fld>
             <a:endParaRPr lang="ko-KR" altLang="en-US"/>
           </a:p>
@@ -2579,7 +2582,7 @@
           <a:p>
             <a:fld id="{59671178-1DD7-40C3-B074-D28224E0B86A}" type="datetimeFigureOut">
               <a:rPr lang="ko-KR" altLang="en-US" smtClean="0"/>
-              <a:t>2024-09-25</a:t>
+              <a:t>2024-10-01</a:t>
             </a:fld>
             <a:endParaRPr lang="ko-KR" altLang="en-US"/>
           </a:p>
@@ -2890,7 +2893,7 @@
           <a:p>
             <a:fld id="{59671178-1DD7-40C3-B074-D28224E0B86A}" type="datetimeFigureOut">
               <a:rPr lang="ko-KR" altLang="en-US" smtClean="0"/>
-              <a:t>2024-09-25</a:t>
+              <a:t>2024-10-01</a:t>
             </a:fld>
             <a:endParaRPr lang="ko-KR" altLang="en-US"/>
           </a:p>
@@ -3178,7 +3181,7 @@
           <a:p>
             <a:fld id="{59671178-1DD7-40C3-B074-D28224E0B86A}" type="datetimeFigureOut">
               <a:rPr lang="ko-KR" altLang="en-US" smtClean="0"/>
-              <a:t>2024-09-25</a:t>
+              <a:t>2024-10-01</a:t>
             </a:fld>
             <a:endParaRPr lang="ko-KR" altLang="en-US"/>
           </a:p>
@@ -3419,7 +3422,7 @@
           <a:p>
             <a:fld id="{59671178-1DD7-40C3-B074-D28224E0B86A}" type="datetimeFigureOut">
               <a:rPr lang="ko-KR" altLang="en-US" smtClean="0"/>
-              <a:t>2024-09-25</a:t>
+              <a:t>2024-10-01</a:t>
             </a:fld>
             <a:endParaRPr lang="ko-KR" altLang="en-US"/>
           </a:p>
@@ -3913,230 +3916,59 @@
       </p:grpSpPr>
       <p:sp>
         <p:nvSpPr>
-          <p:cNvPr id="4" name="직사각형 3">
-            <a:extLst>
-              <a:ext uri="{FF2B5EF4-FFF2-40B4-BE49-F238E27FC236}">
-                <a16:creationId xmlns:a16="http://schemas.microsoft.com/office/drawing/2014/main" id="{0C7299D8-2E64-7198-915B-90E1D03830F6}"/>
-              </a:ext>
-            </a:extLst>
-          </p:cNvPr>
-          <p:cNvSpPr/>
-          <p:nvPr/>
-        </p:nvSpPr>
-        <p:spPr>
-          <a:xfrm>
-            <a:off x="884411" y="1488935"/>
-            <a:ext cx="3509564" cy="4960416"/>
+          <p:cNvPr id="5" name="TextBox 4">
+            <a:extLst>
+              <a:ext uri="{FF2B5EF4-FFF2-40B4-BE49-F238E27FC236}">
+                <a16:creationId xmlns:a16="http://schemas.microsoft.com/office/drawing/2014/main" id="{4A42545E-3B59-045A-BEC4-C61664F7E6AE}"/>
+              </a:ext>
+            </a:extLst>
+          </p:cNvPr>
+          <p:cNvSpPr txBox="1"/>
+          <p:nvPr/>
+        </p:nvSpPr>
+        <p:spPr>
+          <a:xfrm>
+            <a:off x="4948850" y="706814"/>
+            <a:ext cx="744868" cy="646331"/>
           </a:xfrm>
           <a:prstGeom prst="rect">
             <a:avLst/>
           </a:prstGeom>
-          <a:solidFill>
-            <a:schemeClr val="bg1"/>
-          </a:solidFill>
-        </p:spPr>
-        <p:style>
-          <a:lnRef idx="2">
-            <a:schemeClr val="accent1">
-              <a:shade val="15000"/>
-            </a:schemeClr>
-          </a:lnRef>
-          <a:fillRef idx="1">
-            <a:schemeClr val="accent1"/>
-          </a:fillRef>
-          <a:effectRef idx="0">
-            <a:schemeClr val="accent1"/>
-          </a:effectRef>
-          <a:fontRef idx="minor">
-            <a:schemeClr val="lt1"/>
-          </a:fontRef>
-        </p:style>
-        <p:txBody>
-          <a:bodyPr rtlCol="0" anchor="ctr"/>
-          <a:lstStyle/>
-          <a:p>
-            <a:pPr algn="ctr"/>
+          <a:noFill/>
+        </p:spPr>
+        <p:txBody>
+          <a:bodyPr wrap="square" rtlCol="0">
+            <a:spAutoFit/>
+          </a:bodyPr>
+          <a:lstStyle/>
+          <a:p>
+            <a:r>
+              <a:rPr lang="ko-KR" altLang="en-US" dirty="0"/>
+              <a:t>로고</a:t>
+            </a:r>
+            <a:endParaRPr lang="en-US" altLang="ko-KR" dirty="0"/>
+          </a:p>
+          <a:p>
             <a:endParaRPr lang="ko-KR" altLang="en-US" dirty="0"/>
-          </a:p>
-        </p:txBody>
-      </p:sp>
-      <p:sp>
-        <p:nvSpPr>
-          <p:cNvPr id="5" name="말풍선: 사각형 4">
-            <a:extLst>
-              <a:ext uri="{FF2B5EF4-FFF2-40B4-BE49-F238E27FC236}">
-                <a16:creationId xmlns:a16="http://schemas.microsoft.com/office/drawing/2014/main" id="{4AEC287F-5E48-BE81-2CD0-3943C31462B3}"/>
-              </a:ext>
-            </a:extLst>
-          </p:cNvPr>
-          <p:cNvSpPr/>
-          <p:nvPr/>
-        </p:nvSpPr>
-        <p:spPr>
-          <a:xfrm>
-            <a:off x="1321828" y="1774309"/>
-            <a:ext cx="2291457" cy="805909"/>
-          </a:xfrm>
-          <a:prstGeom prst="wedgeRectCallout">
-            <a:avLst>
-              <a:gd name="adj1" fmla="val -58549"/>
-              <a:gd name="adj2" fmla="val 29252"/>
-            </a:avLst>
-          </a:prstGeom>
-        </p:spPr>
-        <p:style>
-          <a:lnRef idx="2">
-            <a:schemeClr val="accent1">
-              <a:shade val="15000"/>
-            </a:schemeClr>
-          </a:lnRef>
-          <a:fillRef idx="1">
-            <a:schemeClr val="accent1"/>
-          </a:fillRef>
-          <a:effectRef idx="0">
-            <a:schemeClr val="accent1"/>
-          </a:effectRef>
-          <a:fontRef idx="minor">
-            <a:schemeClr val="lt1"/>
-          </a:fontRef>
-        </p:style>
-        <p:txBody>
-          <a:bodyPr rtlCol="0" anchor="ctr"/>
-          <a:lstStyle/>
-          <a:p>
-            <a:pPr algn="ctr"/>
-            <a:r>
-              <a:rPr lang="ko-KR" altLang="en-US" sz="900" dirty="0">
-                <a:solidFill>
-                  <a:schemeClr val="tx1"/>
-                </a:solidFill>
-              </a:rPr>
-              <a:t>추천 받고 싶은 장르나 평소 즐기는 게임을 알려주세요</a:t>
-            </a:r>
-          </a:p>
-        </p:txBody>
-      </p:sp>
-      <p:sp>
-        <p:nvSpPr>
-          <p:cNvPr id="6" name="사각형: 둥근 모서리 5">
-            <a:extLst>
-              <a:ext uri="{FF2B5EF4-FFF2-40B4-BE49-F238E27FC236}">
-                <a16:creationId xmlns:a16="http://schemas.microsoft.com/office/drawing/2014/main" id="{9BFEBCA6-8D80-FE95-38C1-5B993F18AF5C}"/>
-              </a:ext>
-            </a:extLst>
-          </p:cNvPr>
-          <p:cNvSpPr/>
-          <p:nvPr/>
-        </p:nvSpPr>
-        <p:spPr>
-          <a:xfrm>
-            <a:off x="1010576" y="5545760"/>
-            <a:ext cx="2476544" cy="600934"/>
-          </a:xfrm>
-          <a:prstGeom prst="roundRect">
-            <a:avLst/>
-          </a:prstGeom>
-        </p:spPr>
-        <p:style>
-          <a:lnRef idx="2">
-            <a:schemeClr val="accent1">
-              <a:shade val="15000"/>
-            </a:schemeClr>
-          </a:lnRef>
-          <a:fillRef idx="1">
-            <a:schemeClr val="accent1"/>
-          </a:fillRef>
-          <a:effectRef idx="0">
-            <a:schemeClr val="accent1"/>
-          </a:effectRef>
-          <a:fontRef idx="minor">
-            <a:schemeClr val="lt1"/>
-          </a:fontRef>
-        </p:style>
-        <p:txBody>
-          <a:bodyPr rtlCol="0" anchor="ctr"/>
-          <a:lstStyle/>
-          <a:p>
-            <a:pPr algn="ctr"/>
-            <a:r>
-              <a:rPr lang="ko-KR" altLang="en-US" sz="800" dirty="0"/>
-              <a:t>입력하세요</a:t>
-            </a:r>
-            <a:r>
-              <a:rPr lang="en-US" altLang="ko-KR" sz="800" dirty="0"/>
-              <a:t>.</a:t>
-            </a:r>
-            <a:endParaRPr lang="ko-KR" altLang="en-US" sz="800" dirty="0"/>
-          </a:p>
-        </p:txBody>
-      </p:sp>
-      <p:sp>
-        <p:nvSpPr>
-          <p:cNvPr id="7" name="순서도: 대체 처리 6">
-            <a:extLst>
-              <a:ext uri="{FF2B5EF4-FFF2-40B4-BE49-F238E27FC236}">
-                <a16:creationId xmlns:a16="http://schemas.microsoft.com/office/drawing/2014/main" id="{CD72DA0D-E72A-4916-AEE9-5ECA6568FF1C}"/>
-              </a:ext>
-            </a:extLst>
-          </p:cNvPr>
-          <p:cNvSpPr/>
-          <p:nvPr/>
-        </p:nvSpPr>
-        <p:spPr>
-          <a:xfrm>
-            <a:off x="3613285" y="5545760"/>
-            <a:ext cx="650786" cy="600934"/>
-          </a:xfrm>
-          <a:prstGeom prst="flowChartAlternateProcess">
-            <a:avLst/>
-          </a:prstGeom>
-        </p:spPr>
-        <p:style>
-          <a:lnRef idx="2">
-            <a:schemeClr val="accent1">
-              <a:shade val="15000"/>
-            </a:schemeClr>
-          </a:lnRef>
-          <a:fillRef idx="1">
-            <a:schemeClr val="accent1"/>
-          </a:fillRef>
-          <a:effectRef idx="0">
-            <a:schemeClr val="accent1"/>
-          </a:effectRef>
-          <a:fontRef idx="minor">
-            <a:schemeClr val="lt1"/>
-          </a:fontRef>
-        </p:style>
-        <p:txBody>
-          <a:bodyPr rtlCol="0" anchor="ctr"/>
-          <a:lstStyle/>
-          <a:p>
-            <a:pPr algn="ctr"/>
-            <a:r>
-              <a:rPr lang="ko-KR" altLang="en-US" sz="800" dirty="0"/>
-              <a:t>전송</a:t>
-            </a:r>
           </a:p>
         </p:txBody>
       </p:sp>
       <p:cxnSp>
         <p:nvCxnSpPr>
-          <p:cNvPr id="8" name="직선 연결선 7">
-            <a:extLst>
-              <a:ext uri="{FF2B5EF4-FFF2-40B4-BE49-F238E27FC236}">
-                <a16:creationId xmlns:a16="http://schemas.microsoft.com/office/drawing/2014/main" id="{38C1A2F8-830B-D50A-9D25-704188A06CEB}"/>
-              </a:ext>
-            </a:extLst>
-          </p:cNvPr>
-          <p:cNvCxnSpPr>
-            <a:cxnSpLocks/>
-          </p:cNvCxnSpPr>
+          <p:cNvPr id="7" name="직선 연결선 6">
+            <a:extLst>
+              <a:ext uri="{FF2B5EF4-FFF2-40B4-BE49-F238E27FC236}">
+                <a16:creationId xmlns:a16="http://schemas.microsoft.com/office/drawing/2014/main" id="{AB51CA58-EEF2-2896-7DFC-EAF326312288}"/>
+              </a:ext>
+            </a:extLst>
+          </p:cNvPr>
+          <p:cNvCxnSpPr/>
           <p:nvPr/>
         </p:nvCxnSpPr>
         <p:spPr>
           <a:xfrm>
-            <a:off x="884411" y="5251730"/>
-            <a:ext cx="3509564" cy="0"/>
+            <a:off x="81481" y="1312752"/>
+            <a:ext cx="12110519" cy="0"/>
           </a:xfrm>
           <a:prstGeom prst="line">
             <a:avLst/>
@@ -4159,10 +3991,10 @@
       </p:cxnSp>
       <p:cxnSp>
         <p:nvCxnSpPr>
-          <p:cNvPr id="12" name="연결선: 꺾임 11">
-            <a:extLst>
-              <a:ext uri="{FF2B5EF4-FFF2-40B4-BE49-F238E27FC236}">
-                <a16:creationId xmlns:a16="http://schemas.microsoft.com/office/drawing/2014/main" id="{5697B160-30EB-9480-8DD7-8A858AB4C51E}"/>
+          <p:cNvPr id="9" name="직선 연결선 8">
+            <a:extLst>
+              <a:ext uri="{FF2B5EF4-FFF2-40B4-BE49-F238E27FC236}">
+                <a16:creationId xmlns:a16="http://schemas.microsoft.com/office/drawing/2014/main" id="{FF30385D-8F51-1DEE-A14F-48331D32945D}"/>
               </a:ext>
             </a:extLst>
           </p:cNvPr>
@@ -4172,18 +4004,13 @@
           <p:nvPr/>
         </p:nvCxnSpPr>
         <p:spPr>
-          <a:xfrm flipV="1">
-            <a:off x="3613285" y="1110949"/>
-            <a:ext cx="5091596" cy="1116693"/>
-          </a:xfrm>
-          <a:prstGeom prst="bentConnector3">
-            <a:avLst>
-              <a:gd name="adj1" fmla="val 50000"/>
-            </a:avLst>
-          </a:prstGeom>
-          <a:ln>
-            <a:tailEnd type="triangle"/>
-          </a:ln>
+          <a:xfrm>
+            <a:off x="81481" y="1828800"/>
+            <a:ext cx="12110519" cy="0"/>
+          </a:xfrm>
+          <a:prstGeom prst="line">
+            <a:avLst/>
+          </a:prstGeom>
         </p:spPr>
         <p:style>
           <a:lnRef idx="1">
@@ -4200,86 +4027,12 @@
           </a:fontRef>
         </p:style>
       </p:cxnSp>
-      <p:sp>
-        <p:nvSpPr>
-          <p:cNvPr id="13" name="TextBox 12">
-            <a:extLst>
-              <a:ext uri="{FF2B5EF4-FFF2-40B4-BE49-F238E27FC236}">
-                <a16:creationId xmlns:a16="http://schemas.microsoft.com/office/drawing/2014/main" id="{294AD9DE-373F-7B5E-C96B-33F03663E295}"/>
-              </a:ext>
-            </a:extLst>
-          </p:cNvPr>
-          <p:cNvSpPr txBox="1"/>
-          <p:nvPr/>
-        </p:nvSpPr>
-        <p:spPr>
-          <a:xfrm>
-            <a:off x="8885055" y="849339"/>
-            <a:ext cx="2662280" cy="523220"/>
-          </a:xfrm>
-          <a:prstGeom prst="rect">
-            <a:avLst/>
-          </a:prstGeom>
-          <a:noFill/>
-        </p:spPr>
-        <p:txBody>
-          <a:bodyPr wrap="square" rtlCol="0">
-            <a:spAutoFit/>
-          </a:bodyPr>
-          <a:lstStyle/>
-          <a:p>
-            <a:r>
-              <a:rPr lang="ko-KR" altLang="en-US" sz="1400" dirty="0"/>
-              <a:t>사용자에게 예시문구를 보여주면서 사용 방법 알려줌</a:t>
-            </a:r>
-          </a:p>
-        </p:txBody>
-      </p:sp>
-      <p:sp>
-        <p:nvSpPr>
-          <p:cNvPr id="15" name="TextBox 14">
-            <a:extLst>
-              <a:ext uri="{FF2B5EF4-FFF2-40B4-BE49-F238E27FC236}">
-                <a16:creationId xmlns:a16="http://schemas.microsoft.com/office/drawing/2014/main" id="{BC151E56-24FE-733D-EFAF-D629EFB8E188}"/>
-              </a:ext>
-            </a:extLst>
-          </p:cNvPr>
-          <p:cNvSpPr txBox="1"/>
-          <p:nvPr/>
-        </p:nvSpPr>
-        <p:spPr>
-          <a:xfrm>
-            <a:off x="884411" y="392023"/>
-            <a:ext cx="1943017" cy="369332"/>
-          </a:xfrm>
-          <a:prstGeom prst="rect">
-            <a:avLst/>
-          </a:prstGeom>
-          <a:noFill/>
-        </p:spPr>
-        <p:txBody>
-          <a:bodyPr wrap="square" rtlCol="0">
-            <a:spAutoFit/>
-          </a:bodyPr>
-          <a:lstStyle/>
-          <a:p>
-            <a:r>
-              <a:rPr lang="en-US" altLang="ko-KR" dirty="0"/>
-              <a:t>III. </a:t>
-            </a:r>
-            <a:r>
-              <a:rPr lang="ko-KR" altLang="en-US" dirty="0"/>
-              <a:t>설계</a:t>
-            </a:r>
-          </a:p>
-        </p:txBody>
-      </p:sp>
       <p:cxnSp>
         <p:nvCxnSpPr>
-          <p:cNvPr id="17" name="연결선: 꺾임 16">
-            <a:extLst>
-              <a:ext uri="{FF2B5EF4-FFF2-40B4-BE49-F238E27FC236}">
-                <a16:creationId xmlns:a16="http://schemas.microsoft.com/office/drawing/2014/main" id="{9F4BA65C-0745-7FC2-AD36-B9F0B7D3407D}"/>
+          <p:cNvPr id="16" name="직선 연결선 15">
+            <a:extLst>
+              <a:ext uri="{FF2B5EF4-FFF2-40B4-BE49-F238E27FC236}">
+                <a16:creationId xmlns:a16="http://schemas.microsoft.com/office/drawing/2014/main" id="{21E8D0EA-3067-4412-60C2-A1777C664C19}"/>
               </a:ext>
             </a:extLst>
           </p:cNvPr>
@@ -4289,18 +4042,13 @@
           <p:nvPr/>
         </p:nvCxnSpPr>
         <p:spPr>
-          <a:xfrm flipV="1">
-            <a:off x="2467556" y="1942223"/>
-            <a:ext cx="6237326" cy="4204471"/>
-          </a:xfrm>
-          <a:prstGeom prst="bentConnector3">
-            <a:avLst>
-              <a:gd name="adj1" fmla="val 61547"/>
-            </a:avLst>
-          </a:prstGeom>
-          <a:ln>
-            <a:tailEnd type="triangle"/>
-          </a:ln>
+          <a:xfrm>
+            <a:off x="7795033" y="1857891"/>
+            <a:ext cx="0" cy="5029200"/>
+          </a:xfrm>
+          <a:prstGeom prst="line">
+            <a:avLst/>
+          </a:prstGeom>
         </p:spPr>
         <p:style>
           <a:lnRef idx="1">
@@ -4322,7 +4070,7 @@
           <p:cNvPr id="18" name="TextBox 17">
             <a:extLst>
               <a:ext uri="{FF2B5EF4-FFF2-40B4-BE49-F238E27FC236}">
-                <a16:creationId xmlns:a16="http://schemas.microsoft.com/office/drawing/2014/main" id="{5A58658F-120E-3B3B-DAFC-B0C0F24128DC}"/>
+                <a16:creationId xmlns:a16="http://schemas.microsoft.com/office/drawing/2014/main" id="{757D319B-1646-8783-0326-3ADC037BA0D9}"/>
               </a:ext>
             </a:extLst>
           </p:cNvPr>
@@ -4331,8 +4079,8 @@
         </p:nvSpPr>
         <p:spPr>
           <a:xfrm>
-            <a:off x="8885055" y="1757557"/>
-            <a:ext cx="2516623" cy="307777"/>
+            <a:off x="8637005" y="2264688"/>
+            <a:ext cx="1557196" cy="646331"/>
           </a:xfrm>
           <a:prstGeom prst="rect">
             <a:avLst/>
@@ -4346,18 +4094,94 @@
           <a:lstStyle/>
           <a:p>
             <a:r>
-              <a:rPr lang="ko-KR" altLang="en-US" sz="1400" dirty="0"/>
-              <a:t>사용자의 입력을 받을 공간</a:t>
-            </a:r>
-          </a:p>
-        </p:txBody>
-      </p:sp>
-      <p:sp>
-        <p:nvSpPr>
-          <p:cNvPr id="19" name="말풍선: 사각형 18">
-            <a:extLst>
-              <a:ext uri="{FF2B5EF4-FFF2-40B4-BE49-F238E27FC236}">
-                <a16:creationId xmlns:a16="http://schemas.microsoft.com/office/drawing/2014/main" id="{782CB620-0B56-8A30-3595-8EF0C607DFF7}"/>
+              <a:rPr lang="ko-KR" altLang="en-US" dirty="0"/>
+              <a:t>로그인</a:t>
+            </a:r>
+            <a:endParaRPr lang="en-US" altLang="ko-KR" dirty="0"/>
+          </a:p>
+          <a:p>
+            <a:endParaRPr lang="ko-KR" altLang="en-US" dirty="0"/>
+          </a:p>
+        </p:txBody>
+      </p:sp>
+      <p:cxnSp>
+        <p:nvCxnSpPr>
+          <p:cNvPr id="20" name="직선 연결선 19">
+            <a:extLst>
+              <a:ext uri="{FF2B5EF4-FFF2-40B4-BE49-F238E27FC236}">
+                <a16:creationId xmlns:a16="http://schemas.microsoft.com/office/drawing/2014/main" id="{34826BFA-9CA9-134A-1535-1467976DCDBE}"/>
+              </a:ext>
+            </a:extLst>
+          </p:cNvPr>
+          <p:cNvCxnSpPr/>
+          <p:nvPr/>
+        </p:nvCxnSpPr>
+        <p:spPr>
+          <a:xfrm>
+            <a:off x="7779946" y="3024553"/>
+            <a:ext cx="2749236" cy="0"/>
+          </a:xfrm>
+          <a:prstGeom prst="line">
+            <a:avLst/>
+          </a:prstGeom>
+        </p:spPr>
+        <p:style>
+          <a:lnRef idx="1">
+            <a:schemeClr val="accent1"/>
+          </a:lnRef>
+          <a:fillRef idx="0">
+            <a:schemeClr val="accent1"/>
+          </a:fillRef>
+          <a:effectRef idx="0">
+            <a:schemeClr val="accent1"/>
+          </a:effectRef>
+          <a:fontRef idx="minor">
+            <a:schemeClr val="tx1"/>
+          </a:fontRef>
+        </p:style>
+      </p:cxnSp>
+      <p:sp>
+        <p:nvSpPr>
+          <p:cNvPr id="21" name="TextBox 20">
+            <a:extLst>
+              <a:ext uri="{FF2B5EF4-FFF2-40B4-BE49-F238E27FC236}">
+                <a16:creationId xmlns:a16="http://schemas.microsoft.com/office/drawing/2014/main" id="{800827E3-7A23-710A-661C-246F2B246DD3}"/>
+              </a:ext>
+            </a:extLst>
+          </p:cNvPr>
+          <p:cNvSpPr txBox="1"/>
+          <p:nvPr/>
+        </p:nvSpPr>
+        <p:spPr>
+          <a:xfrm>
+            <a:off x="9174181" y="3066395"/>
+            <a:ext cx="1376124" cy="369332"/>
+          </a:xfrm>
+          <a:prstGeom prst="rect">
+            <a:avLst/>
+          </a:prstGeom>
+          <a:noFill/>
+        </p:spPr>
+        <p:txBody>
+          <a:bodyPr wrap="square" rtlCol="0">
+            <a:spAutoFit/>
+          </a:bodyPr>
+          <a:lstStyle/>
+          <a:p>
+            <a:r>
+              <a:rPr lang="ko-KR" altLang="en-US"/>
+              <a:t>인기게시글</a:t>
+            </a:r>
+            <a:endParaRPr lang="ko-KR" altLang="en-US" dirty="0"/>
+          </a:p>
+        </p:txBody>
+      </p:sp>
+      <p:sp>
+        <p:nvSpPr>
+          <p:cNvPr id="22" name="직사각형 21">
+            <a:extLst>
+              <a:ext uri="{FF2B5EF4-FFF2-40B4-BE49-F238E27FC236}">
+                <a16:creationId xmlns:a16="http://schemas.microsoft.com/office/drawing/2014/main" id="{A2C3C9DC-6BC1-4195-A272-B11B0ECC3228}"/>
               </a:ext>
             </a:extLst>
           </p:cNvPr>
@@ -4366,14 +4190,11 @@
         </p:nvSpPr>
         <p:spPr>
           <a:xfrm>
-            <a:off x="1566293" y="4277783"/>
-            <a:ext cx="2291457" cy="805909"/>
-          </a:xfrm>
-          <a:prstGeom prst="wedgeRectCallout">
-            <a:avLst>
-              <a:gd name="adj1" fmla="val 59046"/>
-              <a:gd name="adj2" fmla="val 25236"/>
-            </a:avLst>
+            <a:off x="9886287" y="1323733"/>
+            <a:ext cx="2272419" cy="504524"/>
+          </a:xfrm>
+          <a:prstGeom prst="rect">
+            <a:avLst/>
           </a:prstGeom>
         </p:spPr>
         <p:style>
@@ -4398,38 +4219,18 @@
           <a:p>
             <a:pPr algn="ctr"/>
             <a:r>
-              <a:rPr lang="ko-KR" altLang="en-US" sz="900" dirty="0">
-                <a:solidFill>
-                  <a:schemeClr val="tx1"/>
-                </a:solidFill>
-              </a:rPr>
-              <a:t>둘이서 할 </a:t>
-            </a:r>
-            <a:r>
-              <a:rPr lang="ko-KR" altLang="en-US" sz="900" dirty="0" err="1">
-                <a:solidFill>
-                  <a:schemeClr val="tx1"/>
-                </a:solidFill>
-              </a:rPr>
-              <a:t>총게임</a:t>
-            </a:r>
-            <a:r>
-              <a:rPr lang="ko-KR" altLang="en-US" sz="900" dirty="0">
-                <a:solidFill>
-                  <a:schemeClr val="tx1"/>
-                </a:solidFill>
-              </a:rPr>
-              <a:t> 알려줘</a:t>
+              <a:rPr lang="ko-KR" altLang="en-US" dirty="0"/>
+              <a:t>통합검색</a:t>
             </a:r>
           </a:p>
         </p:txBody>
       </p:sp>
       <p:cxnSp>
         <p:nvCxnSpPr>
-          <p:cNvPr id="20" name="연결선: 꺾임 19">
-            <a:extLst>
-              <a:ext uri="{FF2B5EF4-FFF2-40B4-BE49-F238E27FC236}">
-                <a16:creationId xmlns:a16="http://schemas.microsoft.com/office/drawing/2014/main" id="{CF4DCBDA-FBFE-14B8-F0AE-E040D70AC5F0}"/>
+          <p:cNvPr id="26" name="직선 연결선 25">
+            <a:extLst>
+              <a:ext uri="{FF2B5EF4-FFF2-40B4-BE49-F238E27FC236}">
+                <a16:creationId xmlns:a16="http://schemas.microsoft.com/office/drawing/2014/main" id="{38C68FDE-191D-5EAD-C01B-D56BFC7DD0D8}"/>
               </a:ext>
             </a:extLst>
           </p:cNvPr>
@@ -4439,18 +4240,13 @@
           <p:nvPr/>
         </p:nvCxnSpPr>
         <p:spPr>
-          <a:xfrm flipV="1">
-            <a:off x="4169002" y="2737112"/>
-            <a:ext cx="4618948" cy="2145288"/>
-          </a:xfrm>
-          <a:prstGeom prst="bentConnector3">
-            <a:avLst>
-              <a:gd name="adj1" fmla="val 48423"/>
-            </a:avLst>
-          </a:prstGeom>
-          <a:ln>
-            <a:tailEnd type="triangle"/>
-          </a:ln>
+          <a:xfrm>
+            <a:off x="1242587" y="1311246"/>
+            <a:ext cx="0" cy="516048"/>
+          </a:xfrm>
+          <a:prstGeom prst="line">
+            <a:avLst/>
+          </a:prstGeom>
         </p:spPr>
         <p:style>
           <a:lnRef idx="1">
@@ -4467,68 +4263,26 @@
           </a:fontRef>
         </p:style>
       </p:cxnSp>
-      <p:sp>
-        <p:nvSpPr>
-          <p:cNvPr id="30" name="TextBox 29">
-            <a:extLst>
-              <a:ext uri="{FF2B5EF4-FFF2-40B4-BE49-F238E27FC236}">
-                <a16:creationId xmlns:a16="http://schemas.microsoft.com/office/drawing/2014/main" id="{90015E8E-19AB-E980-70E1-2B85943C293B}"/>
-              </a:ext>
-            </a:extLst>
-          </p:cNvPr>
-          <p:cNvSpPr txBox="1"/>
-          <p:nvPr/>
-        </p:nvSpPr>
-        <p:spPr>
-          <a:xfrm>
-            <a:off x="8885055" y="2596537"/>
-            <a:ext cx="2516623" cy="307777"/>
-          </a:xfrm>
-          <a:prstGeom prst="rect">
-            <a:avLst/>
-          </a:prstGeom>
-          <a:noFill/>
-        </p:spPr>
-        <p:txBody>
-          <a:bodyPr wrap="square" rtlCol="0">
-            <a:spAutoFit/>
-          </a:bodyPr>
-          <a:lstStyle/>
-          <a:p>
-            <a:r>
-              <a:rPr lang="ko-KR" altLang="en-US" sz="1400" dirty="0"/>
-              <a:t>사용자가 질문한 내용 출력</a:t>
-            </a:r>
-          </a:p>
-        </p:txBody>
-      </p:sp>
       <p:cxnSp>
         <p:nvCxnSpPr>
-          <p:cNvPr id="32" name="연결선: 꺾임 31">
-            <a:extLst>
-              <a:ext uri="{FF2B5EF4-FFF2-40B4-BE49-F238E27FC236}">
-                <a16:creationId xmlns:a16="http://schemas.microsoft.com/office/drawing/2014/main" id="{F788E950-05C2-9B39-2865-E145F191E9E1}"/>
-              </a:ext>
-            </a:extLst>
-          </p:cNvPr>
-          <p:cNvCxnSpPr>
-            <a:cxnSpLocks/>
-          </p:cNvCxnSpPr>
+          <p:cNvPr id="29" name="직선 연결선 28">
+            <a:extLst>
+              <a:ext uri="{FF2B5EF4-FFF2-40B4-BE49-F238E27FC236}">
+                <a16:creationId xmlns:a16="http://schemas.microsoft.com/office/drawing/2014/main" id="{D8AEC86E-E653-8ADF-068B-9C7E0267BFE8}"/>
+              </a:ext>
+            </a:extLst>
+          </p:cNvPr>
+          <p:cNvCxnSpPr/>
           <p:nvPr/>
         </p:nvCxnSpPr>
         <p:spPr>
-          <a:xfrm flipV="1">
-            <a:off x="4264071" y="4094570"/>
-            <a:ext cx="4370131" cy="1751657"/>
-          </a:xfrm>
-          <a:prstGeom prst="bentConnector3">
-            <a:avLst>
-              <a:gd name="adj1" fmla="val 50000"/>
-            </a:avLst>
-          </a:prstGeom>
-          <a:ln>
-            <a:tailEnd type="triangle"/>
-          </a:ln>
+          <a:xfrm>
+            <a:off x="7779946" y="3477568"/>
+            <a:ext cx="2749236" cy="0"/>
+          </a:xfrm>
+          <a:prstGeom prst="line">
+            <a:avLst/>
+          </a:prstGeom>
         </p:spPr>
         <p:style>
           <a:lnRef idx="1">
@@ -4547,10 +4301,10 @@
       </p:cxnSp>
       <p:sp>
         <p:nvSpPr>
-          <p:cNvPr id="36" name="TextBox 35">
-            <a:extLst>
-              <a:ext uri="{FF2B5EF4-FFF2-40B4-BE49-F238E27FC236}">
-                <a16:creationId xmlns:a16="http://schemas.microsoft.com/office/drawing/2014/main" id="{1EEE35EA-6D07-1948-3100-7C04CA3DB6B8}"/>
+          <p:cNvPr id="30" name="TextBox 29">
+            <a:extLst>
+              <a:ext uri="{FF2B5EF4-FFF2-40B4-BE49-F238E27FC236}">
+                <a16:creationId xmlns:a16="http://schemas.microsoft.com/office/drawing/2014/main" id="{742B37F8-4CC1-4197-9E11-84CF396B2D0A}"/>
               </a:ext>
             </a:extLst>
           </p:cNvPr>
@@ -4559,8 +4313,8 @@
         </p:nvSpPr>
         <p:spPr>
           <a:xfrm>
-            <a:off x="8704881" y="3681876"/>
-            <a:ext cx="2405483" cy="738664"/>
+            <a:off x="7843321" y="3066395"/>
+            <a:ext cx="1376124" cy="369332"/>
           </a:xfrm>
           <a:prstGeom prst="rect">
             <a:avLst/>
@@ -4574,24 +4328,1813 @@
           <a:lstStyle/>
           <a:p>
             <a:r>
-              <a:rPr lang="ko-KR" altLang="en-US" sz="1400" dirty="0"/>
-              <a:t>전송 버튼 누르면 사용자가 입력한 내용을 </a:t>
-            </a:r>
-            <a:r>
-              <a:rPr lang="ko-KR" altLang="en-US" sz="1400" dirty="0" err="1"/>
-              <a:t>쳇봇에게</a:t>
-            </a:r>
-            <a:r>
-              <a:rPr lang="ko-KR" altLang="en-US" sz="1400" dirty="0"/>
-              <a:t> 전송</a:t>
-            </a:r>
-          </a:p>
-        </p:txBody>
-      </p:sp>
+              <a:rPr lang="ko-KR" altLang="en-US" dirty="0" err="1"/>
+              <a:t>최신게시글</a:t>
+            </a:r>
+            <a:endParaRPr lang="ko-KR" altLang="en-US" dirty="0"/>
+          </a:p>
+        </p:txBody>
+      </p:sp>
+      <p:cxnSp>
+        <p:nvCxnSpPr>
+          <p:cNvPr id="32" name="직선 연결선 31">
+            <a:extLst>
+              <a:ext uri="{FF2B5EF4-FFF2-40B4-BE49-F238E27FC236}">
+                <a16:creationId xmlns:a16="http://schemas.microsoft.com/office/drawing/2014/main" id="{F33AD353-3650-761F-9A9C-F5C002AD351C}"/>
+              </a:ext>
+            </a:extLst>
+          </p:cNvPr>
+          <p:cNvCxnSpPr/>
+          <p:nvPr/>
+        </p:nvCxnSpPr>
+        <p:spPr>
+          <a:xfrm>
+            <a:off x="9174182" y="3024553"/>
+            <a:ext cx="0" cy="453015"/>
+          </a:xfrm>
+          <a:prstGeom prst="line">
+            <a:avLst/>
+          </a:prstGeom>
+        </p:spPr>
+        <p:style>
+          <a:lnRef idx="1">
+            <a:schemeClr val="accent1"/>
+          </a:lnRef>
+          <a:fillRef idx="0">
+            <a:schemeClr val="accent1"/>
+          </a:fillRef>
+          <a:effectRef idx="0">
+            <a:schemeClr val="accent1"/>
+          </a:effectRef>
+          <a:fontRef idx="minor">
+            <a:schemeClr val="tx1"/>
+          </a:fontRef>
+        </p:style>
+      </p:cxnSp>
+      <p:sp>
+        <p:nvSpPr>
+          <p:cNvPr id="33" name="TextBox 32">
+            <a:extLst>
+              <a:ext uri="{FF2B5EF4-FFF2-40B4-BE49-F238E27FC236}">
+                <a16:creationId xmlns:a16="http://schemas.microsoft.com/office/drawing/2014/main" id="{B59AADED-DB8C-79A0-E91B-39788F19A83B}"/>
+              </a:ext>
+            </a:extLst>
+          </p:cNvPr>
+          <p:cNvSpPr txBox="1"/>
+          <p:nvPr/>
+        </p:nvSpPr>
+        <p:spPr>
+          <a:xfrm>
+            <a:off x="530381" y="1371565"/>
+            <a:ext cx="1424412" cy="369332"/>
+          </a:xfrm>
+          <a:prstGeom prst="rect">
+            <a:avLst/>
+          </a:prstGeom>
+          <a:noFill/>
+        </p:spPr>
+        <p:txBody>
+          <a:bodyPr wrap="square" rtlCol="0">
+            <a:spAutoFit/>
+          </a:bodyPr>
+          <a:lstStyle/>
+          <a:p>
+            <a:r>
+              <a:rPr lang="ko-KR" altLang="en-US" dirty="0"/>
+              <a:t>홈</a:t>
+            </a:r>
+          </a:p>
+        </p:txBody>
+      </p:sp>
+      <p:sp>
+        <p:nvSpPr>
+          <p:cNvPr id="34" name="TextBox 33">
+            <a:extLst>
+              <a:ext uri="{FF2B5EF4-FFF2-40B4-BE49-F238E27FC236}">
+                <a16:creationId xmlns:a16="http://schemas.microsoft.com/office/drawing/2014/main" id="{97A18680-5A49-36A1-628A-578EF0C8AB59}"/>
+              </a:ext>
+            </a:extLst>
+          </p:cNvPr>
+          <p:cNvSpPr txBox="1"/>
+          <p:nvPr/>
+        </p:nvSpPr>
+        <p:spPr>
+          <a:xfrm>
+            <a:off x="1706577" y="1384604"/>
+            <a:ext cx="1303699" cy="369332"/>
+          </a:xfrm>
+          <a:prstGeom prst="rect">
+            <a:avLst/>
+          </a:prstGeom>
+          <a:noFill/>
+        </p:spPr>
+        <p:txBody>
+          <a:bodyPr wrap="square" rtlCol="0">
+            <a:spAutoFit/>
+          </a:bodyPr>
+          <a:lstStyle/>
+          <a:p>
+            <a:r>
+              <a:rPr lang="ko-KR" altLang="en-US" dirty="0"/>
+              <a:t>뉴스</a:t>
+            </a:r>
+          </a:p>
+        </p:txBody>
+      </p:sp>
+      <p:cxnSp>
+        <p:nvCxnSpPr>
+          <p:cNvPr id="35" name="직선 연결선 34">
+            <a:extLst>
+              <a:ext uri="{FF2B5EF4-FFF2-40B4-BE49-F238E27FC236}">
+                <a16:creationId xmlns:a16="http://schemas.microsoft.com/office/drawing/2014/main" id="{AF5566D7-0E81-A3F9-F03A-BA5BC77AD300}"/>
+              </a:ext>
+            </a:extLst>
+          </p:cNvPr>
+          <p:cNvCxnSpPr>
+            <a:cxnSpLocks/>
+          </p:cNvCxnSpPr>
+          <p:nvPr/>
+        </p:nvCxnSpPr>
+        <p:spPr>
+          <a:xfrm>
+            <a:off x="2629404" y="1317956"/>
+            <a:ext cx="0" cy="516048"/>
+          </a:xfrm>
+          <a:prstGeom prst="line">
+            <a:avLst/>
+          </a:prstGeom>
+        </p:spPr>
+        <p:style>
+          <a:lnRef idx="1">
+            <a:schemeClr val="accent1"/>
+          </a:lnRef>
+          <a:fillRef idx="0">
+            <a:schemeClr val="accent1"/>
+          </a:fillRef>
+          <a:effectRef idx="0">
+            <a:schemeClr val="accent1"/>
+          </a:effectRef>
+          <a:fontRef idx="minor">
+            <a:schemeClr val="tx1"/>
+          </a:fontRef>
+        </p:style>
+      </p:cxnSp>
+      <p:cxnSp>
+        <p:nvCxnSpPr>
+          <p:cNvPr id="39" name="직선 연결선 38">
+            <a:extLst>
+              <a:ext uri="{FF2B5EF4-FFF2-40B4-BE49-F238E27FC236}">
+                <a16:creationId xmlns:a16="http://schemas.microsoft.com/office/drawing/2014/main" id="{4AA3DF56-64A3-DC70-C4B0-4C6DBCD654DC}"/>
+              </a:ext>
+            </a:extLst>
+          </p:cNvPr>
+          <p:cNvCxnSpPr>
+            <a:cxnSpLocks/>
+          </p:cNvCxnSpPr>
+          <p:nvPr/>
+        </p:nvCxnSpPr>
+        <p:spPr>
+          <a:xfrm>
+            <a:off x="3884289" y="1301772"/>
+            <a:ext cx="0" cy="542669"/>
+          </a:xfrm>
+          <a:prstGeom prst="line">
+            <a:avLst/>
+          </a:prstGeom>
+        </p:spPr>
+        <p:style>
+          <a:lnRef idx="1">
+            <a:schemeClr val="accent1"/>
+          </a:lnRef>
+          <a:fillRef idx="0">
+            <a:schemeClr val="accent1"/>
+          </a:fillRef>
+          <a:effectRef idx="0">
+            <a:schemeClr val="accent1"/>
+          </a:effectRef>
+          <a:fontRef idx="minor">
+            <a:schemeClr val="tx1"/>
+          </a:fontRef>
+        </p:style>
+      </p:cxnSp>
+      <p:sp>
+        <p:nvSpPr>
+          <p:cNvPr id="40" name="TextBox 39">
+            <a:extLst>
+              <a:ext uri="{FF2B5EF4-FFF2-40B4-BE49-F238E27FC236}">
+                <a16:creationId xmlns:a16="http://schemas.microsoft.com/office/drawing/2014/main" id="{E5DC1B8C-3E63-D654-1995-49FF4690D336}"/>
+              </a:ext>
+            </a:extLst>
+          </p:cNvPr>
+          <p:cNvSpPr txBox="1"/>
+          <p:nvPr/>
+        </p:nvSpPr>
+        <p:spPr>
+          <a:xfrm>
+            <a:off x="2897862" y="1400656"/>
+            <a:ext cx="906006" cy="369332"/>
+          </a:xfrm>
+          <a:prstGeom prst="rect">
+            <a:avLst/>
+          </a:prstGeom>
+          <a:noFill/>
+        </p:spPr>
+        <p:txBody>
+          <a:bodyPr wrap="square" rtlCol="0">
+            <a:spAutoFit/>
+          </a:bodyPr>
+          <a:lstStyle/>
+          <a:p>
+            <a:r>
+              <a:rPr lang="ko-KR" altLang="en-US" dirty="0"/>
+              <a:t>게시판</a:t>
+            </a:r>
+          </a:p>
+        </p:txBody>
+      </p:sp>
+      <p:sp>
+        <p:nvSpPr>
+          <p:cNvPr id="41" name="TextBox 40">
+            <a:extLst>
+              <a:ext uri="{FF2B5EF4-FFF2-40B4-BE49-F238E27FC236}">
+                <a16:creationId xmlns:a16="http://schemas.microsoft.com/office/drawing/2014/main" id="{697FA99B-C60E-69CC-B12B-36C427812A6F}"/>
+              </a:ext>
+            </a:extLst>
+          </p:cNvPr>
+          <p:cNvSpPr txBox="1"/>
+          <p:nvPr/>
+        </p:nvSpPr>
+        <p:spPr>
+          <a:xfrm>
+            <a:off x="5993002" y="1400656"/>
+            <a:ext cx="1181862" cy="369332"/>
+          </a:xfrm>
+          <a:prstGeom prst="rect">
+            <a:avLst/>
+          </a:prstGeom>
+          <a:noFill/>
+        </p:spPr>
+        <p:txBody>
+          <a:bodyPr wrap="square" rtlCol="0">
+            <a:spAutoFit/>
+          </a:bodyPr>
+          <a:lstStyle/>
+          <a:p>
+            <a:r>
+              <a:rPr lang="ko-KR" altLang="en-US" dirty="0"/>
+              <a:t>듀오 찾기</a:t>
+            </a:r>
+          </a:p>
+        </p:txBody>
+      </p:sp>
+      <p:cxnSp>
+        <p:nvCxnSpPr>
+          <p:cNvPr id="42" name="직선 연결선 41">
+            <a:extLst>
+              <a:ext uri="{FF2B5EF4-FFF2-40B4-BE49-F238E27FC236}">
+                <a16:creationId xmlns:a16="http://schemas.microsoft.com/office/drawing/2014/main" id="{8D676611-7D0A-EEF8-0540-7C323DC6002A}"/>
+              </a:ext>
+            </a:extLst>
+          </p:cNvPr>
+          <p:cNvCxnSpPr>
+            <a:cxnSpLocks/>
+          </p:cNvCxnSpPr>
+          <p:nvPr/>
+        </p:nvCxnSpPr>
+        <p:spPr>
+          <a:xfrm>
+            <a:off x="7174867" y="1311246"/>
+            <a:ext cx="0" cy="516048"/>
+          </a:xfrm>
+          <a:prstGeom prst="line">
+            <a:avLst/>
+          </a:prstGeom>
+        </p:spPr>
+        <p:style>
+          <a:lnRef idx="1">
+            <a:schemeClr val="accent1"/>
+          </a:lnRef>
+          <a:fillRef idx="0">
+            <a:schemeClr val="accent1"/>
+          </a:fillRef>
+          <a:effectRef idx="0">
+            <a:schemeClr val="accent1"/>
+          </a:effectRef>
+          <a:fontRef idx="minor">
+            <a:schemeClr val="tx1"/>
+          </a:fontRef>
+        </p:style>
+      </p:cxnSp>
+      <p:sp>
+        <p:nvSpPr>
+          <p:cNvPr id="43" name="TextBox 42">
+            <a:extLst>
+              <a:ext uri="{FF2B5EF4-FFF2-40B4-BE49-F238E27FC236}">
+                <a16:creationId xmlns:a16="http://schemas.microsoft.com/office/drawing/2014/main" id="{05B7BDFC-F5CB-0867-FAF9-A0E09C6FC18E}"/>
+              </a:ext>
+            </a:extLst>
+          </p:cNvPr>
+          <p:cNvSpPr txBox="1"/>
+          <p:nvPr/>
+        </p:nvSpPr>
+        <p:spPr>
+          <a:xfrm>
+            <a:off x="7345377" y="1389610"/>
+            <a:ext cx="1747317" cy="369332"/>
+          </a:xfrm>
+          <a:prstGeom prst="rect">
+            <a:avLst/>
+          </a:prstGeom>
+          <a:noFill/>
+        </p:spPr>
+        <p:txBody>
+          <a:bodyPr wrap="square" rtlCol="0">
+            <a:spAutoFit/>
+          </a:bodyPr>
+          <a:lstStyle/>
+          <a:p>
+            <a:r>
+              <a:rPr lang="ko-KR" altLang="en-US"/>
+              <a:t>포인트 교환소</a:t>
+            </a:r>
+            <a:endParaRPr lang="ko-KR" altLang="en-US" dirty="0"/>
+          </a:p>
+        </p:txBody>
+      </p:sp>
+      <p:sp>
+        <p:nvSpPr>
+          <p:cNvPr id="44" name="TextBox 43">
+            <a:extLst>
+              <a:ext uri="{FF2B5EF4-FFF2-40B4-BE49-F238E27FC236}">
+                <a16:creationId xmlns:a16="http://schemas.microsoft.com/office/drawing/2014/main" id="{EBBCD752-7E5A-F327-D48C-8376CAD97F70}"/>
+              </a:ext>
+            </a:extLst>
+          </p:cNvPr>
+          <p:cNvSpPr txBox="1"/>
+          <p:nvPr/>
+        </p:nvSpPr>
+        <p:spPr>
+          <a:xfrm>
+            <a:off x="468165" y="199706"/>
+            <a:ext cx="2148345" cy="369332"/>
+          </a:xfrm>
+          <a:prstGeom prst="rect">
+            <a:avLst/>
+          </a:prstGeom>
+          <a:noFill/>
+        </p:spPr>
+        <p:txBody>
+          <a:bodyPr wrap="none" rtlCol="0">
+            <a:spAutoFit/>
+          </a:bodyPr>
+          <a:lstStyle/>
+          <a:p>
+            <a:r>
+              <a:rPr lang="en-US" altLang="ko-KR" dirty="0"/>
+              <a:t>III. </a:t>
+            </a:r>
+            <a:r>
+              <a:rPr lang="ko-KR" altLang="en-US" dirty="0"/>
+              <a:t>설계 </a:t>
+            </a:r>
+            <a:r>
+              <a:rPr lang="en-US" altLang="ko-KR" dirty="0"/>
+              <a:t>- </a:t>
+            </a:r>
+            <a:r>
+              <a:rPr lang="ko-KR" altLang="en-US" dirty="0"/>
+              <a:t>리더보드</a:t>
+            </a:r>
+          </a:p>
+        </p:txBody>
+      </p:sp>
+      <p:cxnSp>
+        <p:nvCxnSpPr>
+          <p:cNvPr id="48" name="직선 연결선 47">
+            <a:extLst>
+              <a:ext uri="{FF2B5EF4-FFF2-40B4-BE49-F238E27FC236}">
+                <a16:creationId xmlns:a16="http://schemas.microsoft.com/office/drawing/2014/main" id="{636B0351-07D2-2816-0A73-849C76BBBABB}"/>
+              </a:ext>
+            </a:extLst>
+          </p:cNvPr>
+          <p:cNvCxnSpPr>
+            <a:cxnSpLocks/>
+          </p:cNvCxnSpPr>
+          <p:nvPr/>
+        </p:nvCxnSpPr>
+        <p:spPr>
+          <a:xfrm>
+            <a:off x="10550305" y="1759681"/>
+            <a:ext cx="0" cy="5029200"/>
+          </a:xfrm>
+          <a:prstGeom prst="line">
+            <a:avLst/>
+          </a:prstGeom>
+        </p:spPr>
+        <p:style>
+          <a:lnRef idx="1">
+            <a:schemeClr val="accent1"/>
+          </a:lnRef>
+          <a:fillRef idx="0">
+            <a:schemeClr val="accent1"/>
+          </a:fillRef>
+          <a:effectRef idx="0">
+            <a:schemeClr val="accent1"/>
+          </a:effectRef>
+          <a:fontRef idx="minor">
+            <a:schemeClr val="tx1"/>
+          </a:fontRef>
+        </p:style>
+      </p:cxnSp>
+      <p:sp>
+        <p:nvSpPr>
+          <p:cNvPr id="51" name="사각형: 둥근 모서리 50">
+            <a:extLst>
+              <a:ext uri="{FF2B5EF4-FFF2-40B4-BE49-F238E27FC236}">
+                <a16:creationId xmlns:a16="http://schemas.microsoft.com/office/drawing/2014/main" id="{6C930F47-58CF-0585-B43F-F1100E23FCA3}"/>
+              </a:ext>
+            </a:extLst>
+          </p:cNvPr>
+          <p:cNvSpPr/>
+          <p:nvPr/>
+        </p:nvSpPr>
+        <p:spPr>
+          <a:xfrm>
+            <a:off x="10934334" y="2409431"/>
+            <a:ext cx="972483" cy="2589288"/>
+          </a:xfrm>
+          <a:prstGeom prst="roundRect">
+            <a:avLst/>
+          </a:prstGeom>
+        </p:spPr>
+        <p:style>
+          <a:lnRef idx="2">
+            <a:schemeClr val="accent1">
+              <a:shade val="15000"/>
+            </a:schemeClr>
+          </a:lnRef>
+          <a:fillRef idx="1">
+            <a:schemeClr val="accent1"/>
+          </a:fillRef>
+          <a:effectRef idx="0">
+            <a:schemeClr val="accent1"/>
+          </a:effectRef>
+          <a:fontRef idx="minor">
+            <a:schemeClr val="lt1"/>
+          </a:fontRef>
+        </p:style>
+        <p:txBody>
+          <a:bodyPr rtlCol="0" anchor="ctr"/>
+          <a:lstStyle/>
+          <a:p>
+            <a:pPr algn="ctr"/>
+            <a:endParaRPr lang="ko-KR" altLang="en-US" dirty="0"/>
+          </a:p>
+        </p:txBody>
+      </p:sp>
+      <p:sp>
+        <p:nvSpPr>
+          <p:cNvPr id="52" name="TextBox 51">
+            <a:extLst>
+              <a:ext uri="{FF2B5EF4-FFF2-40B4-BE49-F238E27FC236}">
+                <a16:creationId xmlns:a16="http://schemas.microsoft.com/office/drawing/2014/main" id="{9D6E141C-2F59-4A7C-67F4-571503654330}"/>
+              </a:ext>
+            </a:extLst>
+          </p:cNvPr>
+          <p:cNvSpPr txBox="1"/>
+          <p:nvPr/>
+        </p:nvSpPr>
+        <p:spPr>
+          <a:xfrm>
+            <a:off x="10975816" y="2587853"/>
+            <a:ext cx="1119612" cy="369332"/>
+          </a:xfrm>
+          <a:prstGeom prst="rect">
+            <a:avLst/>
+          </a:prstGeom>
+          <a:noFill/>
+        </p:spPr>
+        <p:txBody>
+          <a:bodyPr wrap="square" rtlCol="0">
+            <a:spAutoFit/>
+          </a:bodyPr>
+          <a:lstStyle/>
+          <a:p>
+            <a:r>
+              <a:rPr lang="en-US" altLang="ko-KR" dirty="0"/>
+              <a:t>ON</a:t>
+            </a:r>
+            <a:r>
+              <a:rPr lang="ko-KR" altLang="en-US" dirty="0"/>
+              <a:t> </a:t>
+            </a:r>
+            <a:r>
+              <a:rPr lang="en-US" altLang="ko-KR" dirty="0"/>
+              <a:t>AIR</a:t>
+            </a:r>
+            <a:endParaRPr lang="ko-KR" altLang="en-US" dirty="0"/>
+          </a:p>
+        </p:txBody>
+      </p:sp>
+      <p:cxnSp>
+        <p:nvCxnSpPr>
+          <p:cNvPr id="8" name="직선 연결선 7">
+            <a:extLst>
+              <a:ext uri="{FF2B5EF4-FFF2-40B4-BE49-F238E27FC236}">
+                <a16:creationId xmlns:a16="http://schemas.microsoft.com/office/drawing/2014/main" id="{C50F1133-6DEB-9DD7-0FF3-0F349BC632EA}"/>
+              </a:ext>
+            </a:extLst>
+          </p:cNvPr>
+          <p:cNvCxnSpPr>
+            <a:cxnSpLocks/>
+          </p:cNvCxnSpPr>
+          <p:nvPr/>
+        </p:nvCxnSpPr>
+        <p:spPr>
+          <a:xfrm>
+            <a:off x="5841205" y="1292332"/>
+            <a:ext cx="0" cy="542669"/>
+          </a:xfrm>
+          <a:prstGeom prst="line">
+            <a:avLst/>
+          </a:prstGeom>
+        </p:spPr>
+        <p:style>
+          <a:lnRef idx="1">
+            <a:schemeClr val="accent1"/>
+          </a:lnRef>
+          <a:fillRef idx="0">
+            <a:schemeClr val="accent1"/>
+          </a:fillRef>
+          <a:effectRef idx="0">
+            <a:schemeClr val="accent1"/>
+          </a:effectRef>
+          <a:fontRef idx="minor">
+            <a:schemeClr val="tx1"/>
+          </a:fontRef>
+        </p:style>
+      </p:cxnSp>
+      <p:sp>
+        <p:nvSpPr>
+          <p:cNvPr id="11" name="TextBox 10">
+            <a:extLst>
+              <a:ext uri="{FF2B5EF4-FFF2-40B4-BE49-F238E27FC236}">
+                <a16:creationId xmlns:a16="http://schemas.microsoft.com/office/drawing/2014/main" id="{58BB0E0E-0BB5-7D78-3633-0334FF163444}"/>
+              </a:ext>
+            </a:extLst>
+          </p:cNvPr>
+          <p:cNvSpPr txBox="1"/>
+          <p:nvPr/>
+        </p:nvSpPr>
+        <p:spPr>
+          <a:xfrm>
+            <a:off x="4216875" y="1382611"/>
+            <a:ext cx="1181862" cy="369332"/>
+          </a:xfrm>
+          <a:prstGeom prst="rect">
+            <a:avLst/>
+          </a:prstGeom>
+          <a:noFill/>
+        </p:spPr>
+        <p:txBody>
+          <a:bodyPr wrap="square" rtlCol="0">
+            <a:spAutoFit/>
+          </a:bodyPr>
+          <a:lstStyle/>
+          <a:p>
+            <a:r>
+              <a:rPr lang="ko-KR" altLang="en-US" dirty="0"/>
+              <a:t>경쟁하기</a:t>
+            </a:r>
+          </a:p>
+        </p:txBody>
+      </p:sp>
+      <p:pic>
+        <p:nvPicPr>
+          <p:cNvPr id="1026" name="Picture 2">
+            <a:extLst>
+              <a:ext uri="{FF2B5EF4-FFF2-40B4-BE49-F238E27FC236}">
+                <a16:creationId xmlns:a16="http://schemas.microsoft.com/office/drawing/2014/main" id="{19F112C7-6CB7-48C6-BF7E-E3209C373D42}"/>
+              </a:ext>
+            </a:extLst>
+          </p:cNvPr>
+          <p:cNvPicPr>
+            <a:picLocks noChangeAspect="1" noChangeArrowheads="1"/>
+          </p:cNvPicPr>
+          <p:nvPr/>
+        </p:nvPicPr>
+        <p:blipFill>
+          <a:blip r:embed="rId2">
+            <a:extLst>
+              <a:ext uri="{28A0092B-C50C-407E-A947-70E740481C1C}">
+                <a14:useLocalDpi xmlns:a14="http://schemas.microsoft.com/office/drawing/2010/main" val="0"/>
+              </a:ext>
+            </a:extLst>
+          </a:blip>
+          <a:srcRect/>
+          <a:stretch>
+            <a:fillRect/>
+          </a:stretch>
+        </p:blipFill>
+        <p:spPr bwMode="auto">
+          <a:xfrm>
+            <a:off x="491565" y="2126061"/>
+            <a:ext cx="1488092" cy="1351507"/>
+          </a:xfrm>
+          <a:prstGeom prst="rect">
+            <a:avLst/>
+          </a:prstGeom>
+          <a:noFill/>
+          <a:extLst>
+            <a:ext uri="{909E8E84-426E-40DD-AFC4-6F175D3DCCD1}">
+              <a14:hiddenFill xmlns:a14="http://schemas.microsoft.com/office/drawing/2010/main">
+                <a:solidFill>
+                  <a:srgbClr val="FFFFFF"/>
+                </a:solidFill>
+              </a14:hiddenFill>
+            </a:ext>
+          </a:extLst>
+        </p:spPr>
+      </p:pic>
+      <p:sp>
+        <p:nvSpPr>
+          <p:cNvPr id="27" name="TextBox 26">
+            <a:extLst>
+              <a:ext uri="{FF2B5EF4-FFF2-40B4-BE49-F238E27FC236}">
+                <a16:creationId xmlns:a16="http://schemas.microsoft.com/office/drawing/2014/main" id="{C61E731F-5AFB-8D8D-950B-F69E7C2ADD78}"/>
+              </a:ext>
+            </a:extLst>
+          </p:cNvPr>
+          <p:cNvSpPr txBox="1"/>
+          <p:nvPr/>
+        </p:nvSpPr>
+        <p:spPr>
+          <a:xfrm>
+            <a:off x="285183" y="3590162"/>
+            <a:ext cx="1907756" cy="307777"/>
+          </a:xfrm>
+          <a:prstGeom prst="rect">
+            <a:avLst/>
+          </a:prstGeom>
+          <a:noFill/>
+        </p:spPr>
+        <p:txBody>
+          <a:bodyPr wrap="square">
+            <a:spAutoFit/>
+          </a:bodyPr>
+          <a:lstStyle/>
+          <a:p>
+            <a:r>
+              <a:rPr lang="ko-KR" altLang="en-US" sz="1400" b="0" i="0" dirty="0">
+                <a:effectLst/>
+                <a:latin typeface="Motiva Sans"/>
+              </a:rPr>
+              <a:t>강철 </a:t>
+            </a:r>
+            <a:r>
+              <a:rPr lang="ko-KR" altLang="en-US" sz="1400" b="0" i="0" dirty="0" err="1">
+                <a:effectLst/>
+                <a:latin typeface="Motiva Sans"/>
+              </a:rPr>
+              <a:t>요새：시냅스</a:t>
+            </a:r>
+            <a:r>
+              <a:rPr lang="ko-KR" altLang="en-US" sz="1400" b="0" i="0" dirty="0">
+                <a:effectLst/>
+                <a:latin typeface="Motiva Sans"/>
+              </a:rPr>
+              <a:t> </a:t>
+            </a:r>
+            <a:r>
+              <a:rPr lang="en-US" altLang="ko-KR" sz="1400" b="0" i="0" dirty="0">
+                <a:effectLst/>
+                <a:latin typeface="Motiva Sans"/>
+              </a:rPr>
+              <a:t>TD</a:t>
+            </a:r>
+            <a:endParaRPr lang="ko-KR" altLang="en-US" sz="1400" dirty="0"/>
+          </a:p>
+        </p:txBody>
+      </p:sp>
+      <p:sp>
+        <p:nvSpPr>
+          <p:cNvPr id="31" name="TextBox 30">
+            <a:extLst>
+              <a:ext uri="{FF2B5EF4-FFF2-40B4-BE49-F238E27FC236}">
+                <a16:creationId xmlns:a16="http://schemas.microsoft.com/office/drawing/2014/main" id="{467D08E6-431A-1C9C-46E9-9151CC988E96}"/>
+              </a:ext>
+            </a:extLst>
+          </p:cNvPr>
+          <p:cNvSpPr txBox="1"/>
+          <p:nvPr/>
+        </p:nvSpPr>
+        <p:spPr>
+          <a:xfrm>
+            <a:off x="207938" y="4075389"/>
+            <a:ext cx="1771719" cy="2031325"/>
+          </a:xfrm>
+          <a:prstGeom prst="rect">
+            <a:avLst/>
+          </a:prstGeom>
+          <a:noFill/>
+        </p:spPr>
+        <p:txBody>
+          <a:bodyPr wrap="square">
+            <a:spAutoFit/>
+          </a:bodyPr>
+          <a:lstStyle/>
+          <a:p>
+            <a:r>
+              <a:rPr lang="ko-KR" altLang="en-US" sz="900" b="0" i="0" dirty="0">
+                <a:effectLst/>
+                <a:latin typeface="Motiva Sans"/>
+              </a:rPr>
+              <a:t>당신의 세상</a:t>
+            </a:r>
+            <a:r>
+              <a:rPr lang="en-US" altLang="ko-KR" sz="900" b="0" i="0" dirty="0">
+                <a:effectLst/>
+                <a:latin typeface="Motiva Sans"/>
+              </a:rPr>
+              <a:t>, </a:t>
+            </a:r>
+            <a:r>
+              <a:rPr lang="ko-KR" altLang="en-US" sz="900" b="0" i="0" dirty="0">
+                <a:effectLst/>
+                <a:latin typeface="Motiva Sans"/>
+              </a:rPr>
+              <a:t>당신이 창조하세요</a:t>
+            </a:r>
+            <a:r>
+              <a:rPr lang="en-US" altLang="ko-KR" sz="900" b="0" i="0" dirty="0">
+                <a:effectLst/>
+                <a:latin typeface="Motiva Sans"/>
+              </a:rPr>
+              <a:t>! </a:t>
+            </a:r>
+            <a:endParaRPr lang="en-US" altLang="ko-KR" sz="900" dirty="0">
+              <a:latin typeface="Motiva Sans"/>
+            </a:endParaRPr>
+          </a:p>
+          <a:p>
+            <a:r>
+              <a:rPr lang="en-US" altLang="ko-KR" sz="900" b="0" i="0" dirty="0">
+                <a:effectLst/>
+                <a:latin typeface="Motiva Sans"/>
+              </a:rPr>
+              <a:t>《</a:t>
+            </a:r>
+            <a:r>
+              <a:rPr lang="ko-KR" altLang="en-US" sz="900" b="0" i="0" dirty="0">
+                <a:effectLst/>
+                <a:latin typeface="Motiva Sans"/>
+              </a:rPr>
+              <a:t>강철 </a:t>
+            </a:r>
+            <a:r>
+              <a:rPr lang="ko-KR" altLang="en-US" sz="900" b="0" i="0" dirty="0" err="1">
+                <a:effectLst/>
+                <a:latin typeface="Motiva Sans"/>
+              </a:rPr>
+              <a:t>요새：시냅스</a:t>
+            </a:r>
+            <a:r>
+              <a:rPr lang="ko-KR" altLang="en-US" sz="900" b="0" i="0" dirty="0">
+                <a:effectLst/>
+                <a:latin typeface="Motiva Sans"/>
+              </a:rPr>
+              <a:t> </a:t>
+            </a:r>
+            <a:r>
+              <a:rPr lang="en-US" altLang="ko-KR" sz="900" b="0" i="0" dirty="0">
+                <a:effectLst/>
+                <a:latin typeface="Motiva Sans"/>
+              </a:rPr>
+              <a:t>TD》</a:t>
+            </a:r>
+            <a:r>
+              <a:rPr lang="ko-KR" altLang="en-US" sz="900" b="0" i="0" dirty="0">
+                <a:effectLst/>
+                <a:latin typeface="Motiva Sans"/>
+              </a:rPr>
+              <a:t>에서 당신은 지도 설계자가 됩니다</a:t>
+            </a:r>
+            <a:r>
+              <a:rPr lang="en-US" altLang="ko-KR" sz="900" b="0" i="0" dirty="0">
+                <a:effectLst/>
+                <a:latin typeface="Motiva Sans"/>
+              </a:rPr>
+              <a:t>. </a:t>
+            </a:r>
+          </a:p>
+          <a:p>
+            <a:r>
+              <a:rPr lang="ko-KR" altLang="en-US" sz="900" b="0" i="0" dirty="0">
+                <a:effectLst/>
+                <a:latin typeface="Motiva Sans"/>
+              </a:rPr>
+              <a:t>기존의 타워 디펜스에서 벗어나</a:t>
+            </a:r>
+            <a:r>
+              <a:rPr lang="en-US" altLang="ko-KR" sz="900" b="0" i="0" dirty="0">
+                <a:effectLst/>
+                <a:latin typeface="Motiva Sans"/>
+              </a:rPr>
+              <a:t>, </a:t>
+            </a:r>
+            <a:r>
+              <a:rPr lang="ko-KR" altLang="en-US" sz="900" b="0" i="0" dirty="0">
+                <a:effectLst/>
+                <a:latin typeface="Motiva Sans"/>
+              </a:rPr>
+              <a:t>경로 위에 타워를 배치하여 적의 길을 더 길게 만드는 것뿐만 아니라</a:t>
+            </a:r>
+            <a:r>
+              <a:rPr lang="en-US" altLang="ko-KR" sz="900" b="0" i="0" dirty="0">
+                <a:effectLst/>
+                <a:latin typeface="Motiva Sans"/>
+              </a:rPr>
+              <a:t>, </a:t>
+            </a:r>
+            <a:r>
+              <a:rPr lang="ko-KR" altLang="en-US" sz="900" b="0" i="0" dirty="0">
+                <a:effectLst/>
+                <a:latin typeface="Motiva Sans"/>
+              </a:rPr>
+              <a:t>플랫폼을 설치하고 길을 연결해 독창적인 방어 요새를 만들 수 있습니다</a:t>
+            </a:r>
+            <a:r>
+              <a:rPr lang="en-US" altLang="ko-KR" sz="900" b="0" i="0" dirty="0">
+                <a:effectLst/>
+                <a:latin typeface="Motiva Sans"/>
+              </a:rPr>
+              <a:t>. </a:t>
+            </a:r>
+          </a:p>
+          <a:p>
+            <a:r>
+              <a:rPr lang="ko-KR" altLang="en-US" sz="900" b="0" i="0" dirty="0">
+                <a:effectLst/>
+                <a:latin typeface="Motiva Sans"/>
+              </a:rPr>
+              <a:t>이 모든 것이 가능한 지도가 바로 당신의 캔버스입니다</a:t>
+            </a:r>
+            <a:r>
+              <a:rPr lang="en-US" altLang="ko-KR" sz="900" b="0" i="0" dirty="0">
+                <a:effectLst/>
+                <a:latin typeface="Motiva Sans"/>
+              </a:rPr>
+              <a:t>. </a:t>
+            </a:r>
+            <a:r>
+              <a:rPr lang="ko-KR" altLang="en-US" sz="900" b="0" i="0" dirty="0">
+                <a:effectLst/>
+                <a:latin typeface="Motiva Sans"/>
+              </a:rPr>
+              <a:t>당신의 상상력을 마음껏 발휘해 창의력을 현실로 만들어 보세요</a:t>
+            </a:r>
+            <a:r>
+              <a:rPr lang="en-US" altLang="ko-KR" sz="900" b="0" i="0" dirty="0">
+                <a:effectLst/>
+                <a:latin typeface="Motiva Sans"/>
+              </a:rPr>
+              <a:t>!</a:t>
+            </a:r>
+            <a:endParaRPr lang="ko-KR" altLang="en-US" sz="900" dirty="0"/>
+          </a:p>
+        </p:txBody>
+      </p:sp>
+      <p:sp>
+        <p:nvSpPr>
+          <p:cNvPr id="2" name="TextBox 1">
+            <a:extLst>
+              <a:ext uri="{FF2B5EF4-FFF2-40B4-BE49-F238E27FC236}">
+                <a16:creationId xmlns:a16="http://schemas.microsoft.com/office/drawing/2014/main" id="{5000B386-2BCC-471E-8C65-4A5A56640593}"/>
+              </a:ext>
+            </a:extLst>
+          </p:cNvPr>
+          <p:cNvSpPr txBox="1"/>
+          <p:nvPr/>
+        </p:nvSpPr>
+        <p:spPr>
+          <a:xfrm>
+            <a:off x="2601910" y="5166901"/>
+            <a:ext cx="651087" cy="369332"/>
+          </a:xfrm>
+          <a:prstGeom prst="rect">
+            <a:avLst/>
+          </a:prstGeom>
+          <a:noFill/>
+        </p:spPr>
+        <p:txBody>
+          <a:bodyPr wrap="square" rtlCol="0">
+            <a:spAutoFit/>
+          </a:bodyPr>
+          <a:lstStyle/>
+          <a:p>
+            <a:r>
+              <a:rPr lang="ko-KR" altLang="en-US" dirty="0"/>
+              <a:t>댓글</a:t>
+            </a:r>
+          </a:p>
+        </p:txBody>
+      </p:sp>
+      <p:sp>
+        <p:nvSpPr>
+          <p:cNvPr id="3" name="직사각형 2">
+            <a:extLst>
+              <a:ext uri="{FF2B5EF4-FFF2-40B4-BE49-F238E27FC236}">
+                <a16:creationId xmlns:a16="http://schemas.microsoft.com/office/drawing/2014/main" id="{CCDC72DE-12CB-CBB3-CC4F-1E763A433CDD}"/>
+              </a:ext>
+            </a:extLst>
+          </p:cNvPr>
+          <p:cNvSpPr/>
+          <p:nvPr/>
+        </p:nvSpPr>
+        <p:spPr>
+          <a:xfrm>
+            <a:off x="2616510" y="2587853"/>
+            <a:ext cx="3687173" cy="2566772"/>
+          </a:xfrm>
+          <a:prstGeom prst="rect">
+            <a:avLst/>
+          </a:prstGeom>
+          <a:solidFill>
+            <a:schemeClr val="bg1"/>
+          </a:solidFill>
+        </p:spPr>
+        <p:style>
+          <a:lnRef idx="2">
+            <a:schemeClr val="accent1">
+              <a:shade val="15000"/>
+            </a:schemeClr>
+          </a:lnRef>
+          <a:fillRef idx="1">
+            <a:schemeClr val="accent1"/>
+          </a:fillRef>
+          <a:effectRef idx="0">
+            <a:schemeClr val="accent1"/>
+          </a:effectRef>
+          <a:fontRef idx="minor">
+            <a:schemeClr val="lt1"/>
+          </a:fontRef>
+        </p:style>
+        <p:txBody>
+          <a:bodyPr rtlCol="0" anchor="ctr"/>
+          <a:lstStyle/>
+          <a:p>
+            <a:pPr algn="ctr"/>
+            <a:endParaRPr lang="ko-KR" altLang="en-US" dirty="0"/>
+          </a:p>
+        </p:txBody>
+      </p:sp>
+      <p:sp>
+        <p:nvSpPr>
+          <p:cNvPr id="4" name="TextBox 3">
+            <a:extLst>
+              <a:ext uri="{FF2B5EF4-FFF2-40B4-BE49-F238E27FC236}">
+                <a16:creationId xmlns:a16="http://schemas.microsoft.com/office/drawing/2014/main" id="{23FA2F2E-52E6-8077-190C-7BA006CF362D}"/>
+              </a:ext>
+            </a:extLst>
+          </p:cNvPr>
+          <p:cNvSpPr txBox="1"/>
+          <p:nvPr/>
+        </p:nvSpPr>
+        <p:spPr>
+          <a:xfrm>
+            <a:off x="2768723" y="2692564"/>
+            <a:ext cx="3417909" cy="523220"/>
+          </a:xfrm>
+          <a:prstGeom prst="rect">
+            <a:avLst/>
+          </a:prstGeom>
+          <a:noFill/>
+        </p:spPr>
+        <p:txBody>
+          <a:bodyPr wrap="square" rtlCol="0">
+            <a:spAutoFit/>
+          </a:bodyPr>
+          <a:lstStyle/>
+          <a:p>
+            <a:r>
+              <a:rPr lang="en-US" altLang="ko-KR" sz="1400" dirty="0"/>
+              <a:t>No.             Name	            Score	</a:t>
+            </a:r>
+            <a:endParaRPr lang="ko-KR" altLang="en-US" sz="1400" dirty="0"/>
+          </a:p>
+        </p:txBody>
+      </p:sp>
+      <p:sp>
+        <p:nvSpPr>
+          <p:cNvPr id="6" name="직사각형 5">
+            <a:extLst>
+              <a:ext uri="{FF2B5EF4-FFF2-40B4-BE49-F238E27FC236}">
+                <a16:creationId xmlns:a16="http://schemas.microsoft.com/office/drawing/2014/main" id="{A8D63E6F-572C-8FE8-5EE0-155C16FFD77B}"/>
+              </a:ext>
+            </a:extLst>
+          </p:cNvPr>
+          <p:cNvSpPr/>
+          <p:nvPr/>
+        </p:nvSpPr>
+        <p:spPr>
+          <a:xfrm>
+            <a:off x="2616509" y="5565667"/>
+            <a:ext cx="3687173" cy="1076493"/>
+          </a:xfrm>
+          <a:prstGeom prst="rect">
+            <a:avLst/>
+          </a:prstGeom>
+          <a:solidFill>
+            <a:schemeClr val="bg1"/>
+          </a:solidFill>
+        </p:spPr>
+        <p:style>
+          <a:lnRef idx="2">
+            <a:schemeClr val="accent1">
+              <a:shade val="15000"/>
+            </a:schemeClr>
+          </a:lnRef>
+          <a:fillRef idx="1">
+            <a:schemeClr val="accent1"/>
+          </a:fillRef>
+          <a:effectRef idx="0">
+            <a:schemeClr val="accent1"/>
+          </a:effectRef>
+          <a:fontRef idx="minor">
+            <a:schemeClr val="lt1"/>
+          </a:fontRef>
+        </p:style>
+        <p:txBody>
+          <a:bodyPr rtlCol="0" anchor="ctr"/>
+          <a:lstStyle/>
+          <a:p>
+            <a:pPr algn="ctr"/>
+            <a:endParaRPr lang="ko-KR" altLang="en-US" dirty="0"/>
+          </a:p>
+        </p:txBody>
+      </p:sp>
+      <p:sp>
+        <p:nvSpPr>
+          <p:cNvPr id="10" name="TextBox 9">
+            <a:extLst>
+              <a:ext uri="{FF2B5EF4-FFF2-40B4-BE49-F238E27FC236}">
+                <a16:creationId xmlns:a16="http://schemas.microsoft.com/office/drawing/2014/main" id="{984F504B-79CC-70CD-EF08-4FFB203038D1}"/>
+              </a:ext>
+            </a:extLst>
+          </p:cNvPr>
+          <p:cNvSpPr txBox="1"/>
+          <p:nvPr/>
+        </p:nvSpPr>
+        <p:spPr>
+          <a:xfrm>
+            <a:off x="2601910" y="2272190"/>
+            <a:ext cx="1488092" cy="369332"/>
+          </a:xfrm>
+          <a:prstGeom prst="rect">
+            <a:avLst/>
+          </a:prstGeom>
+          <a:noFill/>
+        </p:spPr>
+        <p:txBody>
+          <a:bodyPr wrap="square" rtlCol="0">
+            <a:spAutoFit/>
+          </a:bodyPr>
+          <a:lstStyle/>
+          <a:p>
+            <a:r>
+              <a:rPr lang="en-US" altLang="ko-KR" dirty="0"/>
+              <a:t>Rank</a:t>
+            </a:r>
+            <a:endParaRPr lang="ko-KR" altLang="en-US" dirty="0"/>
+          </a:p>
+        </p:txBody>
+      </p:sp>
+      <p:sp>
+        <p:nvSpPr>
+          <p:cNvPr id="13" name="TextBox 12">
+            <a:extLst>
+              <a:ext uri="{FF2B5EF4-FFF2-40B4-BE49-F238E27FC236}">
+                <a16:creationId xmlns:a16="http://schemas.microsoft.com/office/drawing/2014/main" id="{6FC18543-0F52-06F6-FC9A-2AD9325834D2}"/>
+              </a:ext>
+            </a:extLst>
+          </p:cNvPr>
+          <p:cNvSpPr txBox="1"/>
+          <p:nvPr/>
+        </p:nvSpPr>
+        <p:spPr>
+          <a:xfrm>
+            <a:off x="2840304" y="3066395"/>
+            <a:ext cx="3152698" cy="307777"/>
+          </a:xfrm>
+          <a:prstGeom prst="rect">
+            <a:avLst/>
+          </a:prstGeom>
+          <a:noFill/>
+        </p:spPr>
+        <p:txBody>
+          <a:bodyPr wrap="square" rtlCol="0">
+            <a:spAutoFit/>
+          </a:bodyPr>
+          <a:lstStyle/>
+          <a:p>
+            <a:r>
+              <a:rPr lang="en-US" altLang="ko-KR" sz="1400" dirty="0"/>
+              <a:t>1.	Nickname              176</a:t>
+            </a:r>
+            <a:endParaRPr lang="ko-KR" altLang="en-US" sz="1400" dirty="0"/>
+          </a:p>
+        </p:txBody>
+      </p:sp>
+      <p:sp>
+        <p:nvSpPr>
+          <p:cNvPr id="14" name="TextBox 13">
+            <a:extLst>
+              <a:ext uri="{FF2B5EF4-FFF2-40B4-BE49-F238E27FC236}">
+                <a16:creationId xmlns:a16="http://schemas.microsoft.com/office/drawing/2014/main" id="{7C95BD00-E05F-F34F-A2D6-BEA9D6A6A00B}"/>
+              </a:ext>
+            </a:extLst>
+          </p:cNvPr>
+          <p:cNvSpPr txBox="1"/>
+          <p:nvPr/>
+        </p:nvSpPr>
+        <p:spPr>
+          <a:xfrm>
+            <a:off x="2840304" y="3429417"/>
+            <a:ext cx="3152698" cy="307777"/>
+          </a:xfrm>
+          <a:prstGeom prst="rect">
+            <a:avLst/>
+          </a:prstGeom>
+          <a:noFill/>
+        </p:spPr>
+        <p:txBody>
+          <a:bodyPr wrap="square" rtlCol="0">
+            <a:spAutoFit/>
+          </a:bodyPr>
+          <a:lstStyle/>
+          <a:p>
+            <a:r>
+              <a:rPr lang="en-US" altLang="ko-KR" sz="1400" dirty="0"/>
+              <a:t>2.	Nickname              175</a:t>
+            </a:r>
+            <a:endParaRPr lang="ko-KR" altLang="en-US" sz="1400" dirty="0"/>
+          </a:p>
+        </p:txBody>
+      </p:sp>
+      <p:sp>
+        <p:nvSpPr>
+          <p:cNvPr id="15" name="TextBox 14">
+            <a:extLst>
+              <a:ext uri="{FF2B5EF4-FFF2-40B4-BE49-F238E27FC236}">
+                <a16:creationId xmlns:a16="http://schemas.microsoft.com/office/drawing/2014/main" id="{C6DDB5F5-4A4F-1863-7EA0-EACF34A660DD}"/>
+              </a:ext>
+            </a:extLst>
+          </p:cNvPr>
+          <p:cNvSpPr txBox="1"/>
+          <p:nvPr/>
+        </p:nvSpPr>
+        <p:spPr>
+          <a:xfrm>
+            <a:off x="2829792" y="4158146"/>
+            <a:ext cx="3152698" cy="307777"/>
+          </a:xfrm>
+          <a:prstGeom prst="rect">
+            <a:avLst/>
+          </a:prstGeom>
+          <a:noFill/>
+        </p:spPr>
+        <p:txBody>
+          <a:bodyPr wrap="square" rtlCol="0">
+            <a:spAutoFit/>
+          </a:bodyPr>
+          <a:lstStyle/>
+          <a:p>
+            <a:r>
+              <a:rPr lang="en-US" altLang="ko-KR" sz="1400" dirty="0"/>
+              <a:t>4.	Nickname              160</a:t>
+            </a:r>
+            <a:endParaRPr lang="ko-KR" altLang="en-US" sz="1400" dirty="0"/>
+          </a:p>
+        </p:txBody>
+      </p:sp>
+      <p:sp>
+        <p:nvSpPr>
+          <p:cNvPr id="17" name="TextBox 16">
+            <a:extLst>
+              <a:ext uri="{FF2B5EF4-FFF2-40B4-BE49-F238E27FC236}">
+                <a16:creationId xmlns:a16="http://schemas.microsoft.com/office/drawing/2014/main" id="{9B3939ED-FA4F-AF38-B877-2C24EBCF0FCD}"/>
+              </a:ext>
+            </a:extLst>
+          </p:cNvPr>
+          <p:cNvSpPr txBox="1"/>
+          <p:nvPr/>
+        </p:nvSpPr>
+        <p:spPr>
+          <a:xfrm>
+            <a:off x="2840304" y="4522982"/>
+            <a:ext cx="3152698" cy="307777"/>
+          </a:xfrm>
+          <a:prstGeom prst="rect">
+            <a:avLst/>
+          </a:prstGeom>
+          <a:noFill/>
+        </p:spPr>
+        <p:txBody>
+          <a:bodyPr wrap="square" rtlCol="0">
+            <a:spAutoFit/>
+          </a:bodyPr>
+          <a:lstStyle/>
+          <a:p>
+            <a:r>
+              <a:rPr lang="en-US" altLang="ko-KR" sz="1400" dirty="0"/>
+              <a:t>5.	Nickname              156</a:t>
+            </a:r>
+            <a:endParaRPr lang="ko-KR" altLang="en-US" sz="1400" dirty="0"/>
+          </a:p>
+        </p:txBody>
+      </p:sp>
+      <p:sp>
+        <p:nvSpPr>
+          <p:cNvPr id="19" name="TextBox 18">
+            <a:extLst>
+              <a:ext uri="{FF2B5EF4-FFF2-40B4-BE49-F238E27FC236}">
+                <a16:creationId xmlns:a16="http://schemas.microsoft.com/office/drawing/2014/main" id="{4A006B88-5E5F-19B4-822F-CA435E7C8932}"/>
+              </a:ext>
+            </a:extLst>
+          </p:cNvPr>
+          <p:cNvSpPr txBox="1"/>
+          <p:nvPr/>
+        </p:nvSpPr>
+        <p:spPr>
+          <a:xfrm>
+            <a:off x="2829792" y="3792439"/>
+            <a:ext cx="3152698" cy="307777"/>
+          </a:xfrm>
+          <a:prstGeom prst="rect">
+            <a:avLst/>
+          </a:prstGeom>
+          <a:noFill/>
+        </p:spPr>
+        <p:txBody>
+          <a:bodyPr wrap="square" rtlCol="0">
+            <a:spAutoFit/>
+          </a:bodyPr>
+          <a:lstStyle/>
+          <a:p>
+            <a:r>
+              <a:rPr lang="en-US" altLang="ko-KR" sz="1400" dirty="0"/>
+              <a:t>3.	Nickname              174</a:t>
+            </a:r>
+            <a:endParaRPr lang="ko-KR" altLang="en-US" sz="1400" dirty="0"/>
+          </a:p>
+        </p:txBody>
+      </p:sp>
+      <p:sp>
+        <p:nvSpPr>
+          <p:cNvPr id="23" name="TextBox 22">
+            <a:extLst>
+              <a:ext uri="{FF2B5EF4-FFF2-40B4-BE49-F238E27FC236}">
+                <a16:creationId xmlns:a16="http://schemas.microsoft.com/office/drawing/2014/main" id="{FCF45B46-B7A2-CF6E-B7EB-65A03D8373D6}"/>
+              </a:ext>
+            </a:extLst>
+          </p:cNvPr>
+          <p:cNvSpPr txBox="1"/>
+          <p:nvPr/>
+        </p:nvSpPr>
+        <p:spPr>
+          <a:xfrm>
+            <a:off x="2780037" y="5657240"/>
+            <a:ext cx="3327277" cy="246221"/>
+          </a:xfrm>
+          <a:prstGeom prst="rect">
+            <a:avLst/>
+          </a:prstGeom>
+          <a:noFill/>
+        </p:spPr>
+        <p:txBody>
+          <a:bodyPr wrap="square" rtlCol="0">
+            <a:spAutoFit/>
+          </a:bodyPr>
+          <a:lstStyle/>
+          <a:p>
+            <a:r>
+              <a:rPr lang="en-US" altLang="ko-KR" sz="1000" dirty="0"/>
+              <a:t>Name	        Comment</a:t>
+            </a:r>
+            <a:endParaRPr lang="ko-KR" altLang="en-US" sz="1000" dirty="0"/>
+          </a:p>
+        </p:txBody>
+      </p:sp>
+      <p:sp>
+        <p:nvSpPr>
+          <p:cNvPr id="24" name="직사각형 23">
+            <a:extLst>
+              <a:ext uri="{FF2B5EF4-FFF2-40B4-BE49-F238E27FC236}">
+                <a16:creationId xmlns:a16="http://schemas.microsoft.com/office/drawing/2014/main" id="{4F5760D7-BE9B-F8AA-52B8-5029A8FE74E8}"/>
+              </a:ext>
+            </a:extLst>
+          </p:cNvPr>
+          <p:cNvSpPr/>
+          <p:nvPr/>
+        </p:nvSpPr>
+        <p:spPr>
+          <a:xfrm>
+            <a:off x="2784912" y="6428422"/>
+            <a:ext cx="2863926" cy="105196"/>
+          </a:xfrm>
+          <a:prstGeom prst="rect">
+            <a:avLst/>
+          </a:prstGeom>
+          <a:solidFill>
+            <a:schemeClr val="bg1"/>
+          </a:solidFill>
+        </p:spPr>
+        <p:style>
+          <a:lnRef idx="2">
+            <a:schemeClr val="accent1">
+              <a:shade val="15000"/>
+            </a:schemeClr>
+          </a:lnRef>
+          <a:fillRef idx="1">
+            <a:schemeClr val="accent1"/>
+          </a:fillRef>
+          <a:effectRef idx="0">
+            <a:schemeClr val="accent1"/>
+          </a:effectRef>
+          <a:fontRef idx="minor">
+            <a:schemeClr val="lt1"/>
+          </a:fontRef>
+        </p:style>
+        <p:txBody>
+          <a:bodyPr rtlCol="0" anchor="ctr"/>
+          <a:lstStyle/>
+          <a:p>
+            <a:pPr algn="ctr"/>
+            <a:endParaRPr lang="ko-KR" altLang="en-US" dirty="0">
+              <a:solidFill>
+                <a:schemeClr val="tx1"/>
+              </a:solidFill>
+            </a:endParaRPr>
+          </a:p>
+        </p:txBody>
+      </p:sp>
+      <p:sp>
+        <p:nvSpPr>
+          <p:cNvPr id="25" name="직사각형 24">
+            <a:extLst>
+              <a:ext uri="{FF2B5EF4-FFF2-40B4-BE49-F238E27FC236}">
+                <a16:creationId xmlns:a16="http://schemas.microsoft.com/office/drawing/2014/main" id="{EB89820C-924C-03B4-1AA8-BF945BA0FE63}"/>
+              </a:ext>
+            </a:extLst>
+          </p:cNvPr>
+          <p:cNvSpPr/>
+          <p:nvPr/>
+        </p:nvSpPr>
+        <p:spPr>
+          <a:xfrm>
+            <a:off x="5824649" y="6426640"/>
+            <a:ext cx="315681" cy="105196"/>
+          </a:xfrm>
+          <a:prstGeom prst="rect">
+            <a:avLst/>
+          </a:prstGeom>
+          <a:solidFill>
+            <a:schemeClr val="bg1"/>
+          </a:solidFill>
+        </p:spPr>
+        <p:style>
+          <a:lnRef idx="2">
+            <a:schemeClr val="accent1">
+              <a:shade val="15000"/>
+            </a:schemeClr>
+          </a:lnRef>
+          <a:fillRef idx="1">
+            <a:schemeClr val="accent1"/>
+          </a:fillRef>
+          <a:effectRef idx="0">
+            <a:schemeClr val="accent1"/>
+          </a:effectRef>
+          <a:fontRef idx="minor">
+            <a:schemeClr val="lt1"/>
+          </a:fontRef>
+        </p:style>
+        <p:txBody>
+          <a:bodyPr rtlCol="0" anchor="ctr"/>
+          <a:lstStyle/>
+          <a:p>
+            <a:pPr algn="ctr"/>
+            <a:endParaRPr lang="ko-KR" altLang="en-US" dirty="0">
+              <a:solidFill>
+                <a:schemeClr val="tx1"/>
+              </a:solidFill>
+            </a:endParaRPr>
+          </a:p>
+        </p:txBody>
+      </p:sp>
+      <p:sp>
+        <p:nvSpPr>
+          <p:cNvPr id="28" name="직사각형 27">
+            <a:extLst>
+              <a:ext uri="{FF2B5EF4-FFF2-40B4-BE49-F238E27FC236}">
+                <a16:creationId xmlns:a16="http://schemas.microsoft.com/office/drawing/2014/main" id="{6A9F2CFD-C915-FD27-066D-B6B0BEB7AD91}"/>
+              </a:ext>
+            </a:extLst>
+          </p:cNvPr>
+          <p:cNvSpPr/>
+          <p:nvPr/>
+        </p:nvSpPr>
+        <p:spPr>
+          <a:xfrm>
+            <a:off x="2784912" y="5947275"/>
+            <a:ext cx="2863926" cy="105196"/>
+          </a:xfrm>
+          <a:prstGeom prst="rect">
+            <a:avLst/>
+          </a:prstGeom>
+          <a:solidFill>
+            <a:schemeClr val="bg1"/>
+          </a:solidFill>
+        </p:spPr>
+        <p:style>
+          <a:lnRef idx="2">
+            <a:schemeClr val="accent1">
+              <a:shade val="15000"/>
+            </a:schemeClr>
+          </a:lnRef>
+          <a:fillRef idx="1">
+            <a:schemeClr val="accent1"/>
+          </a:fillRef>
+          <a:effectRef idx="0">
+            <a:schemeClr val="accent1"/>
+          </a:effectRef>
+          <a:fontRef idx="minor">
+            <a:schemeClr val="lt1"/>
+          </a:fontRef>
+        </p:style>
+        <p:txBody>
+          <a:bodyPr rtlCol="0" anchor="ctr"/>
+          <a:lstStyle/>
+          <a:p>
+            <a:pPr algn="ctr"/>
+            <a:endParaRPr lang="ko-KR" altLang="en-US" dirty="0">
+              <a:solidFill>
+                <a:schemeClr val="tx1"/>
+              </a:solidFill>
+            </a:endParaRPr>
+          </a:p>
+        </p:txBody>
+      </p:sp>
+      <p:sp>
+        <p:nvSpPr>
+          <p:cNvPr id="36" name="직사각형 35">
+            <a:extLst>
+              <a:ext uri="{FF2B5EF4-FFF2-40B4-BE49-F238E27FC236}">
+                <a16:creationId xmlns:a16="http://schemas.microsoft.com/office/drawing/2014/main" id="{92AE5D41-1836-F1D0-1C00-F532A2C9D8B9}"/>
+              </a:ext>
+            </a:extLst>
+          </p:cNvPr>
+          <p:cNvSpPr/>
+          <p:nvPr/>
+        </p:nvSpPr>
+        <p:spPr>
+          <a:xfrm>
+            <a:off x="5824649" y="5947275"/>
+            <a:ext cx="315681" cy="105196"/>
+          </a:xfrm>
+          <a:prstGeom prst="rect">
+            <a:avLst/>
+          </a:prstGeom>
+          <a:solidFill>
+            <a:schemeClr val="bg1"/>
+          </a:solidFill>
+        </p:spPr>
+        <p:style>
+          <a:lnRef idx="2">
+            <a:schemeClr val="accent1">
+              <a:shade val="15000"/>
+            </a:schemeClr>
+          </a:lnRef>
+          <a:fillRef idx="1">
+            <a:schemeClr val="accent1"/>
+          </a:fillRef>
+          <a:effectRef idx="0">
+            <a:schemeClr val="accent1"/>
+          </a:effectRef>
+          <a:fontRef idx="minor">
+            <a:schemeClr val="lt1"/>
+          </a:fontRef>
+        </p:style>
+        <p:txBody>
+          <a:bodyPr rtlCol="0" anchor="ctr"/>
+          <a:lstStyle/>
+          <a:p>
+            <a:pPr algn="ctr"/>
+            <a:endParaRPr lang="ko-KR" altLang="en-US" dirty="0">
+              <a:solidFill>
+                <a:schemeClr val="tx1"/>
+              </a:solidFill>
+            </a:endParaRPr>
+          </a:p>
+        </p:txBody>
+      </p:sp>
+      <p:cxnSp>
+        <p:nvCxnSpPr>
+          <p:cNvPr id="38" name="연결선: 꺾임 37">
+            <a:extLst>
+              <a:ext uri="{FF2B5EF4-FFF2-40B4-BE49-F238E27FC236}">
+                <a16:creationId xmlns:a16="http://schemas.microsoft.com/office/drawing/2014/main" id="{36690F57-AD19-1F76-041C-E3CEC5D6CB60}"/>
+              </a:ext>
+            </a:extLst>
+          </p:cNvPr>
+          <p:cNvCxnSpPr>
+            <a:stCxn id="28" idx="0"/>
+          </p:cNvCxnSpPr>
+          <p:nvPr/>
+        </p:nvCxnSpPr>
+        <p:spPr>
+          <a:xfrm rot="5400000" flipH="1" flipV="1">
+            <a:off x="4285008" y="5283434"/>
+            <a:ext cx="595708" cy="731975"/>
+          </a:xfrm>
+          <a:prstGeom prst="bentConnector2">
+            <a:avLst/>
+          </a:prstGeom>
+        </p:spPr>
+        <p:style>
+          <a:lnRef idx="1">
+            <a:schemeClr val="accent1"/>
+          </a:lnRef>
+          <a:fillRef idx="0">
+            <a:schemeClr val="accent1"/>
+          </a:fillRef>
+          <a:effectRef idx="0">
+            <a:schemeClr val="accent1"/>
+          </a:effectRef>
+          <a:fontRef idx="minor">
+            <a:schemeClr val="tx1"/>
+          </a:fontRef>
+        </p:style>
+      </p:cxnSp>
+      <p:sp>
+        <p:nvSpPr>
+          <p:cNvPr id="50" name="TextBox 49">
+            <a:extLst>
+              <a:ext uri="{FF2B5EF4-FFF2-40B4-BE49-F238E27FC236}">
+                <a16:creationId xmlns:a16="http://schemas.microsoft.com/office/drawing/2014/main" id="{F1E6E072-1F46-6879-4721-4644F11F641F}"/>
+              </a:ext>
+            </a:extLst>
+          </p:cNvPr>
+          <p:cNvSpPr txBox="1"/>
+          <p:nvPr/>
+        </p:nvSpPr>
+        <p:spPr>
+          <a:xfrm>
+            <a:off x="4880114" y="5175478"/>
+            <a:ext cx="1191480" cy="369332"/>
+          </a:xfrm>
+          <a:prstGeom prst="rect">
+            <a:avLst/>
+          </a:prstGeom>
+          <a:noFill/>
+        </p:spPr>
+        <p:txBody>
+          <a:bodyPr wrap="square" rtlCol="0">
+            <a:spAutoFit/>
+          </a:bodyPr>
+          <a:lstStyle/>
+          <a:p>
+            <a:r>
+              <a:rPr lang="ko-KR" altLang="en-US" dirty="0"/>
+              <a:t>댓글내용</a:t>
+            </a:r>
+          </a:p>
+        </p:txBody>
+      </p:sp>
+      <p:cxnSp>
+        <p:nvCxnSpPr>
+          <p:cNvPr id="54" name="연결선: 꺾임 53">
+            <a:extLst>
+              <a:ext uri="{FF2B5EF4-FFF2-40B4-BE49-F238E27FC236}">
+                <a16:creationId xmlns:a16="http://schemas.microsoft.com/office/drawing/2014/main" id="{FF9921F3-43A4-8D7A-5AB3-736BF596333E}"/>
+              </a:ext>
+            </a:extLst>
+          </p:cNvPr>
+          <p:cNvCxnSpPr>
+            <a:stCxn id="36" idx="3"/>
+          </p:cNvCxnSpPr>
+          <p:nvPr/>
+        </p:nvCxnSpPr>
+        <p:spPr>
+          <a:xfrm flipV="1">
+            <a:off x="6140330" y="5649421"/>
+            <a:ext cx="576059" cy="350452"/>
+          </a:xfrm>
+          <a:prstGeom prst="bentConnector3">
+            <a:avLst/>
+          </a:prstGeom>
+        </p:spPr>
+        <p:style>
+          <a:lnRef idx="1">
+            <a:schemeClr val="accent1"/>
+          </a:lnRef>
+          <a:fillRef idx="0">
+            <a:schemeClr val="accent1"/>
+          </a:fillRef>
+          <a:effectRef idx="0">
+            <a:schemeClr val="accent1"/>
+          </a:effectRef>
+          <a:fontRef idx="minor">
+            <a:schemeClr val="tx1"/>
+          </a:fontRef>
+        </p:style>
+      </p:cxnSp>
+      <p:sp>
+        <p:nvSpPr>
+          <p:cNvPr id="55" name="TextBox 54">
+            <a:extLst>
+              <a:ext uri="{FF2B5EF4-FFF2-40B4-BE49-F238E27FC236}">
+                <a16:creationId xmlns:a16="http://schemas.microsoft.com/office/drawing/2014/main" id="{96F85259-E7D1-AC16-3531-60E0DF0D628B}"/>
+              </a:ext>
+            </a:extLst>
+          </p:cNvPr>
+          <p:cNvSpPr txBox="1"/>
+          <p:nvPr/>
+        </p:nvSpPr>
+        <p:spPr>
+          <a:xfrm>
+            <a:off x="6705226" y="5457344"/>
+            <a:ext cx="731976" cy="369332"/>
+          </a:xfrm>
+          <a:prstGeom prst="rect">
+            <a:avLst/>
+          </a:prstGeom>
+          <a:noFill/>
+        </p:spPr>
+        <p:txBody>
+          <a:bodyPr wrap="square" rtlCol="0">
+            <a:spAutoFit/>
+          </a:bodyPr>
+          <a:lstStyle/>
+          <a:p>
+            <a:r>
+              <a:rPr lang="ko-KR" altLang="en-US" dirty="0"/>
+              <a:t>삭제</a:t>
+            </a:r>
+          </a:p>
+        </p:txBody>
+      </p:sp>
+      <p:cxnSp>
+        <p:nvCxnSpPr>
+          <p:cNvPr id="56" name="연결선: 꺾임 55">
+            <a:extLst>
+              <a:ext uri="{FF2B5EF4-FFF2-40B4-BE49-F238E27FC236}">
+                <a16:creationId xmlns:a16="http://schemas.microsoft.com/office/drawing/2014/main" id="{F3F4F756-DBB7-E66F-763D-90D5525F3B79}"/>
+              </a:ext>
+            </a:extLst>
+          </p:cNvPr>
+          <p:cNvCxnSpPr>
+            <a:cxnSpLocks/>
+            <a:stCxn id="25" idx="3"/>
+          </p:cNvCxnSpPr>
+          <p:nvPr/>
+        </p:nvCxnSpPr>
+        <p:spPr>
+          <a:xfrm flipV="1">
+            <a:off x="6140330" y="6208284"/>
+            <a:ext cx="664018" cy="270954"/>
+          </a:xfrm>
+          <a:prstGeom prst="bentConnector3">
+            <a:avLst/>
+          </a:prstGeom>
+        </p:spPr>
+        <p:style>
+          <a:lnRef idx="1">
+            <a:schemeClr val="accent1"/>
+          </a:lnRef>
+          <a:fillRef idx="0">
+            <a:schemeClr val="accent1"/>
+          </a:fillRef>
+          <a:effectRef idx="0">
+            <a:schemeClr val="accent1"/>
+          </a:effectRef>
+          <a:fontRef idx="minor">
+            <a:schemeClr val="tx1"/>
+          </a:fontRef>
+        </p:style>
+      </p:cxnSp>
+      <p:sp>
+        <p:nvSpPr>
+          <p:cNvPr id="59" name="TextBox 58">
+            <a:extLst>
+              <a:ext uri="{FF2B5EF4-FFF2-40B4-BE49-F238E27FC236}">
+                <a16:creationId xmlns:a16="http://schemas.microsoft.com/office/drawing/2014/main" id="{518251BC-09BA-F0A4-E002-7AA1020C3E9F}"/>
+              </a:ext>
+            </a:extLst>
+          </p:cNvPr>
+          <p:cNvSpPr txBox="1"/>
+          <p:nvPr/>
+        </p:nvSpPr>
+        <p:spPr>
+          <a:xfrm>
+            <a:off x="6736390" y="6057308"/>
+            <a:ext cx="731976" cy="369332"/>
+          </a:xfrm>
+          <a:prstGeom prst="rect">
+            <a:avLst/>
+          </a:prstGeom>
+          <a:noFill/>
+        </p:spPr>
+        <p:txBody>
+          <a:bodyPr wrap="square" rtlCol="0">
+            <a:spAutoFit/>
+          </a:bodyPr>
+          <a:lstStyle/>
+          <a:p>
+            <a:r>
+              <a:rPr lang="ko-KR" altLang="en-US" dirty="0"/>
+              <a:t>등록</a:t>
+            </a:r>
+          </a:p>
+        </p:txBody>
+      </p:sp>
+      <p:sp>
+        <p:nvSpPr>
+          <p:cNvPr id="60" name="TextBox 59">
+            <a:extLst>
+              <a:ext uri="{FF2B5EF4-FFF2-40B4-BE49-F238E27FC236}">
+                <a16:creationId xmlns:a16="http://schemas.microsoft.com/office/drawing/2014/main" id="{C3365424-231A-9D00-C9F9-12B70CF29DCD}"/>
+              </a:ext>
+            </a:extLst>
+          </p:cNvPr>
+          <p:cNvSpPr txBox="1"/>
+          <p:nvPr/>
+        </p:nvSpPr>
+        <p:spPr>
+          <a:xfrm>
+            <a:off x="4359698" y="6079616"/>
+            <a:ext cx="1191480" cy="369332"/>
+          </a:xfrm>
+          <a:prstGeom prst="rect">
+            <a:avLst/>
+          </a:prstGeom>
+          <a:noFill/>
+        </p:spPr>
+        <p:txBody>
+          <a:bodyPr wrap="square" rtlCol="0">
+            <a:spAutoFit/>
+          </a:bodyPr>
+          <a:lstStyle/>
+          <a:p>
+            <a:r>
+              <a:rPr lang="ko-KR" altLang="en-US" dirty="0"/>
+              <a:t>댓글내용</a:t>
+            </a:r>
+          </a:p>
+        </p:txBody>
+      </p:sp>
+      <p:cxnSp>
+        <p:nvCxnSpPr>
+          <p:cNvPr id="62" name="연결선: 꺾임 61">
+            <a:extLst>
+              <a:ext uri="{FF2B5EF4-FFF2-40B4-BE49-F238E27FC236}">
+                <a16:creationId xmlns:a16="http://schemas.microsoft.com/office/drawing/2014/main" id="{DF209B90-9E26-B4F5-AD51-5A2922FCF8DA}"/>
+              </a:ext>
+            </a:extLst>
+          </p:cNvPr>
+          <p:cNvCxnSpPr>
+            <a:cxnSpLocks/>
+            <a:stCxn id="24" idx="0"/>
+          </p:cNvCxnSpPr>
+          <p:nvPr/>
+        </p:nvCxnSpPr>
+        <p:spPr>
+          <a:xfrm rot="5400000" flipH="1" flipV="1">
+            <a:off x="4263980" y="6232307"/>
+            <a:ext cx="149010" cy="243220"/>
+          </a:xfrm>
+          <a:prstGeom prst="bentConnector2">
+            <a:avLst/>
+          </a:prstGeom>
+        </p:spPr>
+        <p:style>
+          <a:lnRef idx="1">
+            <a:schemeClr val="accent1"/>
+          </a:lnRef>
+          <a:fillRef idx="0">
+            <a:schemeClr val="accent1"/>
+          </a:fillRef>
+          <a:effectRef idx="0">
+            <a:schemeClr val="accent1"/>
+          </a:effectRef>
+          <a:fontRef idx="minor">
+            <a:schemeClr val="tx1"/>
+          </a:fontRef>
+        </p:style>
+      </p:cxnSp>
     </p:spTree>
     <p:extLst>
       <p:ext uri="{BB962C8B-B14F-4D97-AF65-F5344CB8AC3E}">
-        <p14:creationId xmlns:p14="http://schemas.microsoft.com/office/powerpoint/2010/main" val="935983981"/>
+        <p14:creationId xmlns:p14="http://schemas.microsoft.com/office/powerpoint/2010/main" val="2407192350"/>
       </p:ext>
     </p:extLst>
   </p:cSld>
@@ -4620,10 +6163,57 @@
       </p:grpSpPr>
       <p:sp>
         <p:nvSpPr>
-          <p:cNvPr id="4" name="직사각형 3">
-            <a:extLst>
-              <a:ext uri="{FF2B5EF4-FFF2-40B4-BE49-F238E27FC236}">
-                <a16:creationId xmlns:a16="http://schemas.microsoft.com/office/drawing/2014/main" id="{8FFFB8C5-4407-2024-8736-247D5B64CCF8}"/>
+          <p:cNvPr id="4" name="TextBox 3">
+            <a:extLst>
+              <a:ext uri="{FF2B5EF4-FFF2-40B4-BE49-F238E27FC236}">
+                <a16:creationId xmlns:a16="http://schemas.microsoft.com/office/drawing/2014/main" id="{8BF1949D-38CB-3B37-9868-345FBBE2732D}"/>
+              </a:ext>
+            </a:extLst>
+          </p:cNvPr>
+          <p:cNvSpPr txBox="1"/>
+          <p:nvPr/>
+        </p:nvSpPr>
+        <p:spPr>
+          <a:xfrm>
+            <a:off x="581454" y="410099"/>
+            <a:ext cx="1917513" cy="369332"/>
+          </a:xfrm>
+          <a:prstGeom prst="rect">
+            <a:avLst/>
+          </a:prstGeom>
+          <a:noFill/>
+        </p:spPr>
+        <p:txBody>
+          <a:bodyPr wrap="none" rtlCol="0">
+            <a:spAutoFit/>
+          </a:bodyPr>
+          <a:lstStyle/>
+          <a:p>
+            <a:r>
+              <a:rPr lang="en-US" altLang="ko-KR" dirty="0"/>
+              <a:t>III. </a:t>
+            </a:r>
+            <a:r>
+              <a:rPr lang="ko-KR" altLang="en-US" dirty="0"/>
+              <a:t>설계 </a:t>
+            </a:r>
+            <a:r>
+              <a:rPr lang="en-US" altLang="ko-KR" dirty="0"/>
+              <a:t>- </a:t>
+            </a:r>
+            <a:r>
+              <a:rPr lang="ko-KR" altLang="en-US" dirty="0"/>
+              <a:t>로그인</a:t>
+            </a:r>
+          </a:p>
+        </p:txBody>
+      </p:sp>
+      <p:sp>
+        <p:nvSpPr>
+          <p:cNvPr id="5" name="직사각형 4">
+            <a:extLst>
+              <a:ext uri="{FF2B5EF4-FFF2-40B4-BE49-F238E27FC236}">
+                <a16:creationId xmlns:a16="http://schemas.microsoft.com/office/drawing/2014/main" id="{74945501-085D-EF2B-1655-991A7BA123C4}"/>
               </a:ext>
             </a:extLst>
           </p:cNvPr>
@@ -4632,8 +6222,8 @@
         </p:nvSpPr>
         <p:spPr>
           <a:xfrm>
-            <a:off x="884411" y="1488935"/>
-            <a:ext cx="3509564" cy="4960416"/>
+            <a:off x="2581360" y="1383738"/>
+            <a:ext cx="6182315" cy="4863313"/>
           </a:xfrm>
           <a:prstGeom prst="rect">
             <a:avLst/>
@@ -4669,10 +6259,10 @@
       </p:sp>
       <p:sp>
         <p:nvSpPr>
-          <p:cNvPr id="5" name="사각형: 둥근 모서리 4">
-            <a:extLst>
-              <a:ext uri="{FF2B5EF4-FFF2-40B4-BE49-F238E27FC236}">
-                <a16:creationId xmlns:a16="http://schemas.microsoft.com/office/drawing/2014/main" id="{47DCBD7A-021D-13C3-8B08-45347A872D72}"/>
+          <p:cNvPr id="7" name="직사각형 6">
+            <a:extLst>
+              <a:ext uri="{FF2B5EF4-FFF2-40B4-BE49-F238E27FC236}">
+                <a16:creationId xmlns:a16="http://schemas.microsoft.com/office/drawing/2014/main" id="{8C76DF59-C717-AF3B-F374-351C0718E917}"/>
               </a:ext>
             </a:extLst>
           </p:cNvPr>
@@ -4681,12 +6271,15 @@
         </p:nvSpPr>
         <p:spPr>
           <a:xfrm>
-            <a:off x="1010576" y="5545760"/>
-            <a:ext cx="2476544" cy="600934"/>
-          </a:xfrm>
-          <a:prstGeom prst="roundRect">
-            <a:avLst/>
-          </a:prstGeom>
+            <a:off x="3625232" y="2217217"/>
+            <a:ext cx="3641416" cy="372235"/>
+          </a:xfrm>
+          <a:prstGeom prst="rect">
+            <a:avLst/>
+          </a:prstGeom>
+          <a:solidFill>
+            <a:schemeClr val="bg1"/>
+          </a:solidFill>
         </p:spPr>
         <p:style>
           <a:lnRef idx="2">
@@ -4710,23 +6303,22 @@
           <a:p>
             <a:pPr algn="ctr"/>
             <a:r>
-              <a:rPr lang="ko-KR" altLang="en-US" sz="800" dirty="0"/>
-              <a:t>입력하세요</a:t>
-            </a:r>
-            <a:r>
-              <a:rPr lang="en-US" altLang="ko-KR" sz="800" dirty="0"/>
-              <a:t>.</a:t>
-            </a:r>
-            <a:endParaRPr lang="ko-KR" altLang="en-US" sz="800" dirty="0"/>
-          </a:p>
-        </p:txBody>
-      </p:sp>
-      <p:sp>
-        <p:nvSpPr>
-          <p:cNvPr id="6" name="순서도: 대체 처리 5">
-            <a:extLst>
-              <a:ext uri="{FF2B5EF4-FFF2-40B4-BE49-F238E27FC236}">
-                <a16:creationId xmlns:a16="http://schemas.microsoft.com/office/drawing/2014/main" id="{A289075B-F873-E031-0667-6105FE1BD6B1}"/>
+              <a:rPr lang="ko-KR" altLang="en-US" dirty="0">
+                <a:solidFill>
+                  <a:schemeClr val="tx1"/>
+                </a:solidFill>
+              </a:rPr>
+              <a:t>아이디</a:t>
+            </a:r>
+          </a:p>
+        </p:txBody>
+      </p:sp>
+      <p:sp>
+        <p:nvSpPr>
+          <p:cNvPr id="9" name="직사각형 8">
+            <a:extLst>
+              <a:ext uri="{FF2B5EF4-FFF2-40B4-BE49-F238E27FC236}">
+                <a16:creationId xmlns:a16="http://schemas.microsoft.com/office/drawing/2014/main" id="{BCDA4D0D-B0D4-EB35-6D2A-62827D3FB36B}"/>
               </a:ext>
             </a:extLst>
           </p:cNvPr>
@@ -4735,12 +6327,15 @@
         </p:nvSpPr>
         <p:spPr>
           <a:xfrm>
-            <a:off x="3613285" y="5545760"/>
-            <a:ext cx="650786" cy="600934"/>
-          </a:xfrm>
-          <a:prstGeom prst="flowChartAlternateProcess">
-            <a:avLst/>
-          </a:prstGeom>
+            <a:off x="3625232" y="2782311"/>
+            <a:ext cx="3641416" cy="372235"/>
+          </a:xfrm>
+          <a:prstGeom prst="rect">
+            <a:avLst/>
+          </a:prstGeom>
+          <a:solidFill>
+            <a:schemeClr val="bg1"/>
+          </a:solidFill>
         </p:spPr>
         <p:style>
           <a:lnRef idx="2">
@@ -4764,56 +6359,22 @@
           <a:p>
             <a:pPr algn="ctr"/>
             <a:r>
-              <a:rPr lang="ko-KR" altLang="en-US" sz="800" dirty="0"/>
-              <a:t>전송</a:t>
-            </a:r>
-          </a:p>
-        </p:txBody>
-      </p:sp>
-      <p:cxnSp>
-        <p:nvCxnSpPr>
-          <p:cNvPr id="7" name="직선 연결선 6">
-            <a:extLst>
-              <a:ext uri="{FF2B5EF4-FFF2-40B4-BE49-F238E27FC236}">
-                <a16:creationId xmlns:a16="http://schemas.microsoft.com/office/drawing/2014/main" id="{6DCFC2A5-1732-EF3D-A120-4B4D1D1D3995}"/>
-              </a:ext>
-            </a:extLst>
-          </p:cNvPr>
-          <p:cNvCxnSpPr>
-            <a:cxnSpLocks/>
-          </p:cNvCxnSpPr>
-          <p:nvPr/>
-        </p:nvCxnSpPr>
-        <p:spPr>
-          <a:xfrm>
-            <a:off x="884411" y="5251730"/>
-            <a:ext cx="3509564" cy="0"/>
-          </a:xfrm>
-          <a:prstGeom prst="line">
-            <a:avLst/>
-          </a:prstGeom>
-        </p:spPr>
-        <p:style>
-          <a:lnRef idx="1">
-            <a:schemeClr val="accent1"/>
-          </a:lnRef>
-          <a:fillRef idx="0">
-            <a:schemeClr val="accent1"/>
-          </a:fillRef>
-          <a:effectRef idx="0">
-            <a:schemeClr val="accent1"/>
-          </a:effectRef>
-          <a:fontRef idx="minor">
-            <a:schemeClr val="tx1"/>
-          </a:fontRef>
-        </p:style>
-      </p:cxnSp>
-      <p:sp>
-        <p:nvSpPr>
-          <p:cNvPr id="8" name="말풍선: 사각형 7">
-            <a:extLst>
-              <a:ext uri="{FF2B5EF4-FFF2-40B4-BE49-F238E27FC236}">
-                <a16:creationId xmlns:a16="http://schemas.microsoft.com/office/drawing/2014/main" id="{A9C4FCF7-49A9-2F46-63DC-7919BF97128D}"/>
+              <a:rPr lang="ko-KR" altLang="en-US" dirty="0">
+                <a:solidFill>
+                  <a:schemeClr val="tx1"/>
+                </a:solidFill>
+              </a:rPr>
+              <a:t>비밀번호</a:t>
+            </a:r>
+          </a:p>
+        </p:txBody>
+      </p:sp>
+      <p:sp>
+        <p:nvSpPr>
+          <p:cNvPr id="10" name="타원 9">
+            <a:extLst>
+              <a:ext uri="{FF2B5EF4-FFF2-40B4-BE49-F238E27FC236}">
+                <a16:creationId xmlns:a16="http://schemas.microsoft.com/office/drawing/2014/main" id="{081E0597-9F72-ACC6-86E0-4126B9800C8B}"/>
               </a:ext>
             </a:extLst>
           </p:cNvPr>
@@ -4822,15 +6383,15 @@
         </p:nvSpPr>
         <p:spPr>
           <a:xfrm>
-            <a:off x="1647221" y="3163234"/>
-            <a:ext cx="2291457" cy="805909"/>
-          </a:xfrm>
-          <a:prstGeom prst="wedgeRectCallout">
-            <a:avLst>
-              <a:gd name="adj1" fmla="val 59046"/>
-              <a:gd name="adj2" fmla="val 25236"/>
-            </a:avLst>
-          </a:prstGeom>
+            <a:off x="4980648" y="3818626"/>
+            <a:ext cx="926538" cy="797740"/>
+          </a:xfrm>
+          <a:prstGeom prst="ellipse">
+            <a:avLst/>
+          </a:prstGeom>
+          <a:solidFill>
+            <a:schemeClr val="bg1"/>
+          </a:solidFill>
         </p:spPr>
         <p:style>
           <a:lnRef idx="2">
@@ -4854,38 +6415,22 @@
           <a:p>
             <a:pPr algn="ctr"/>
             <a:r>
-              <a:rPr lang="ko-KR" altLang="en-US" sz="900" dirty="0">
+              <a:rPr lang="ko-KR" altLang="en-US" dirty="0">
                 <a:solidFill>
                   <a:schemeClr val="tx1"/>
                 </a:solidFill>
               </a:rPr>
-              <a:t>둘이서 할 </a:t>
-            </a:r>
-            <a:r>
-              <a:rPr lang="ko-KR" altLang="en-US" sz="900" dirty="0" err="1">
-                <a:solidFill>
-                  <a:schemeClr val="tx1"/>
-                </a:solidFill>
-              </a:rPr>
-              <a:t>총게임</a:t>
-            </a:r>
-            <a:r>
-              <a:rPr lang="ko-KR" altLang="en-US" sz="900" dirty="0">
-                <a:solidFill>
-                  <a:schemeClr val="tx1"/>
-                </a:solidFill>
-              </a:rPr>
-              <a:t> 알려줘</a:t>
-            </a:r>
-          </a:p>
-        </p:txBody>
-      </p:sp>
-      <p:sp>
-        <p:nvSpPr>
-          <p:cNvPr id="9" name="TextBox 8">
-            <a:extLst>
-              <a:ext uri="{FF2B5EF4-FFF2-40B4-BE49-F238E27FC236}">
-                <a16:creationId xmlns:a16="http://schemas.microsoft.com/office/drawing/2014/main" id="{6DCDA3B3-5AF0-7829-C96F-63765C2CE6B4}"/>
+              <a:t>스팀</a:t>
+            </a:r>
+          </a:p>
+        </p:txBody>
+      </p:sp>
+      <p:sp>
+        <p:nvSpPr>
+          <p:cNvPr id="11" name="TextBox 10">
+            <a:extLst>
+              <a:ext uri="{FF2B5EF4-FFF2-40B4-BE49-F238E27FC236}">
+                <a16:creationId xmlns:a16="http://schemas.microsoft.com/office/drawing/2014/main" id="{C3293F41-CF90-6D11-F60E-585A436FA771}"/>
               </a:ext>
             </a:extLst>
           </p:cNvPr>
@@ -4894,8 +6439,8 @@
         </p:nvSpPr>
         <p:spPr>
           <a:xfrm>
-            <a:off x="884411" y="392023"/>
-            <a:ext cx="1943017" cy="369332"/>
+            <a:off x="3382471" y="4814761"/>
+            <a:ext cx="1197621" cy="307777"/>
           </a:xfrm>
           <a:prstGeom prst="rect">
             <a:avLst/>
@@ -4909,22 +6454,88 @@
           <a:lstStyle/>
           <a:p>
             <a:r>
-              <a:rPr lang="en-US" altLang="ko-KR" dirty="0"/>
-              <a:t>III. </a:t>
-            </a:r>
-            <a:r>
-              <a:rPr lang="ko-KR" altLang="en-US" dirty="0"/>
-              <a:t>설계</a:t>
-            </a:r>
-          </a:p>
-        </p:txBody>
-      </p:sp>
-      <p:sp>
-        <p:nvSpPr>
-          <p:cNvPr id="10" name="말풍선: 사각형 9">
-            <a:extLst>
-              <a:ext uri="{FF2B5EF4-FFF2-40B4-BE49-F238E27FC236}">
-                <a16:creationId xmlns:a16="http://schemas.microsoft.com/office/drawing/2014/main" id="{23DA28AB-1E71-996C-42FD-BF0896D851A0}"/>
+              <a:rPr lang="ko-KR" altLang="en-US" sz="1400" dirty="0"/>
+              <a:t>회원가입</a:t>
+            </a:r>
+          </a:p>
+        </p:txBody>
+      </p:sp>
+      <p:sp>
+        <p:nvSpPr>
+          <p:cNvPr id="12" name="TextBox 11">
+            <a:extLst>
+              <a:ext uri="{FF2B5EF4-FFF2-40B4-BE49-F238E27FC236}">
+                <a16:creationId xmlns:a16="http://schemas.microsoft.com/office/drawing/2014/main" id="{DEFC3413-463F-878B-C685-5E5F8C1D0CCF}"/>
+              </a:ext>
+            </a:extLst>
+          </p:cNvPr>
+          <p:cNvSpPr txBox="1"/>
+          <p:nvPr/>
+        </p:nvSpPr>
+        <p:spPr>
+          <a:xfrm>
+            <a:off x="4806669" y="4814761"/>
+            <a:ext cx="1197621" cy="307777"/>
+          </a:xfrm>
+          <a:prstGeom prst="rect">
+            <a:avLst/>
+          </a:prstGeom>
+          <a:noFill/>
+        </p:spPr>
+        <p:txBody>
+          <a:bodyPr wrap="square" rtlCol="0">
+            <a:spAutoFit/>
+          </a:bodyPr>
+          <a:lstStyle/>
+          <a:p>
+            <a:r>
+              <a:rPr lang="ko-KR" altLang="en-US" sz="1400" dirty="0"/>
+              <a:t>아이디 찾기</a:t>
+            </a:r>
+          </a:p>
+        </p:txBody>
+      </p:sp>
+      <p:sp>
+        <p:nvSpPr>
+          <p:cNvPr id="13" name="TextBox 12">
+            <a:extLst>
+              <a:ext uri="{FF2B5EF4-FFF2-40B4-BE49-F238E27FC236}">
+                <a16:creationId xmlns:a16="http://schemas.microsoft.com/office/drawing/2014/main" id="{E6639DD2-B219-8B1B-F72B-6A7423423FCA}"/>
+              </a:ext>
+            </a:extLst>
+          </p:cNvPr>
+          <p:cNvSpPr txBox="1"/>
+          <p:nvPr/>
+        </p:nvSpPr>
+        <p:spPr>
+          <a:xfrm>
+            <a:off x="6230867" y="4814760"/>
+            <a:ext cx="1327094" cy="307777"/>
+          </a:xfrm>
+          <a:prstGeom prst="rect">
+            <a:avLst/>
+          </a:prstGeom>
+          <a:noFill/>
+        </p:spPr>
+        <p:txBody>
+          <a:bodyPr wrap="square" rtlCol="0">
+            <a:spAutoFit/>
+          </a:bodyPr>
+          <a:lstStyle/>
+          <a:p>
+            <a:r>
+              <a:rPr lang="ko-KR" altLang="en-US" sz="1400" dirty="0"/>
+              <a:t>비밀번호 찾기</a:t>
+            </a:r>
+          </a:p>
+        </p:txBody>
+      </p:sp>
+      <p:sp>
+        <p:nvSpPr>
+          <p:cNvPr id="14" name="직사각형 13">
+            <a:extLst>
+              <a:ext uri="{FF2B5EF4-FFF2-40B4-BE49-F238E27FC236}">
+                <a16:creationId xmlns:a16="http://schemas.microsoft.com/office/drawing/2014/main" id="{651E9A11-50D6-F7B6-E9AC-CC423925FF61}"/>
               </a:ext>
             </a:extLst>
           </p:cNvPr>
@@ -4933,15 +6544,15 @@
         </p:nvSpPr>
         <p:spPr>
           <a:xfrm>
-            <a:off x="1321828" y="4135030"/>
-            <a:ext cx="2291457" cy="955929"/>
-          </a:xfrm>
-          <a:prstGeom prst="wedgeRectCallout">
-            <a:avLst>
-              <a:gd name="adj1" fmla="val -58903"/>
-              <a:gd name="adj2" fmla="val 30256"/>
-            </a:avLst>
-          </a:prstGeom>
+            <a:off x="4926026" y="3323129"/>
+            <a:ext cx="1035781" cy="372235"/>
+          </a:xfrm>
+          <a:prstGeom prst="rect">
+            <a:avLst/>
+          </a:prstGeom>
+          <a:solidFill>
+            <a:schemeClr val="bg1"/>
+          </a:solidFill>
         </p:spPr>
         <p:style>
           <a:lnRef idx="2">
@@ -4965,164 +6576,34 @@
           <a:p>
             <a:pPr algn="ctr"/>
             <a:r>
-              <a:rPr lang="ko-KR" altLang="en-US" sz="900" dirty="0">
+              <a:rPr lang="ko-KR" altLang="en-US" dirty="0">
                 <a:solidFill>
                   <a:schemeClr val="tx1"/>
                 </a:solidFill>
               </a:rPr>
-              <a:t>요청하신 </a:t>
-            </a:r>
-            <a:r>
-              <a:rPr lang="en-US" altLang="ko-KR" sz="900" dirty="0">
-                <a:solidFill>
-                  <a:schemeClr val="tx1"/>
-                </a:solidFill>
-              </a:rPr>
-              <a:t>＂</a:t>
-            </a:r>
-            <a:r>
-              <a:rPr lang="ko-KR" altLang="en-US" sz="900" dirty="0">
-                <a:solidFill>
-                  <a:schemeClr val="tx1"/>
-                </a:solidFill>
-              </a:rPr>
-              <a:t>둘이서 할 </a:t>
-            </a:r>
-            <a:r>
-              <a:rPr lang="ko-KR" altLang="en-US" sz="900" dirty="0" err="1">
-                <a:solidFill>
-                  <a:schemeClr val="tx1"/>
-                </a:solidFill>
-              </a:rPr>
-              <a:t>총게임</a:t>
-            </a:r>
-            <a:r>
-              <a:rPr lang="ko-KR" altLang="en-US" sz="900" dirty="0">
-                <a:solidFill>
-                  <a:schemeClr val="tx1"/>
-                </a:solidFill>
-              </a:rPr>
-              <a:t> </a:t>
-            </a:r>
-            <a:r>
-              <a:rPr lang="en-US" altLang="ko-KR" sz="900" dirty="0">
-                <a:solidFill>
-                  <a:schemeClr val="tx1"/>
-                </a:solidFill>
-              </a:rPr>
-              <a:t>“ </a:t>
-            </a:r>
-            <a:r>
-              <a:rPr lang="ko-KR" altLang="en-US" sz="900" dirty="0">
-                <a:solidFill>
-                  <a:schemeClr val="tx1"/>
-                </a:solidFill>
-              </a:rPr>
-              <a:t>에 대한 추천 게임입니다</a:t>
-            </a:r>
-            <a:r>
-              <a:rPr lang="en-US" altLang="ko-KR" sz="900" dirty="0">
-                <a:solidFill>
-                  <a:schemeClr val="tx1"/>
-                </a:solidFill>
-              </a:rPr>
-              <a:t>.</a:t>
-            </a:r>
-          </a:p>
-          <a:p>
-            <a:pPr algn="ctr"/>
-            <a:r>
-              <a:rPr lang="en-US" altLang="ko-KR" sz="900" dirty="0">
-                <a:solidFill>
-                  <a:schemeClr val="tx1"/>
-                </a:solidFill>
-              </a:rPr>
-              <a:t>1.Counter Strike</a:t>
-            </a:r>
-          </a:p>
-          <a:p>
-            <a:pPr algn="ctr"/>
-            <a:r>
-              <a:rPr lang="en-US" altLang="ko-KR" sz="900" dirty="0">
-                <a:solidFill>
-                  <a:schemeClr val="tx1"/>
-                </a:solidFill>
-              </a:rPr>
-              <a:t>2.PUBG:BattleGrounds</a:t>
-            </a:r>
-          </a:p>
-          <a:p>
-            <a:pPr algn="ctr"/>
-            <a:r>
-              <a:rPr lang="en-US" altLang="ko-KR" sz="900" dirty="0">
-                <a:solidFill>
-                  <a:schemeClr val="tx1"/>
-                </a:solidFill>
-              </a:rPr>
-              <a:t>3. </a:t>
-            </a:r>
-            <a:r>
-              <a:rPr lang="en-US" altLang="ko-KR" sz="900" dirty="0" err="1">
-                <a:solidFill>
-                  <a:schemeClr val="tx1"/>
-                </a:solidFill>
-              </a:rPr>
-              <a:t>Destinty</a:t>
-            </a:r>
-            <a:r>
-              <a:rPr lang="en-US" altLang="ko-KR" sz="900" dirty="0">
-                <a:solidFill>
-                  <a:schemeClr val="tx1"/>
-                </a:solidFill>
-              </a:rPr>
-              <a:t> Guardians</a:t>
-            </a:r>
-          </a:p>
-          <a:p>
-            <a:pPr algn="ctr"/>
-            <a:r>
-              <a:rPr lang="ko-KR" altLang="en-US" sz="900" dirty="0">
-                <a:solidFill>
-                  <a:schemeClr val="tx1"/>
-                </a:solidFill>
-              </a:rPr>
-              <a:t>가 있습니다</a:t>
-            </a:r>
-            <a:r>
-              <a:rPr lang="en-US" altLang="ko-KR" sz="900" dirty="0">
-                <a:solidFill>
-                  <a:schemeClr val="tx1"/>
-                </a:solidFill>
-              </a:rPr>
-              <a:t>. </a:t>
-            </a:r>
-          </a:p>
-          <a:p>
-            <a:pPr algn="ctr"/>
-            <a:endParaRPr lang="ko-KR" altLang="en-US" sz="900" dirty="0">
-              <a:solidFill>
-                <a:schemeClr val="tx1"/>
-              </a:solidFill>
-            </a:endParaRPr>
+              <a:t>로그인</a:t>
+            </a:r>
           </a:p>
         </p:txBody>
       </p:sp>
       <p:cxnSp>
         <p:nvCxnSpPr>
-          <p:cNvPr id="12" name="연결선: 꺾임 11">
-            <a:extLst>
-              <a:ext uri="{FF2B5EF4-FFF2-40B4-BE49-F238E27FC236}">
-                <a16:creationId xmlns:a16="http://schemas.microsoft.com/office/drawing/2014/main" id="{87C64905-6F54-305D-A25D-91C8B76C7261}"/>
-              </a:ext>
-            </a:extLst>
-          </p:cNvPr>
-          <p:cNvCxnSpPr/>
+          <p:cNvPr id="16" name="연결선: 꺾임 15">
+            <a:extLst>
+              <a:ext uri="{FF2B5EF4-FFF2-40B4-BE49-F238E27FC236}">
+                <a16:creationId xmlns:a16="http://schemas.microsoft.com/office/drawing/2014/main" id="{AB8D4A5F-C3B0-DF53-C1BE-6A52CAF9AA8B}"/>
+              </a:ext>
+            </a:extLst>
+          </p:cNvPr>
+          <p:cNvCxnSpPr>
+            <a:cxnSpLocks/>
+          </p:cNvCxnSpPr>
           <p:nvPr/>
         </p:nvCxnSpPr>
         <p:spPr>
           <a:xfrm flipV="1">
-            <a:off x="3938678" y="995320"/>
-            <a:ext cx="4112897" cy="2433680"/>
+            <a:off x="6004290" y="1483539"/>
+            <a:ext cx="3892269" cy="2022939"/>
           </a:xfrm>
           <a:prstGeom prst="bentConnector3">
             <a:avLst/>
@@ -5148,10 +6629,10 @@
       </p:cxnSp>
       <p:sp>
         <p:nvSpPr>
-          <p:cNvPr id="13" name="TextBox 12">
-            <a:extLst>
-              <a:ext uri="{FF2B5EF4-FFF2-40B4-BE49-F238E27FC236}">
-                <a16:creationId xmlns:a16="http://schemas.microsoft.com/office/drawing/2014/main" id="{E07C532F-3C90-3133-6971-B610922D034F}"/>
+          <p:cNvPr id="17" name="TextBox 16">
+            <a:extLst>
+              <a:ext uri="{FF2B5EF4-FFF2-40B4-BE49-F238E27FC236}">
+                <a16:creationId xmlns:a16="http://schemas.microsoft.com/office/drawing/2014/main" id="{1FC8902E-A94F-964D-02D1-A32EB8435AB1}"/>
               </a:ext>
             </a:extLst>
           </p:cNvPr>
@@ -5160,8 +6641,8 @@
         </p:nvSpPr>
         <p:spPr>
           <a:xfrm>
-            <a:off x="8051575" y="761355"/>
-            <a:ext cx="3050697" cy="523220"/>
+            <a:off x="9807547" y="1211178"/>
+            <a:ext cx="1731695" cy="646331"/>
           </a:xfrm>
           <a:prstGeom prst="rect">
             <a:avLst/>
@@ -5175,18 +6656,22 @@
           <a:lstStyle/>
           <a:p>
             <a:r>
-              <a:rPr lang="ko-KR" altLang="en-US" sz="1400" dirty="0"/>
-              <a:t>출력된 정보를 입력한 시간순서로 올라가게 출력</a:t>
+              <a:rPr lang="ko-KR" altLang="en-US" dirty="0" err="1"/>
+              <a:t>엔터</a:t>
+            </a:r>
+            <a:r>
+              <a:rPr lang="ko-KR" altLang="en-US" dirty="0"/>
+              <a:t> 혹은 버튼 누르면 로그인 </a:t>
             </a:r>
           </a:p>
         </p:txBody>
       </p:sp>
       <p:cxnSp>
         <p:nvCxnSpPr>
-          <p:cNvPr id="14" name="연결선: 꺾임 13">
-            <a:extLst>
-              <a:ext uri="{FF2B5EF4-FFF2-40B4-BE49-F238E27FC236}">
-                <a16:creationId xmlns:a16="http://schemas.microsoft.com/office/drawing/2014/main" id="{4C545BDF-D356-FBAA-411E-2199CD466BE1}"/>
+          <p:cNvPr id="18" name="연결선: 꺾임 17">
+            <a:extLst>
+              <a:ext uri="{FF2B5EF4-FFF2-40B4-BE49-F238E27FC236}">
+                <a16:creationId xmlns:a16="http://schemas.microsoft.com/office/drawing/2014/main" id="{94881777-9AC8-E4B3-139B-DE2B07A7C23D}"/>
               </a:ext>
             </a:extLst>
           </p:cNvPr>
@@ -5197,8 +6682,8 @@
         </p:nvCxnSpPr>
         <p:spPr>
           <a:xfrm flipV="1">
-            <a:off x="3613285" y="2276897"/>
-            <a:ext cx="4438290" cy="2442524"/>
+            <a:off x="5907186" y="2403334"/>
+            <a:ext cx="3989373" cy="1842008"/>
           </a:xfrm>
           <a:prstGeom prst="bentConnector3">
             <a:avLst/>
@@ -5224,10 +6709,10 @@
       </p:cxnSp>
       <p:sp>
         <p:nvSpPr>
-          <p:cNvPr id="16" name="TextBox 15">
-            <a:extLst>
-              <a:ext uri="{FF2B5EF4-FFF2-40B4-BE49-F238E27FC236}">
-                <a16:creationId xmlns:a16="http://schemas.microsoft.com/office/drawing/2014/main" id="{6D8703E3-D5B9-43FC-4B71-3947BAB0C468}"/>
+          <p:cNvPr id="21" name="TextBox 20">
+            <a:extLst>
+              <a:ext uri="{FF2B5EF4-FFF2-40B4-BE49-F238E27FC236}">
+                <a16:creationId xmlns:a16="http://schemas.microsoft.com/office/drawing/2014/main" id="{78EBD425-EE2B-EBED-B3F5-5436E18B2C47}"/>
               </a:ext>
             </a:extLst>
           </p:cNvPr>
@@ -5236,8 +6721,8 @@
         </p:nvSpPr>
         <p:spPr>
           <a:xfrm>
-            <a:off x="8175652" y="1953731"/>
-            <a:ext cx="3050697" cy="738664"/>
+            <a:off x="9807546" y="2130973"/>
+            <a:ext cx="1869261" cy="646331"/>
           </a:xfrm>
           <a:prstGeom prst="rect">
             <a:avLst/>
@@ -5251,144 +6736,16 @@
           <a:lstStyle/>
           <a:p>
             <a:r>
-              <a:rPr lang="ko-KR" altLang="en-US" sz="1400" dirty="0"/>
-              <a:t>요청한 정보 분석하여 게임추천후 게임이름을 누르면 해당 게임 다운로드 페이지로 이동</a:t>
-            </a:r>
-          </a:p>
-        </p:txBody>
-      </p:sp>
-      <p:sp>
-        <p:nvSpPr>
-          <p:cNvPr id="18" name="사각형: 둥근 모서리 17">
-            <a:extLst>
-              <a:ext uri="{FF2B5EF4-FFF2-40B4-BE49-F238E27FC236}">
-                <a16:creationId xmlns:a16="http://schemas.microsoft.com/office/drawing/2014/main" id="{6DB110E2-727B-1B83-A16B-248F17B1849A}"/>
-              </a:ext>
-            </a:extLst>
-          </p:cNvPr>
-          <p:cNvSpPr/>
-          <p:nvPr/>
-        </p:nvSpPr>
-        <p:spPr>
-          <a:xfrm>
-            <a:off x="4264071" y="4753376"/>
-            <a:ext cx="56644" cy="337583"/>
-          </a:xfrm>
-          <a:prstGeom prst="roundRect">
-            <a:avLst/>
-          </a:prstGeom>
-          <a:solidFill>
-            <a:schemeClr val="tx1">
-              <a:lumMod val="50000"/>
-              <a:lumOff val="50000"/>
-            </a:schemeClr>
-          </a:solidFill>
-        </p:spPr>
-        <p:style>
-          <a:lnRef idx="2">
-            <a:schemeClr val="accent1">
-              <a:shade val="15000"/>
-            </a:schemeClr>
-          </a:lnRef>
-          <a:fillRef idx="1">
-            <a:schemeClr val="accent1"/>
-          </a:fillRef>
-          <a:effectRef idx="0">
-            <a:schemeClr val="accent1"/>
-          </a:effectRef>
-          <a:fontRef idx="minor">
-            <a:schemeClr val="lt1"/>
-          </a:fontRef>
-        </p:style>
-        <p:txBody>
-          <a:bodyPr rtlCol="0" anchor="ctr"/>
-          <a:lstStyle/>
-          <a:p>
-            <a:pPr algn="ctr"/>
-            <a:endParaRPr lang="ko-KR" altLang="en-US"/>
-          </a:p>
-        </p:txBody>
-      </p:sp>
-      <p:cxnSp>
-        <p:nvCxnSpPr>
-          <p:cNvPr id="20" name="연결선: 꺾임 19">
-            <a:extLst>
-              <a:ext uri="{FF2B5EF4-FFF2-40B4-BE49-F238E27FC236}">
-                <a16:creationId xmlns:a16="http://schemas.microsoft.com/office/drawing/2014/main" id="{12B59C5B-8B45-FF1C-2860-2A20341988D6}"/>
-              </a:ext>
-            </a:extLst>
-          </p:cNvPr>
-          <p:cNvCxnSpPr>
-            <a:stCxn id="18" idx="3"/>
-          </p:cNvCxnSpPr>
-          <p:nvPr/>
-        </p:nvCxnSpPr>
-        <p:spPr>
-          <a:xfrm flipV="1">
-            <a:off x="4320715" y="3163234"/>
-            <a:ext cx="3649940" cy="1758934"/>
-          </a:xfrm>
-          <a:prstGeom prst="bentConnector3">
-            <a:avLst/>
-          </a:prstGeom>
-          <a:ln>
-            <a:tailEnd type="triangle"/>
-          </a:ln>
-        </p:spPr>
-        <p:style>
-          <a:lnRef idx="1">
-            <a:schemeClr val="accent1"/>
-          </a:lnRef>
-          <a:fillRef idx="0">
-            <a:schemeClr val="accent1"/>
-          </a:fillRef>
-          <a:effectRef idx="0">
-            <a:schemeClr val="accent1"/>
-          </a:effectRef>
-          <a:fontRef idx="minor">
-            <a:schemeClr val="tx1"/>
-          </a:fontRef>
-        </p:style>
-      </p:cxnSp>
-      <p:sp>
-        <p:nvSpPr>
-          <p:cNvPr id="21" name="TextBox 20">
-            <a:extLst>
-              <a:ext uri="{FF2B5EF4-FFF2-40B4-BE49-F238E27FC236}">
-                <a16:creationId xmlns:a16="http://schemas.microsoft.com/office/drawing/2014/main" id="{F87BB4C1-94CA-2E64-C928-2D27F3B29235}"/>
-              </a:ext>
-            </a:extLst>
-          </p:cNvPr>
-          <p:cNvSpPr txBox="1"/>
-          <p:nvPr/>
-        </p:nvSpPr>
-        <p:spPr>
-          <a:xfrm>
-            <a:off x="8108219" y="2905780"/>
-            <a:ext cx="3050697" cy="523220"/>
-          </a:xfrm>
-          <a:prstGeom prst="rect">
-            <a:avLst/>
-          </a:prstGeom>
-          <a:noFill/>
-        </p:spPr>
-        <p:txBody>
-          <a:bodyPr wrap="square" rtlCol="0">
-            <a:spAutoFit/>
-          </a:bodyPr>
-          <a:lstStyle/>
-          <a:p>
-            <a:r>
-              <a:rPr lang="ko-KR" altLang="en-US" sz="1400" dirty="0"/>
-              <a:t>요청한 정보가 많아서 화면을 </a:t>
-            </a:r>
-            <a:r>
-              <a:rPr lang="ko-KR" altLang="en-US" sz="1400" dirty="0" err="1"/>
-              <a:t>넘게되면</a:t>
-            </a:r>
-            <a:r>
-              <a:rPr lang="ko-KR" altLang="en-US" sz="1400" dirty="0"/>
-              <a:t> 스크롤</a:t>
+              <a:rPr lang="en-US" altLang="ko-KR" dirty="0" err="1"/>
+              <a:t>Oauth</a:t>
+            </a:r>
+            <a:r>
+              <a:rPr lang="en-US" altLang="ko-KR" dirty="0"/>
+              <a:t> </a:t>
+            </a:r>
+            <a:r>
+              <a:rPr lang="ko-KR" altLang="en-US" dirty="0"/>
+              <a:t>이용하여 스팀 연동</a:t>
             </a:r>
           </a:p>
         </p:txBody>
@@ -5396,7 +6753,7 @@
     </p:spTree>
     <p:extLst>
       <p:ext uri="{BB962C8B-B14F-4D97-AF65-F5344CB8AC3E}">
-        <p14:creationId xmlns:p14="http://schemas.microsoft.com/office/powerpoint/2010/main" val="4014738613"/>
+        <p14:creationId xmlns:p14="http://schemas.microsoft.com/office/powerpoint/2010/main" val="3508435636"/>
       </p:ext>
     </p:extLst>
   </p:cSld>
@@ -5425,10 +6782,299 @@
       </p:grpSpPr>
       <p:sp>
         <p:nvSpPr>
-          <p:cNvPr id="6" name="TextBox 5">
-            <a:extLst>
-              <a:ext uri="{FF2B5EF4-FFF2-40B4-BE49-F238E27FC236}">
-                <a16:creationId xmlns:a16="http://schemas.microsoft.com/office/drawing/2014/main" id="{3C7164E8-4AEB-A64A-790A-976CEA6F62EE}"/>
+          <p:cNvPr id="4" name="직사각형 3">
+            <a:extLst>
+              <a:ext uri="{FF2B5EF4-FFF2-40B4-BE49-F238E27FC236}">
+                <a16:creationId xmlns:a16="http://schemas.microsoft.com/office/drawing/2014/main" id="{0C7299D8-2E64-7198-915B-90E1D03830F6}"/>
+              </a:ext>
+            </a:extLst>
+          </p:cNvPr>
+          <p:cNvSpPr/>
+          <p:nvPr/>
+        </p:nvSpPr>
+        <p:spPr>
+          <a:xfrm>
+            <a:off x="884411" y="1488935"/>
+            <a:ext cx="3509564" cy="4960416"/>
+          </a:xfrm>
+          <a:prstGeom prst="rect">
+            <a:avLst/>
+          </a:prstGeom>
+          <a:solidFill>
+            <a:schemeClr val="bg1"/>
+          </a:solidFill>
+        </p:spPr>
+        <p:style>
+          <a:lnRef idx="2">
+            <a:schemeClr val="accent1">
+              <a:shade val="15000"/>
+            </a:schemeClr>
+          </a:lnRef>
+          <a:fillRef idx="1">
+            <a:schemeClr val="accent1"/>
+          </a:fillRef>
+          <a:effectRef idx="0">
+            <a:schemeClr val="accent1"/>
+          </a:effectRef>
+          <a:fontRef idx="minor">
+            <a:schemeClr val="lt1"/>
+          </a:fontRef>
+        </p:style>
+        <p:txBody>
+          <a:bodyPr rtlCol="0" anchor="ctr"/>
+          <a:lstStyle/>
+          <a:p>
+            <a:pPr algn="ctr"/>
+            <a:endParaRPr lang="ko-KR" altLang="en-US" dirty="0"/>
+          </a:p>
+        </p:txBody>
+      </p:sp>
+      <p:sp>
+        <p:nvSpPr>
+          <p:cNvPr id="5" name="말풍선: 사각형 4">
+            <a:extLst>
+              <a:ext uri="{FF2B5EF4-FFF2-40B4-BE49-F238E27FC236}">
+                <a16:creationId xmlns:a16="http://schemas.microsoft.com/office/drawing/2014/main" id="{4AEC287F-5E48-BE81-2CD0-3943C31462B3}"/>
+              </a:ext>
+            </a:extLst>
+          </p:cNvPr>
+          <p:cNvSpPr/>
+          <p:nvPr/>
+        </p:nvSpPr>
+        <p:spPr>
+          <a:xfrm>
+            <a:off x="1321828" y="1774309"/>
+            <a:ext cx="2291457" cy="805909"/>
+          </a:xfrm>
+          <a:prstGeom prst="wedgeRectCallout">
+            <a:avLst>
+              <a:gd name="adj1" fmla="val -58549"/>
+              <a:gd name="adj2" fmla="val 29252"/>
+            </a:avLst>
+          </a:prstGeom>
+        </p:spPr>
+        <p:style>
+          <a:lnRef idx="2">
+            <a:schemeClr val="accent1">
+              <a:shade val="15000"/>
+            </a:schemeClr>
+          </a:lnRef>
+          <a:fillRef idx="1">
+            <a:schemeClr val="accent1"/>
+          </a:fillRef>
+          <a:effectRef idx="0">
+            <a:schemeClr val="accent1"/>
+          </a:effectRef>
+          <a:fontRef idx="minor">
+            <a:schemeClr val="lt1"/>
+          </a:fontRef>
+        </p:style>
+        <p:txBody>
+          <a:bodyPr rtlCol="0" anchor="ctr"/>
+          <a:lstStyle/>
+          <a:p>
+            <a:pPr algn="ctr"/>
+            <a:r>
+              <a:rPr lang="ko-KR" altLang="en-US" sz="900" dirty="0">
+                <a:solidFill>
+                  <a:schemeClr val="tx1"/>
+                </a:solidFill>
+              </a:rPr>
+              <a:t>추천 받고 싶은 장르나 평소 즐기는 게임을 알려주세요</a:t>
+            </a:r>
+          </a:p>
+        </p:txBody>
+      </p:sp>
+      <p:sp>
+        <p:nvSpPr>
+          <p:cNvPr id="6" name="사각형: 둥근 모서리 5">
+            <a:extLst>
+              <a:ext uri="{FF2B5EF4-FFF2-40B4-BE49-F238E27FC236}">
+                <a16:creationId xmlns:a16="http://schemas.microsoft.com/office/drawing/2014/main" id="{9BFEBCA6-8D80-FE95-38C1-5B993F18AF5C}"/>
+              </a:ext>
+            </a:extLst>
+          </p:cNvPr>
+          <p:cNvSpPr/>
+          <p:nvPr/>
+        </p:nvSpPr>
+        <p:spPr>
+          <a:xfrm>
+            <a:off x="1010576" y="5545760"/>
+            <a:ext cx="2476544" cy="600934"/>
+          </a:xfrm>
+          <a:prstGeom prst="roundRect">
+            <a:avLst/>
+          </a:prstGeom>
+        </p:spPr>
+        <p:style>
+          <a:lnRef idx="2">
+            <a:schemeClr val="accent1">
+              <a:shade val="15000"/>
+            </a:schemeClr>
+          </a:lnRef>
+          <a:fillRef idx="1">
+            <a:schemeClr val="accent1"/>
+          </a:fillRef>
+          <a:effectRef idx="0">
+            <a:schemeClr val="accent1"/>
+          </a:effectRef>
+          <a:fontRef idx="minor">
+            <a:schemeClr val="lt1"/>
+          </a:fontRef>
+        </p:style>
+        <p:txBody>
+          <a:bodyPr rtlCol="0" anchor="ctr"/>
+          <a:lstStyle/>
+          <a:p>
+            <a:pPr algn="ctr"/>
+            <a:r>
+              <a:rPr lang="ko-KR" altLang="en-US" sz="800" dirty="0"/>
+              <a:t>입력하세요</a:t>
+            </a:r>
+            <a:r>
+              <a:rPr lang="en-US" altLang="ko-KR" sz="800" dirty="0"/>
+              <a:t>.</a:t>
+            </a:r>
+            <a:endParaRPr lang="ko-KR" altLang="en-US" sz="800" dirty="0"/>
+          </a:p>
+        </p:txBody>
+      </p:sp>
+      <p:sp>
+        <p:nvSpPr>
+          <p:cNvPr id="7" name="순서도: 대체 처리 6">
+            <a:extLst>
+              <a:ext uri="{FF2B5EF4-FFF2-40B4-BE49-F238E27FC236}">
+                <a16:creationId xmlns:a16="http://schemas.microsoft.com/office/drawing/2014/main" id="{CD72DA0D-E72A-4916-AEE9-5ECA6568FF1C}"/>
+              </a:ext>
+            </a:extLst>
+          </p:cNvPr>
+          <p:cNvSpPr/>
+          <p:nvPr/>
+        </p:nvSpPr>
+        <p:spPr>
+          <a:xfrm>
+            <a:off x="3613285" y="5545760"/>
+            <a:ext cx="650786" cy="600934"/>
+          </a:xfrm>
+          <a:prstGeom prst="flowChartAlternateProcess">
+            <a:avLst/>
+          </a:prstGeom>
+        </p:spPr>
+        <p:style>
+          <a:lnRef idx="2">
+            <a:schemeClr val="accent1">
+              <a:shade val="15000"/>
+            </a:schemeClr>
+          </a:lnRef>
+          <a:fillRef idx="1">
+            <a:schemeClr val="accent1"/>
+          </a:fillRef>
+          <a:effectRef idx="0">
+            <a:schemeClr val="accent1"/>
+          </a:effectRef>
+          <a:fontRef idx="minor">
+            <a:schemeClr val="lt1"/>
+          </a:fontRef>
+        </p:style>
+        <p:txBody>
+          <a:bodyPr rtlCol="0" anchor="ctr"/>
+          <a:lstStyle/>
+          <a:p>
+            <a:pPr algn="ctr"/>
+            <a:r>
+              <a:rPr lang="ko-KR" altLang="en-US" sz="800" dirty="0"/>
+              <a:t>전송</a:t>
+            </a:r>
+          </a:p>
+        </p:txBody>
+      </p:sp>
+      <p:cxnSp>
+        <p:nvCxnSpPr>
+          <p:cNvPr id="8" name="직선 연결선 7">
+            <a:extLst>
+              <a:ext uri="{FF2B5EF4-FFF2-40B4-BE49-F238E27FC236}">
+                <a16:creationId xmlns:a16="http://schemas.microsoft.com/office/drawing/2014/main" id="{38C1A2F8-830B-D50A-9D25-704188A06CEB}"/>
+              </a:ext>
+            </a:extLst>
+          </p:cNvPr>
+          <p:cNvCxnSpPr>
+            <a:cxnSpLocks/>
+          </p:cNvCxnSpPr>
+          <p:nvPr/>
+        </p:nvCxnSpPr>
+        <p:spPr>
+          <a:xfrm>
+            <a:off x="884411" y="5251730"/>
+            <a:ext cx="3509564" cy="0"/>
+          </a:xfrm>
+          <a:prstGeom prst="line">
+            <a:avLst/>
+          </a:prstGeom>
+        </p:spPr>
+        <p:style>
+          <a:lnRef idx="1">
+            <a:schemeClr val="accent1"/>
+          </a:lnRef>
+          <a:fillRef idx="0">
+            <a:schemeClr val="accent1"/>
+          </a:fillRef>
+          <a:effectRef idx="0">
+            <a:schemeClr val="accent1"/>
+          </a:effectRef>
+          <a:fontRef idx="minor">
+            <a:schemeClr val="tx1"/>
+          </a:fontRef>
+        </p:style>
+      </p:cxnSp>
+      <p:cxnSp>
+        <p:nvCxnSpPr>
+          <p:cNvPr id="12" name="연결선: 꺾임 11">
+            <a:extLst>
+              <a:ext uri="{FF2B5EF4-FFF2-40B4-BE49-F238E27FC236}">
+                <a16:creationId xmlns:a16="http://schemas.microsoft.com/office/drawing/2014/main" id="{5697B160-30EB-9480-8DD7-8A858AB4C51E}"/>
+              </a:ext>
+            </a:extLst>
+          </p:cNvPr>
+          <p:cNvCxnSpPr>
+            <a:cxnSpLocks/>
+          </p:cNvCxnSpPr>
+          <p:nvPr/>
+        </p:nvCxnSpPr>
+        <p:spPr>
+          <a:xfrm flipV="1">
+            <a:off x="3613285" y="1110949"/>
+            <a:ext cx="5091596" cy="1116693"/>
+          </a:xfrm>
+          <a:prstGeom prst="bentConnector3">
+            <a:avLst>
+              <a:gd name="adj1" fmla="val 50000"/>
+            </a:avLst>
+          </a:prstGeom>
+          <a:ln>
+            <a:tailEnd type="triangle"/>
+          </a:ln>
+        </p:spPr>
+        <p:style>
+          <a:lnRef idx="1">
+            <a:schemeClr val="accent1"/>
+          </a:lnRef>
+          <a:fillRef idx="0">
+            <a:schemeClr val="accent1"/>
+          </a:fillRef>
+          <a:effectRef idx="0">
+            <a:schemeClr val="accent1"/>
+          </a:effectRef>
+          <a:fontRef idx="minor">
+            <a:schemeClr val="tx1"/>
+          </a:fontRef>
+        </p:style>
+      </p:cxnSp>
+      <p:sp>
+        <p:nvSpPr>
+          <p:cNvPr id="13" name="TextBox 12">
+            <a:extLst>
+              <a:ext uri="{FF2B5EF4-FFF2-40B4-BE49-F238E27FC236}">
+                <a16:creationId xmlns:a16="http://schemas.microsoft.com/office/drawing/2014/main" id="{294AD9DE-373F-7B5E-C96B-33F03663E295}"/>
               </a:ext>
             </a:extLst>
           </p:cNvPr>
@@ -5437,8 +7083,8 @@
         </p:nvSpPr>
         <p:spPr>
           <a:xfrm>
-            <a:off x="637309" y="207818"/>
-            <a:ext cx="2438400" cy="369332"/>
+            <a:off x="8885055" y="849339"/>
+            <a:ext cx="2662280" cy="523220"/>
           </a:xfrm>
           <a:prstGeom prst="rect">
             <a:avLst/>
@@ -5452,63 +7098,369 @@
           <a:lstStyle/>
           <a:p>
             <a:r>
+              <a:rPr lang="ko-KR" altLang="en-US" sz="1400" dirty="0"/>
+              <a:t>사용자에게 예시문구를 보여주면서 사용 방법 알려줌</a:t>
+            </a:r>
+          </a:p>
+        </p:txBody>
+      </p:sp>
+      <p:sp>
+        <p:nvSpPr>
+          <p:cNvPr id="15" name="TextBox 14">
+            <a:extLst>
+              <a:ext uri="{FF2B5EF4-FFF2-40B4-BE49-F238E27FC236}">
+                <a16:creationId xmlns:a16="http://schemas.microsoft.com/office/drawing/2014/main" id="{BC151E56-24FE-733D-EFAF-D629EFB8E188}"/>
+              </a:ext>
+            </a:extLst>
+          </p:cNvPr>
+          <p:cNvSpPr txBox="1"/>
+          <p:nvPr/>
+        </p:nvSpPr>
+        <p:spPr>
+          <a:xfrm>
+            <a:off x="884411" y="392023"/>
+            <a:ext cx="1943017" cy="369332"/>
+          </a:xfrm>
+          <a:prstGeom prst="rect">
+            <a:avLst/>
+          </a:prstGeom>
+          <a:noFill/>
+        </p:spPr>
+        <p:txBody>
+          <a:bodyPr wrap="square" rtlCol="0">
+            <a:spAutoFit/>
+          </a:bodyPr>
+          <a:lstStyle/>
+          <a:p>
+            <a:r>
               <a:rPr lang="en-US" altLang="ko-KR" dirty="0"/>
               <a:t>III. </a:t>
             </a:r>
             <a:r>
               <a:rPr lang="ko-KR" altLang="en-US" dirty="0"/>
-              <a:t>설계 </a:t>
-            </a:r>
-            <a:r>
-              <a:rPr lang="en-US" altLang="ko-KR" dirty="0"/>
-              <a:t>(ERD </a:t>
-            </a:r>
-            <a:r>
-              <a:rPr lang="ko-KR" altLang="en-US" dirty="0"/>
-              <a:t>구상도</a:t>
-            </a:r>
-            <a:r>
-              <a:rPr lang="en-US" altLang="ko-KR" dirty="0"/>
-              <a:t>)</a:t>
-            </a:r>
-            <a:endParaRPr lang="ko-KR" altLang="en-US" dirty="0"/>
-          </a:p>
-        </p:txBody>
-      </p:sp>
-      <p:pic>
-        <p:nvPicPr>
-          <p:cNvPr id="3" name="그림 2">
-            <a:extLst>
-              <a:ext uri="{FF2B5EF4-FFF2-40B4-BE49-F238E27FC236}">
-                <a16:creationId xmlns:a16="http://schemas.microsoft.com/office/drawing/2014/main" id="{0A3AA64A-E274-E9E9-9110-8497167B0E86}"/>
-              </a:ext>
-            </a:extLst>
-          </p:cNvPr>
-          <p:cNvPicPr>
-            <a:picLocks noChangeAspect="1"/>
-          </p:cNvPicPr>
-          <p:nvPr/>
-        </p:nvPicPr>
-        <p:blipFill>
-          <a:blip r:embed="rId2"/>
-          <a:stretch>
-            <a:fillRect/>
-          </a:stretch>
-        </p:blipFill>
-        <p:spPr>
-          <a:xfrm>
-            <a:off x="450397" y="577150"/>
-            <a:ext cx="11467476" cy="6280850"/>
+              <a:t>설계</a:t>
+            </a:r>
+          </a:p>
+        </p:txBody>
+      </p:sp>
+      <p:cxnSp>
+        <p:nvCxnSpPr>
+          <p:cNvPr id="17" name="연결선: 꺾임 16">
+            <a:extLst>
+              <a:ext uri="{FF2B5EF4-FFF2-40B4-BE49-F238E27FC236}">
+                <a16:creationId xmlns:a16="http://schemas.microsoft.com/office/drawing/2014/main" id="{9F4BA65C-0745-7FC2-AD36-B9F0B7D3407D}"/>
+              </a:ext>
+            </a:extLst>
+          </p:cNvPr>
+          <p:cNvCxnSpPr>
+            <a:cxnSpLocks/>
+          </p:cNvCxnSpPr>
+          <p:nvPr/>
+        </p:nvCxnSpPr>
+        <p:spPr>
+          <a:xfrm flipV="1">
+            <a:off x="2467556" y="1942223"/>
+            <a:ext cx="6237326" cy="4204471"/>
+          </a:xfrm>
+          <a:prstGeom prst="bentConnector3">
+            <a:avLst>
+              <a:gd name="adj1" fmla="val 61547"/>
+            </a:avLst>
+          </a:prstGeom>
+          <a:ln>
+            <a:tailEnd type="triangle"/>
+          </a:ln>
+        </p:spPr>
+        <p:style>
+          <a:lnRef idx="1">
+            <a:schemeClr val="accent1"/>
+          </a:lnRef>
+          <a:fillRef idx="0">
+            <a:schemeClr val="accent1"/>
+          </a:fillRef>
+          <a:effectRef idx="0">
+            <a:schemeClr val="accent1"/>
+          </a:effectRef>
+          <a:fontRef idx="minor">
+            <a:schemeClr val="tx1"/>
+          </a:fontRef>
+        </p:style>
+      </p:cxnSp>
+      <p:sp>
+        <p:nvSpPr>
+          <p:cNvPr id="18" name="TextBox 17">
+            <a:extLst>
+              <a:ext uri="{FF2B5EF4-FFF2-40B4-BE49-F238E27FC236}">
+                <a16:creationId xmlns:a16="http://schemas.microsoft.com/office/drawing/2014/main" id="{5A58658F-120E-3B3B-DAFC-B0C0F24128DC}"/>
+              </a:ext>
+            </a:extLst>
+          </p:cNvPr>
+          <p:cNvSpPr txBox="1"/>
+          <p:nvPr/>
+        </p:nvSpPr>
+        <p:spPr>
+          <a:xfrm>
+            <a:off x="8885055" y="1757557"/>
+            <a:ext cx="2516623" cy="307777"/>
           </a:xfrm>
           <a:prstGeom prst="rect">
             <a:avLst/>
           </a:prstGeom>
-        </p:spPr>
-      </p:pic>
+          <a:noFill/>
+        </p:spPr>
+        <p:txBody>
+          <a:bodyPr wrap="square" rtlCol="0">
+            <a:spAutoFit/>
+          </a:bodyPr>
+          <a:lstStyle/>
+          <a:p>
+            <a:r>
+              <a:rPr lang="ko-KR" altLang="en-US" sz="1400" dirty="0"/>
+              <a:t>사용자의 입력을 받을 공간</a:t>
+            </a:r>
+          </a:p>
+        </p:txBody>
+      </p:sp>
+      <p:sp>
+        <p:nvSpPr>
+          <p:cNvPr id="19" name="말풍선: 사각형 18">
+            <a:extLst>
+              <a:ext uri="{FF2B5EF4-FFF2-40B4-BE49-F238E27FC236}">
+                <a16:creationId xmlns:a16="http://schemas.microsoft.com/office/drawing/2014/main" id="{782CB620-0B56-8A30-3595-8EF0C607DFF7}"/>
+              </a:ext>
+            </a:extLst>
+          </p:cNvPr>
+          <p:cNvSpPr/>
+          <p:nvPr/>
+        </p:nvSpPr>
+        <p:spPr>
+          <a:xfrm>
+            <a:off x="1566293" y="4277783"/>
+            <a:ext cx="2291457" cy="805909"/>
+          </a:xfrm>
+          <a:prstGeom prst="wedgeRectCallout">
+            <a:avLst>
+              <a:gd name="adj1" fmla="val 59046"/>
+              <a:gd name="adj2" fmla="val 25236"/>
+            </a:avLst>
+          </a:prstGeom>
+        </p:spPr>
+        <p:style>
+          <a:lnRef idx="2">
+            <a:schemeClr val="accent1">
+              <a:shade val="15000"/>
+            </a:schemeClr>
+          </a:lnRef>
+          <a:fillRef idx="1">
+            <a:schemeClr val="accent1"/>
+          </a:fillRef>
+          <a:effectRef idx="0">
+            <a:schemeClr val="accent1"/>
+          </a:effectRef>
+          <a:fontRef idx="minor">
+            <a:schemeClr val="lt1"/>
+          </a:fontRef>
+        </p:style>
+        <p:txBody>
+          <a:bodyPr rtlCol="0" anchor="ctr"/>
+          <a:lstStyle/>
+          <a:p>
+            <a:pPr algn="ctr"/>
+            <a:r>
+              <a:rPr lang="ko-KR" altLang="en-US" sz="900" dirty="0">
+                <a:solidFill>
+                  <a:schemeClr val="tx1"/>
+                </a:solidFill>
+              </a:rPr>
+              <a:t>둘이서 할 </a:t>
+            </a:r>
+            <a:r>
+              <a:rPr lang="ko-KR" altLang="en-US" sz="900" dirty="0" err="1">
+                <a:solidFill>
+                  <a:schemeClr val="tx1"/>
+                </a:solidFill>
+              </a:rPr>
+              <a:t>총게임</a:t>
+            </a:r>
+            <a:r>
+              <a:rPr lang="ko-KR" altLang="en-US" sz="900" dirty="0">
+                <a:solidFill>
+                  <a:schemeClr val="tx1"/>
+                </a:solidFill>
+              </a:rPr>
+              <a:t> 알려줘</a:t>
+            </a:r>
+          </a:p>
+        </p:txBody>
+      </p:sp>
+      <p:cxnSp>
+        <p:nvCxnSpPr>
+          <p:cNvPr id="20" name="연결선: 꺾임 19">
+            <a:extLst>
+              <a:ext uri="{FF2B5EF4-FFF2-40B4-BE49-F238E27FC236}">
+                <a16:creationId xmlns:a16="http://schemas.microsoft.com/office/drawing/2014/main" id="{CF4DCBDA-FBFE-14B8-F0AE-E040D70AC5F0}"/>
+              </a:ext>
+            </a:extLst>
+          </p:cNvPr>
+          <p:cNvCxnSpPr>
+            <a:cxnSpLocks/>
+          </p:cNvCxnSpPr>
+          <p:nvPr/>
+        </p:nvCxnSpPr>
+        <p:spPr>
+          <a:xfrm flipV="1">
+            <a:off x="4169002" y="2737112"/>
+            <a:ext cx="4618948" cy="2145288"/>
+          </a:xfrm>
+          <a:prstGeom prst="bentConnector3">
+            <a:avLst>
+              <a:gd name="adj1" fmla="val 48423"/>
+            </a:avLst>
+          </a:prstGeom>
+          <a:ln>
+            <a:tailEnd type="triangle"/>
+          </a:ln>
+        </p:spPr>
+        <p:style>
+          <a:lnRef idx="1">
+            <a:schemeClr val="accent1"/>
+          </a:lnRef>
+          <a:fillRef idx="0">
+            <a:schemeClr val="accent1"/>
+          </a:fillRef>
+          <a:effectRef idx="0">
+            <a:schemeClr val="accent1"/>
+          </a:effectRef>
+          <a:fontRef idx="minor">
+            <a:schemeClr val="tx1"/>
+          </a:fontRef>
+        </p:style>
+      </p:cxnSp>
+      <p:sp>
+        <p:nvSpPr>
+          <p:cNvPr id="30" name="TextBox 29">
+            <a:extLst>
+              <a:ext uri="{FF2B5EF4-FFF2-40B4-BE49-F238E27FC236}">
+                <a16:creationId xmlns:a16="http://schemas.microsoft.com/office/drawing/2014/main" id="{90015E8E-19AB-E980-70E1-2B85943C293B}"/>
+              </a:ext>
+            </a:extLst>
+          </p:cNvPr>
+          <p:cNvSpPr txBox="1"/>
+          <p:nvPr/>
+        </p:nvSpPr>
+        <p:spPr>
+          <a:xfrm>
+            <a:off x="8885055" y="2596537"/>
+            <a:ext cx="2516623" cy="307777"/>
+          </a:xfrm>
+          <a:prstGeom prst="rect">
+            <a:avLst/>
+          </a:prstGeom>
+          <a:noFill/>
+        </p:spPr>
+        <p:txBody>
+          <a:bodyPr wrap="square" rtlCol="0">
+            <a:spAutoFit/>
+          </a:bodyPr>
+          <a:lstStyle/>
+          <a:p>
+            <a:r>
+              <a:rPr lang="ko-KR" altLang="en-US" sz="1400" dirty="0"/>
+              <a:t>사용자가 질문한 내용 출력</a:t>
+            </a:r>
+          </a:p>
+        </p:txBody>
+      </p:sp>
+      <p:cxnSp>
+        <p:nvCxnSpPr>
+          <p:cNvPr id="32" name="연결선: 꺾임 31">
+            <a:extLst>
+              <a:ext uri="{FF2B5EF4-FFF2-40B4-BE49-F238E27FC236}">
+                <a16:creationId xmlns:a16="http://schemas.microsoft.com/office/drawing/2014/main" id="{F788E950-05C2-9B39-2865-E145F191E9E1}"/>
+              </a:ext>
+            </a:extLst>
+          </p:cNvPr>
+          <p:cNvCxnSpPr>
+            <a:cxnSpLocks/>
+          </p:cNvCxnSpPr>
+          <p:nvPr/>
+        </p:nvCxnSpPr>
+        <p:spPr>
+          <a:xfrm flipV="1">
+            <a:off x="4264071" y="4094570"/>
+            <a:ext cx="4370131" cy="1751657"/>
+          </a:xfrm>
+          <a:prstGeom prst="bentConnector3">
+            <a:avLst>
+              <a:gd name="adj1" fmla="val 50000"/>
+            </a:avLst>
+          </a:prstGeom>
+          <a:ln>
+            <a:tailEnd type="triangle"/>
+          </a:ln>
+        </p:spPr>
+        <p:style>
+          <a:lnRef idx="1">
+            <a:schemeClr val="accent1"/>
+          </a:lnRef>
+          <a:fillRef idx="0">
+            <a:schemeClr val="accent1"/>
+          </a:fillRef>
+          <a:effectRef idx="0">
+            <a:schemeClr val="accent1"/>
+          </a:effectRef>
+          <a:fontRef idx="minor">
+            <a:schemeClr val="tx1"/>
+          </a:fontRef>
+        </p:style>
+      </p:cxnSp>
+      <p:sp>
+        <p:nvSpPr>
+          <p:cNvPr id="36" name="TextBox 35">
+            <a:extLst>
+              <a:ext uri="{FF2B5EF4-FFF2-40B4-BE49-F238E27FC236}">
+                <a16:creationId xmlns:a16="http://schemas.microsoft.com/office/drawing/2014/main" id="{1EEE35EA-6D07-1948-3100-7C04CA3DB6B8}"/>
+              </a:ext>
+            </a:extLst>
+          </p:cNvPr>
+          <p:cNvSpPr txBox="1"/>
+          <p:nvPr/>
+        </p:nvSpPr>
+        <p:spPr>
+          <a:xfrm>
+            <a:off x="8704881" y="3681876"/>
+            <a:ext cx="2405483" cy="738664"/>
+          </a:xfrm>
+          <a:prstGeom prst="rect">
+            <a:avLst/>
+          </a:prstGeom>
+          <a:noFill/>
+        </p:spPr>
+        <p:txBody>
+          <a:bodyPr wrap="square" rtlCol="0">
+            <a:spAutoFit/>
+          </a:bodyPr>
+          <a:lstStyle/>
+          <a:p>
+            <a:r>
+              <a:rPr lang="ko-KR" altLang="en-US" sz="1400" dirty="0"/>
+              <a:t>전송 버튼 누르면 사용자가 입력한 내용을 </a:t>
+            </a:r>
+            <a:r>
+              <a:rPr lang="ko-KR" altLang="en-US" sz="1400" dirty="0" err="1"/>
+              <a:t>쳇봇에게</a:t>
+            </a:r>
+            <a:r>
+              <a:rPr lang="ko-KR" altLang="en-US" sz="1400" dirty="0"/>
+              <a:t> 전송</a:t>
+            </a:r>
+          </a:p>
+        </p:txBody>
+      </p:sp>
     </p:spTree>
     <p:extLst>
       <p:ext uri="{BB962C8B-B14F-4D97-AF65-F5344CB8AC3E}">
-        <p14:creationId xmlns:p14="http://schemas.microsoft.com/office/powerpoint/2010/main" val="939704192"/>
+        <p14:creationId xmlns:p14="http://schemas.microsoft.com/office/powerpoint/2010/main" val="935983981"/>
       </p:ext>
     </p:extLst>
   </p:cSld>
@@ -5537,146 +7489,783 @@
       </p:grpSpPr>
       <p:sp>
         <p:nvSpPr>
-          <p:cNvPr id="2" name="제목 1">
-            <a:extLst>
-              <a:ext uri="{FF2B5EF4-FFF2-40B4-BE49-F238E27FC236}">
-                <a16:creationId xmlns:a16="http://schemas.microsoft.com/office/drawing/2014/main" id="{E1438AFA-734F-24D5-8AE9-9A6E13C3E842}"/>
-              </a:ext>
-            </a:extLst>
-          </p:cNvPr>
-          <p:cNvSpPr>
-            <a:spLocks noGrp="1"/>
-          </p:cNvSpPr>
-          <p:nvPr>
-            <p:ph type="title"/>
-          </p:nvPr>
-        </p:nvSpPr>
-        <p:spPr/>
-        <p:txBody>
-          <a:bodyPr/>
-          <a:lstStyle/>
-          <a:p>
+          <p:cNvPr id="4" name="직사각형 3">
+            <a:extLst>
+              <a:ext uri="{FF2B5EF4-FFF2-40B4-BE49-F238E27FC236}">
+                <a16:creationId xmlns:a16="http://schemas.microsoft.com/office/drawing/2014/main" id="{8FFFB8C5-4407-2024-8736-247D5B64CCF8}"/>
+              </a:ext>
+            </a:extLst>
+          </p:cNvPr>
+          <p:cNvSpPr/>
+          <p:nvPr/>
+        </p:nvSpPr>
+        <p:spPr>
+          <a:xfrm>
+            <a:off x="884411" y="1488935"/>
+            <a:ext cx="3509564" cy="4960416"/>
+          </a:xfrm>
+          <a:prstGeom prst="rect">
+            <a:avLst/>
+          </a:prstGeom>
+          <a:solidFill>
+            <a:schemeClr val="bg1"/>
+          </a:solidFill>
+        </p:spPr>
+        <p:style>
+          <a:lnRef idx="2">
+            <a:schemeClr val="accent1">
+              <a:shade val="15000"/>
+            </a:schemeClr>
+          </a:lnRef>
+          <a:fillRef idx="1">
+            <a:schemeClr val="accent1"/>
+          </a:fillRef>
+          <a:effectRef idx="0">
+            <a:schemeClr val="accent1"/>
+          </a:effectRef>
+          <a:fontRef idx="minor">
+            <a:schemeClr val="lt1"/>
+          </a:fontRef>
+        </p:style>
+        <p:txBody>
+          <a:bodyPr rtlCol="0" anchor="ctr"/>
+          <a:lstStyle/>
+          <a:p>
+            <a:pPr algn="ctr"/>
+            <a:endParaRPr lang="ko-KR" altLang="en-US" dirty="0"/>
+          </a:p>
+        </p:txBody>
+      </p:sp>
+      <p:sp>
+        <p:nvSpPr>
+          <p:cNvPr id="5" name="사각형: 둥근 모서리 4">
+            <a:extLst>
+              <a:ext uri="{FF2B5EF4-FFF2-40B4-BE49-F238E27FC236}">
+                <a16:creationId xmlns:a16="http://schemas.microsoft.com/office/drawing/2014/main" id="{47DCBD7A-021D-13C3-8B08-45347A872D72}"/>
+              </a:ext>
+            </a:extLst>
+          </p:cNvPr>
+          <p:cNvSpPr/>
+          <p:nvPr/>
+        </p:nvSpPr>
+        <p:spPr>
+          <a:xfrm>
+            <a:off x="1010576" y="5545760"/>
+            <a:ext cx="2476544" cy="600934"/>
+          </a:xfrm>
+          <a:prstGeom prst="roundRect">
+            <a:avLst/>
+          </a:prstGeom>
+        </p:spPr>
+        <p:style>
+          <a:lnRef idx="2">
+            <a:schemeClr val="accent1">
+              <a:shade val="15000"/>
+            </a:schemeClr>
+          </a:lnRef>
+          <a:fillRef idx="1">
+            <a:schemeClr val="accent1"/>
+          </a:fillRef>
+          <a:effectRef idx="0">
+            <a:schemeClr val="accent1"/>
+          </a:effectRef>
+          <a:fontRef idx="minor">
+            <a:schemeClr val="lt1"/>
+          </a:fontRef>
+        </p:style>
+        <p:txBody>
+          <a:bodyPr rtlCol="0" anchor="ctr"/>
+          <a:lstStyle/>
+          <a:p>
+            <a:pPr algn="ctr"/>
+            <a:r>
+              <a:rPr lang="ko-KR" altLang="en-US" sz="800" dirty="0"/>
+              <a:t>입력하세요</a:t>
+            </a:r>
+            <a:r>
+              <a:rPr lang="en-US" altLang="ko-KR" sz="800" dirty="0"/>
+              <a:t>.</a:t>
+            </a:r>
+            <a:endParaRPr lang="ko-KR" altLang="en-US" sz="800" dirty="0"/>
+          </a:p>
+        </p:txBody>
+      </p:sp>
+      <p:sp>
+        <p:nvSpPr>
+          <p:cNvPr id="6" name="순서도: 대체 처리 5">
+            <a:extLst>
+              <a:ext uri="{FF2B5EF4-FFF2-40B4-BE49-F238E27FC236}">
+                <a16:creationId xmlns:a16="http://schemas.microsoft.com/office/drawing/2014/main" id="{A289075B-F873-E031-0667-6105FE1BD6B1}"/>
+              </a:ext>
+            </a:extLst>
+          </p:cNvPr>
+          <p:cNvSpPr/>
+          <p:nvPr/>
+        </p:nvSpPr>
+        <p:spPr>
+          <a:xfrm>
+            <a:off x="3613285" y="5545760"/>
+            <a:ext cx="650786" cy="600934"/>
+          </a:xfrm>
+          <a:prstGeom prst="flowChartAlternateProcess">
+            <a:avLst/>
+          </a:prstGeom>
+        </p:spPr>
+        <p:style>
+          <a:lnRef idx="2">
+            <a:schemeClr val="accent1">
+              <a:shade val="15000"/>
+            </a:schemeClr>
+          </a:lnRef>
+          <a:fillRef idx="1">
+            <a:schemeClr val="accent1"/>
+          </a:fillRef>
+          <a:effectRef idx="0">
+            <a:schemeClr val="accent1"/>
+          </a:effectRef>
+          <a:fontRef idx="minor">
+            <a:schemeClr val="lt1"/>
+          </a:fontRef>
+        </p:style>
+        <p:txBody>
+          <a:bodyPr rtlCol="0" anchor="ctr"/>
+          <a:lstStyle/>
+          <a:p>
+            <a:pPr algn="ctr"/>
+            <a:r>
+              <a:rPr lang="ko-KR" altLang="en-US" sz="800" dirty="0"/>
+              <a:t>전송</a:t>
+            </a:r>
+          </a:p>
+        </p:txBody>
+      </p:sp>
+      <p:cxnSp>
+        <p:nvCxnSpPr>
+          <p:cNvPr id="7" name="직선 연결선 6">
+            <a:extLst>
+              <a:ext uri="{FF2B5EF4-FFF2-40B4-BE49-F238E27FC236}">
+                <a16:creationId xmlns:a16="http://schemas.microsoft.com/office/drawing/2014/main" id="{6DCFC2A5-1732-EF3D-A120-4B4D1D1D3995}"/>
+              </a:ext>
+            </a:extLst>
+          </p:cNvPr>
+          <p:cNvCxnSpPr>
+            <a:cxnSpLocks/>
+          </p:cNvCxnSpPr>
+          <p:nvPr/>
+        </p:nvCxnSpPr>
+        <p:spPr>
+          <a:xfrm>
+            <a:off x="884411" y="5251730"/>
+            <a:ext cx="3509564" cy="0"/>
+          </a:xfrm>
+          <a:prstGeom prst="line">
+            <a:avLst/>
+          </a:prstGeom>
+        </p:spPr>
+        <p:style>
+          <a:lnRef idx="1">
+            <a:schemeClr val="accent1"/>
+          </a:lnRef>
+          <a:fillRef idx="0">
+            <a:schemeClr val="accent1"/>
+          </a:fillRef>
+          <a:effectRef idx="0">
+            <a:schemeClr val="accent1"/>
+          </a:effectRef>
+          <a:fontRef idx="minor">
+            <a:schemeClr val="tx1"/>
+          </a:fontRef>
+        </p:style>
+      </p:cxnSp>
+      <p:sp>
+        <p:nvSpPr>
+          <p:cNvPr id="8" name="말풍선: 사각형 7">
+            <a:extLst>
+              <a:ext uri="{FF2B5EF4-FFF2-40B4-BE49-F238E27FC236}">
+                <a16:creationId xmlns:a16="http://schemas.microsoft.com/office/drawing/2014/main" id="{A9C4FCF7-49A9-2F46-63DC-7919BF97128D}"/>
+              </a:ext>
+            </a:extLst>
+          </p:cNvPr>
+          <p:cNvSpPr/>
+          <p:nvPr/>
+        </p:nvSpPr>
+        <p:spPr>
+          <a:xfrm>
+            <a:off x="1647221" y="3163234"/>
+            <a:ext cx="2291457" cy="805909"/>
+          </a:xfrm>
+          <a:prstGeom prst="wedgeRectCallout">
+            <a:avLst>
+              <a:gd name="adj1" fmla="val 59046"/>
+              <a:gd name="adj2" fmla="val 25236"/>
+            </a:avLst>
+          </a:prstGeom>
+        </p:spPr>
+        <p:style>
+          <a:lnRef idx="2">
+            <a:schemeClr val="accent1">
+              <a:shade val="15000"/>
+            </a:schemeClr>
+          </a:lnRef>
+          <a:fillRef idx="1">
+            <a:schemeClr val="accent1"/>
+          </a:fillRef>
+          <a:effectRef idx="0">
+            <a:schemeClr val="accent1"/>
+          </a:effectRef>
+          <a:fontRef idx="minor">
+            <a:schemeClr val="lt1"/>
+          </a:fontRef>
+        </p:style>
+        <p:txBody>
+          <a:bodyPr rtlCol="0" anchor="ctr"/>
+          <a:lstStyle/>
+          <a:p>
+            <a:pPr algn="ctr"/>
+            <a:r>
+              <a:rPr lang="ko-KR" altLang="en-US" sz="900" dirty="0">
+                <a:solidFill>
+                  <a:schemeClr val="tx1"/>
+                </a:solidFill>
+              </a:rPr>
+              <a:t>둘이서 할 </a:t>
+            </a:r>
+            <a:r>
+              <a:rPr lang="ko-KR" altLang="en-US" sz="900" dirty="0" err="1">
+                <a:solidFill>
+                  <a:schemeClr val="tx1"/>
+                </a:solidFill>
+              </a:rPr>
+              <a:t>총게임</a:t>
+            </a:r>
+            <a:r>
+              <a:rPr lang="ko-KR" altLang="en-US" sz="900" dirty="0">
+                <a:solidFill>
+                  <a:schemeClr val="tx1"/>
+                </a:solidFill>
+              </a:rPr>
+              <a:t> 알려줘</a:t>
+            </a:r>
+          </a:p>
+        </p:txBody>
+      </p:sp>
+      <p:sp>
+        <p:nvSpPr>
+          <p:cNvPr id="9" name="TextBox 8">
+            <a:extLst>
+              <a:ext uri="{FF2B5EF4-FFF2-40B4-BE49-F238E27FC236}">
+                <a16:creationId xmlns:a16="http://schemas.microsoft.com/office/drawing/2014/main" id="{6DCDA3B3-5AF0-7829-C96F-63765C2CE6B4}"/>
+              </a:ext>
+            </a:extLst>
+          </p:cNvPr>
+          <p:cNvSpPr txBox="1"/>
+          <p:nvPr/>
+        </p:nvSpPr>
+        <p:spPr>
+          <a:xfrm>
+            <a:off x="884411" y="392023"/>
+            <a:ext cx="1943017" cy="369332"/>
+          </a:xfrm>
+          <a:prstGeom prst="rect">
+            <a:avLst/>
+          </a:prstGeom>
+          <a:noFill/>
+        </p:spPr>
+        <p:txBody>
+          <a:bodyPr wrap="square" rtlCol="0">
+            <a:spAutoFit/>
+          </a:bodyPr>
+          <a:lstStyle/>
+          <a:p>
+            <a:r>
+              <a:rPr lang="en-US" altLang="ko-KR" dirty="0"/>
+              <a:t>III. </a:t>
+            </a:r>
             <a:r>
               <a:rPr lang="ko-KR" altLang="en-US" dirty="0"/>
-              <a:t>포인트 시스템</a:t>
-            </a:r>
-          </a:p>
-        </p:txBody>
-      </p:sp>
-      <p:sp>
-        <p:nvSpPr>
-          <p:cNvPr id="3" name="내용 개체 틀 2">
-            <a:extLst>
-              <a:ext uri="{FF2B5EF4-FFF2-40B4-BE49-F238E27FC236}">
-                <a16:creationId xmlns:a16="http://schemas.microsoft.com/office/drawing/2014/main" id="{FDFACA67-B4F5-B76A-BFAB-BF2B7C6FBAB4}"/>
-              </a:ext>
-            </a:extLst>
-          </p:cNvPr>
-          <p:cNvSpPr>
-            <a:spLocks noGrp="1"/>
-          </p:cNvSpPr>
-          <p:nvPr>
-            <p:ph idx="1"/>
-          </p:nvPr>
-        </p:nvSpPr>
-        <p:spPr/>
-        <p:txBody>
-          <a:bodyPr/>
-          <a:lstStyle/>
-          <a:p>
-            <a:pPr marL="0" indent="0">
-              <a:buNone/>
-            </a:pPr>
-            <a:r>
-              <a:rPr lang="en-US" altLang="ko-KR" dirty="0"/>
-              <a:t>Steam DB</a:t>
-            </a:r>
-            <a:r>
-              <a:rPr lang="ko-KR" altLang="en-US" dirty="0"/>
-              <a:t>에 저장 되어있는 게임 플레이 타임 및 </a:t>
-            </a:r>
-            <a:r>
-              <a:rPr lang="ko-KR" altLang="en-US" dirty="0" err="1"/>
-              <a:t>업적등</a:t>
-            </a:r>
-            <a:r>
-              <a:rPr lang="ko-KR" altLang="en-US" dirty="0"/>
-              <a:t> 데이터를 가져와 게시글을 작성하면 포인트 부여</a:t>
-            </a:r>
-            <a:endParaRPr lang="en-US" altLang="ko-KR" dirty="0"/>
-          </a:p>
-          <a:p>
-            <a:pPr marL="0" indent="0">
-              <a:buNone/>
-            </a:pPr>
-            <a:endParaRPr lang="en-US" altLang="ko-KR" dirty="0"/>
-          </a:p>
-          <a:p>
-            <a:pPr marL="0" indent="0">
-              <a:buNone/>
-            </a:pPr>
-            <a:r>
-              <a:rPr lang="ko-KR" altLang="en-US" dirty="0"/>
-              <a:t>부여된 포인트를 포인트 </a:t>
-            </a:r>
-            <a:r>
-              <a:rPr lang="ko-KR" altLang="en-US" dirty="0" err="1"/>
-              <a:t>샵에서</a:t>
-            </a:r>
-            <a:r>
-              <a:rPr lang="ko-KR" altLang="en-US" dirty="0"/>
-              <a:t> 활용</a:t>
-            </a:r>
-            <a:endParaRPr lang="en-US" altLang="ko-KR" dirty="0"/>
-          </a:p>
-          <a:p>
-            <a:pPr marL="0" indent="0">
-              <a:buNone/>
-            </a:pPr>
-            <a:endParaRPr lang="en-US" altLang="ko-KR" dirty="0"/>
-          </a:p>
-          <a:p>
-            <a:pPr marL="0" indent="0">
-              <a:buNone/>
-            </a:pPr>
-            <a:r>
-              <a:rPr lang="ko-KR" altLang="en-US" dirty="0"/>
-              <a:t>포인트 </a:t>
-            </a:r>
-            <a:r>
-              <a:rPr lang="ko-KR" altLang="en-US" dirty="0" err="1"/>
-              <a:t>샵에는</a:t>
-            </a:r>
-            <a:r>
-              <a:rPr lang="ko-KR" altLang="en-US" dirty="0"/>
-              <a:t> 스팀 쿠폰 및 오픈마켓의 컴퓨터 장비 리스트</a:t>
-            </a:r>
-            <a:endParaRPr lang="en-US" altLang="ko-KR" dirty="0"/>
-          </a:p>
-          <a:p>
-            <a:pPr marL="0" indent="0">
-              <a:buNone/>
-            </a:pPr>
-            <a:r>
-              <a:rPr lang="en-US" altLang="ko-KR" dirty="0"/>
-              <a:t>(</a:t>
-            </a:r>
-            <a:r>
-              <a:rPr lang="ko-KR" altLang="en-US" dirty="0"/>
-              <a:t>혹은 오픈마켓과 제휴시스템</a:t>
-            </a:r>
-            <a:r>
-              <a:rPr lang="en-US" altLang="ko-KR" dirty="0"/>
-              <a:t>)</a:t>
-            </a:r>
-            <a:endParaRPr lang="ko-KR" altLang="en-US" dirty="0"/>
+              <a:t>설계</a:t>
+            </a:r>
+          </a:p>
+        </p:txBody>
+      </p:sp>
+      <p:sp>
+        <p:nvSpPr>
+          <p:cNvPr id="10" name="말풍선: 사각형 9">
+            <a:extLst>
+              <a:ext uri="{FF2B5EF4-FFF2-40B4-BE49-F238E27FC236}">
+                <a16:creationId xmlns:a16="http://schemas.microsoft.com/office/drawing/2014/main" id="{23DA28AB-1E71-996C-42FD-BF0896D851A0}"/>
+              </a:ext>
+            </a:extLst>
+          </p:cNvPr>
+          <p:cNvSpPr/>
+          <p:nvPr/>
+        </p:nvSpPr>
+        <p:spPr>
+          <a:xfrm>
+            <a:off x="1321828" y="4135030"/>
+            <a:ext cx="2291457" cy="955929"/>
+          </a:xfrm>
+          <a:prstGeom prst="wedgeRectCallout">
+            <a:avLst>
+              <a:gd name="adj1" fmla="val -58903"/>
+              <a:gd name="adj2" fmla="val 30256"/>
+            </a:avLst>
+          </a:prstGeom>
+        </p:spPr>
+        <p:style>
+          <a:lnRef idx="2">
+            <a:schemeClr val="accent1">
+              <a:shade val="15000"/>
+            </a:schemeClr>
+          </a:lnRef>
+          <a:fillRef idx="1">
+            <a:schemeClr val="accent1"/>
+          </a:fillRef>
+          <a:effectRef idx="0">
+            <a:schemeClr val="accent1"/>
+          </a:effectRef>
+          <a:fontRef idx="minor">
+            <a:schemeClr val="lt1"/>
+          </a:fontRef>
+        </p:style>
+        <p:txBody>
+          <a:bodyPr rtlCol="0" anchor="ctr"/>
+          <a:lstStyle/>
+          <a:p>
+            <a:pPr algn="ctr"/>
+            <a:r>
+              <a:rPr lang="ko-KR" altLang="en-US" sz="900" dirty="0">
+                <a:solidFill>
+                  <a:schemeClr val="tx1"/>
+                </a:solidFill>
+              </a:rPr>
+              <a:t>요청하신 </a:t>
+            </a:r>
+            <a:r>
+              <a:rPr lang="en-US" altLang="ko-KR" sz="900" dirty="0">
+                <a:solidFill>
+                  <a:schemeClr val="tx1"/>
+                </a:solidFill>
+              </a:rPr>
+              <a:t>＂</a:t>
+            </a:r>
+            <a:r>
+              <a:rPr lang="ko-KR" altLang="en-US" sz="900" dirty="0">
+                <a:solidFill>
+                  <a:schemeClr val="tx1"/>
+                </a:solidFill>
+              </a:rPr>
+              <a:t>둘이서 할 </a:t>
+            </a:r>
+            <a:r>
+              <a:rPr lang="ko-KR" altLang="en-US" sz="900" dirty="0" err="1">
+                <a:solidFill>
+                  <a:schemeClr val="tx1"/>
+                </a:solidFill>
+              </a:rPr>
+              <a:t>총게임</a:t>
+            </a:r>
+            <a:r>
+              <a:rPr lang="ko-KR" altLang="en-US" sz="900" dirty="0">
+                <a:solidFill>
+                  <a:schemeClr val="tx1"/>
+                </a:solidFill>
+              </a:rPr>
+              <a:t> </a:t>
+            </a:r>
+            <a:r>
+              <a:rPr lang="en-US" altLang="ko-KR" sz="900" dirty="0">
+                <a:solidFill>
+                  <a:schemeClr val="tx1"/>
+                </a:solidFill>
+              </a:rPr>
+              <a:t>“ </a:t>
+            </a:r>
+            <a:r>
+              <a:rPr lang="ko-KR" altLang="en-US" sz="900" dirty="0">
+                <a:solidFill>
+                  <a:schemeClr val="tx1"/>
+                </a:solidFill>
+              </a:rPr>
+              <a:t>에 대한 추천 게임입니다</a:t>
+            </a:r>
+            <a:r>
+              <a:rPr lang="en-US" altLang="ko-KR" sz="900" dirty="0">
+                <a:solidFill>
+                  <a:schemeClr val="tx1"/>
+                </a:solidFill>
+              </a:rPr>
+              <a:t>.</a:t>
+            </a:r>
+          </a:p>
+          <a:p>
+            <a:pPr algn="ctr"/>
+            <a:r>
+              <a:rPr lang="en-US" altLang="ko-KR" sz="900" dirty="0">
+                <a:solidFill>
+                  <a:schemeClr val="tx1"/>
+                </a:solidFill>
+              </a:rPr>
+              <a:t>1.Counter Strike</a:t>
+            </a:r>
+          </a:p>
+          <a:p>
+            <a:pPr algn="ctr"/>
+            <a:r>
+              <a:rPr lang="en-US" altLang="ko-KR" sz="900" dirty="0">
+                <a:solidFill>
+                  <a:schemeClr val="tx1"/>
+                </a:solidFill>
+              </a:rPr>
+              <a:t>2.PUBG:BattleGrounds</a:t>
+            </a:r>
+          </a:p>
+          <a:p>
+            <a:pPr algn="ctr"/>
+            <a:r>
+              <a:rPr lang="en-US" altLang="ko-KR" sz="900" dirty="0">
+                <a:solidFill>
+                  <a:schemeClr val="tx1"/>
+                </a:solidFill>
+              </a:rPr>
+              <a:t>3. </a:t>
+            </a:r>
+            <a:r>
+              <a:rPr lang="en-US" altLang="ko-KR" sz="900" dirty="0" err="1">
+                <a:solidFill>
+                  <a:schemeClr val="tx1"/>
+                </a:solidFill>
+              </a:rPr>
+              <a:t>Destinty</a:t>
+            </a:r>
+            <a:r>
+              <a:rPr lang="en-US" altLang="ko-KR" sz="900" dirty="0">
+                <a:solidFill>
+                  <a:schemeClr val="tx1"/>
+                </a:solidFill>
+              </a:rPr>
+              <a:t> Guardians</a:t>
+            </a:r>
+          </a:p>
+          <a:p>
+            <a:pPr algn="ctr"/>
+            <a:r>
+              <a:rPr lang="ko-KR" altLang="en-US" sz="900" dirty="0">
+                <a:solidFill>
+                  <a:schemeClr val="tx1"/>
+                </a:solidFill>
+              </a:rPr>
+              <a:t>가 있습니다</a:t>
+            </a:r>
+            <a:r>
+              <a:rPr lang="en-US" altLang="ko-KR" sz="900" dirty="0">
+                <a:solidFill>
+                  <a:schemeClr val="tx1"/>
+                </a:solidFill>
+              </a:rPr>
+              <a:t>. </a:t>
+            </a:r>
+          </a:p>
+          <a:p>
+            <a:pPr algn="ctr"/>
+            <a:endParaRPr lang="ko-KR" altLang="en-US" sz="900" dirty="0">
+              <a:solidFill>
+                <a:schemeClr val="tx1"/>
+              </a:solidFill>
+            </a:endParaRPr>
+          </a:p>
+        </p:txBody>
+      </p:sp>
+      <p:cxnSp>
+        <p:nvCxnSpPr>
+          <p:cNvPr id="12" name="연결선: 꺾임 11">
+            <a:extLst>
+              <a:ext uri="{FF2B5EF4-FFF2-40B4-BE49-F238E27FC236}">
+                <a16:creationId xmlns:a16="http://schemas.microsoft.com/office/drawing/2014/main" id="{87C64905-6F54-305D-A25D-91C8B76C7261}"/>
+              </a:ext>
+            </a:extLst>
+          </p:cNvPr>
+          <p:cNvCxnSpPr/>
+          <p:nvPr/>
+        </p:nvCxnSpPr>
+        <p:spPr>
+          <a:xfrm flipV="1">
+            <a:off x="3938678" y="995320"/>
+            <a:ext cx="4112897" cy="2433680"/>
+          </a:xfrm>
+          <a:prstGeom prst="bentConnector3">
+            <a:avLst/>
+          </a:prstGeom>
+          <a:ln>
+            <a:tailEnd type="triangle"/>
+          </a:ln>
+        </p:spPr>
+        <p:style>
+          <a:lnRef idx="1">
+            <a:schemeClr val="accent1"/>
+          </a:lnRef>
+          <a:fillRef idx="0">
+            <a:schemeClr val="accent1"/>
+          </a:fillRef>
+          <a:effectRef idx="0">
+            <a:schemeClr val="accent1"/>
+          </a:effectRef>
+          <a:fontRef idx="minor">
+            <a:schemeClr val="tx1"/>
+          </a:fontRef>
+        </p:style>
+      </p:cxnSp>
+      <p:sp>
+        <p:nvSpPr>
+          <p:cNvPr id="13" name="TextBox 12">
+            <a:extLst>
+              <a:ext uri="{FF2B5EF4-FFF2-40B4-BE49-F238E27FC236}">
+                <a16:creationId xmlns:a16="http://schemas.microsoft.com/office/drawing/2014/main" id="{E07C532F-3C90-3133-6971-B610922D034F}"/>
+              </a:ext>
+            </a:extLst>
+          </p:cNvPr>
+          <p:cNvSpPr txBox="1"/>
+          <p:nvPr/>
+        </p:nvSpPr>
+        <p:spPr>
+          <a:xfrm>
+            <a:off x="8051575" y="761355"/>
+            <a:ext cx="3050697" cy="523220"/>
+          </a:xfrm>
+          <a:prstGeom prst="rect">
+            <a:avLst/>
+          </a:prstGeom>
+          <a:noFill/>
+        </p:spPr>
+        <p:txBody>
+          <a:bodyPr wrap="square" rtlCol="0">
+            <a:spAutoFit/>
+          </a:bodyPr>
+          <a:lstStyle/>
+          <a:p>
+            <a:r>
+              <a:rPr lang="ko-KR" altLang="en-US" sz="1400" dirty="0"/>
+              <a:t>출력된 정보를 입력한 시간순서로 올라가게 출력</a:t>
+            </a:r>
+          </a:p>
+        </p:txBody>
+      </p:sp>
+      <p:cxnSp>
+        <p:nvCxnSpPr>
+          <p:cNvPr id="14" name="연결선: 꺾임 13">
+            <a:extLst>
+              <a:ext uri="{FF2B5EF4-FFF2-40B4-BE49-F238E27FC236}">
+                <a16:creationId xmlns:a16="http://schemas.microsoft.com/office/drawing/2014/main" id="{4C545BDF-D356-FBAA-411E-2199CD466BE1}"/>
+              </a:ext>
+            </a:extLst>
+          </p:cNvPr>
+          <p:cNvCxnSpPr>
+            <a:cxnSpLocks/>
+          </p:cNvCxnSpPr>
+          <p:nvPr/>
+        </p:nvCxnSpPr>
+        <p:spPr>
+          <a:xfrm flipV="1">
+            <a:off x="3613285" y="2276897"/>
+            <a:ext cx="4438290" cy="2442524"/>
+          </a:xfrm>
+          <a:prstGeom prst="bentConnector3">
+            <a:avLst/>
+          </a:prstGeom>
+          <a:ln>
+            <a:tailEnd type="triangle"/>
+          </a:ln>
+        </p:spPr>
+        <p:style>
+          <a:lnRef idx="1">
+            <a:schemeClr val="accent1"/>
+          </a:lnRef>
+          <a:fillRef idx="0">
+            <a:schemeClr val="accent1"/>
+          </a:fillRef>
+          <a:effectRef idx="0">
+            <a:schemeClr val="accent1"/>
+          </a:effectRef>
+          <a:fontRef idx="minor">
+            <a:schemeClr val="tx1"/>
+          </a:fontRef>
+        </p:style>
+      </p:cxnSp>
+      <p:sp>
+        <p:nvSpPr>
+          <p:cNvPr id="16" name="TextBox 15">
+            <a:extLst>
+              <a:ext uri="{FF2B5EF4-FFF2-40B4-BE49-F238E27FC236}">
+                <a16:creationId xmlns:a16="http://schemas.microsoft.com/office/drawing/2014/main" id="{6D8703E3-D5B9-43FC-4B71-3947BAB0C468}"/>
+              </a:ext>
+            </a:extLst>
+          </p:cNvPr>
+          <p:cNvSpPr txBox="1"/>
+          <p:nvPr/>
+        </p:nvSpPr>
+        <p:spPr>
+          <a:xfrm>
+            <a:off x="8175652" y="1953731"/>
+            <a:ext cx="3050697" cy="738664"/>
+          </a:xfrm>
+          <a:prstGeom prst="rect">
+            <a:avLst/>
+          </a:prstGeom>
+          <a:noFill/>
+        </p:spPr>
+        <p:txBody>
+          <a:bodyPr wrap="square" rtlCol="0">
+            <a:spAutoFit/>
+          </a:bodyPr>
+          <a:lstStyle/>
+          <a:p>
+            <a:r>
+              <a:rPr lang="ko-KR" altLang="en-US" sz="1400" dirty="0"/>
+              <a:t>요청한 정보 분석하여 게임추천후 게임이름을 누르면 해당 게임 다운로드 페이지로 이동</a:t>
+            </a:r>
+          </a:p>
+        </p:txBody>
+      </p:sp>
+      <p:sp>
+        <p:nvSpPr>
+          <p:cNvPr id="18" name="사각형: 둥근 모서리 17">
+            <a:extLst>
+              <a:ext uri="{FF2B5EF4-FFF2-40B4-BE49-F238E27FC236}">
+                <a16:creationId xmlns:a16="http://schemas.microsoft.com/office/drawing/2014/main" id="{6DB110E2-727B-1B83-A16B-248F17B1849A}"/>
+              </a:ext>
+            </a:extLst>
+          </p:cNvPr>
+          <p:cNvSpPr/>
+          <p:nvPr/>
+        </p:nvSpPr>
+        <p:spPr>
+          <a:xfrm>
+            <a:off x="4264071" y="4753376"/>
+            <a:ext cx="56644" cy="337583"/>
+          </a:xfrm>
+          <a:prstGeom prst="roundRect">
+            <a:avLst/>
+          </a:prstGeom>
+          <a:solidFill>
+            <a:schemeClr val="tx1">
+              <a:lumMod val="50000"/>
+              <a:lumOff val="50000"/>
+            </a:schemeClr>
+          </a:solidFill>
+        </p:spPr>
+        <p:style>
+          <a:lnRef idx="2">
+            <a:schemeClr val="accent1">
+              <a:shade val="15000"/>
+            </a:schemeClr>
+          </a:lnRef>
+          <a:fillRef idx="1">
+            <a:schemeClr val="accent1"/>
+          </a:fillRef>
+          <a:effectRef idx="0">
+            <a:schemeClr val="accent1"/>
+          </a:effectRef>
+          <a:fontRef idx="minor">
+            <a:schemeClr val="lt1"/>
+          </a:fontRef>
+        </p:style>
+        <p:txBody>
+          <a:bodyPr rtlCol="0" anchor="ctr"/>
+          <a:lstStyle/>
+          <a:p>
+            <a:pPr algn="ctr"/>
+            <a:endParaRPr lang="ko-KR" altLang="en-US"/>
+          </a:p>
+        </p:txBody>
+      </p:sp>
+      <p:cxnSp>
+        <p:nvCxnSpPr>
+          <p:cNvPr id="20" name="연결선: 꺾임 19">
+            <a:extLst>
+              <a:ext uri="{FF2B5EF4-FFF2-40B4-BE49-F238E27FC236}">
+                <a16:creationId xmlns:a16="http://schemas.microsoft.com/office/drawing/2014/main" id="{12B59C5B-8B45-FF1C-2860-2A20341988D6}"/>
+              </a:ext>
+            </a:extLst>
+          </p:cNvPr>
+          <p:cNvCxnSpPr>
+            <a:stCxn id="18" idx="3"/>
+          </p:cNvCxnSpPr>
+          <p:nvPr/>
+        </p:nvCxnSpPr>
+        <p:spPr>
+          <a:xfrm flipV="1">
+            <a:off x="4320715" y="3163234"/>
+            <a:ext cx="3649940" cy="1758934"/>
+          </a:xfrm>
+          <a:prstGeom prst="bentConnector3">
+            <a:avLst/>
+          </a:prstGeom>
+          <a:ln>
+            <a:tailEnd type="triangle"/>
+          </a:ln>
+        </p:spPr>
+        <p:style>
+          <a:lnRef idx="1">
+            <a:schemeClr val="accent1"/>
+          </a:lnRef>
+          <a:fillRef idx="0">
+            <a:schemeClr val="accent1"/>
+          </a:fillRef>
+          <a:effectRef idx="0">
+            <a:schemeClr val="accent1"/>
+          </a:effectRef>
+          <a:fontRef idx="minor">
+            <a:schemeClr val="tx1"/>
+          </a:fontRef>
+        </p:style>
+      </p:cxnSp>
+      <p:sp>
+        <p:nvSpPr>
+          <p:cNvPr id="21" name="TextBox 20">
+            <a:extLst>
+              <a:ext uri="{FF2B5EF4-FFF2-40B4-BE49-F238E27FC236}">
+                <a16:creationId xmlns:a16="http://schemas.microsoft.com/office/drawing/2014/main" id="{F87BB4C1-94CA-2E64-C928-2D27F3B29235}"/>
+              </a:ext>
+            </a:extLst>
+          </p:cNvPr>
+          <p:cNvSpPr txBox="1"/>
+          <p:nvPr/>
+        </p:nvSpPr>
+        <p:spPr>
+          <a:xfrm>
+            <a:off x="8108219" y="2905780"/>
+            <a:ext cx="3050697" cy="523220"/>
+          </a:xfrm>
+          <a:prstGeom prst="rect">
+            <a:avLst/>
+          </a:prstGeom>
+          <a:noFill/>
+        </p:spPr>
+        <p:txBody>
+          <a:bodyPr wrap="square" rtlCol="0">
+            <a:spAutoFit/>
+          </a:bodyPr>
+          <a:lstStyle/>
+          <a:p>
+            <a:r>
+              <a:rPr lang="ko-KR" altLang="en-US" sz="1400" dirty="0"/>
+              <a:t>요청한 정보가 많아서 화면을 </a:t>
+            </a:r>
+            <a:r>
+              <a:rPr lang="ko-KR" altLang="en-US" sz="1400" dirty="0" err="1"/>
+              <a:t>넘게되면</a:t>
+            </a:r>
+            <a:r>
+              <a:rPr lang="ko-KR" altLang="en-US" sz="1400" dirty="0"/>
+              <a:t> 스크롤</a:t>
+            </a:r>
           </a:p>
         </p:txBody>
       </p:sp>
     </p:spTree>
     <p:extLst>
       <p:ext uri="{BB962C8B-B14F-4D97-AF65-F5344CB8AC3E}">
-        <p14:creationId xmlns:p14="http://schemas.microsoft.com/office/powerpoint/2010/main" val="7236793"/>
+        <p14:creationId xmlns:p14="http://schemas.microsoft.com/office/powerpoint/2010/main" val="4014738613"/>
       </p:ext>
     </p:extLst>
   </p:cSld>
@@ -5705,6 +8294,399 @@
       </p:grpSpPr>
       <p:sp>
         <p:nvSpPr>
+          <p:cNvPr id="6" name="TextBox 5">
+            <a:extLst>
+              <a:ext uri="{FF2B5EF4-FFF2-40B4-BE49-F238E27FC236}">
+                <a16:creationId xmlns:a16="http://schemas.microsoft.com/office/drawing/2014/main" id="{3C7164E8-4AEB-A64A-790A-976CEA6F62EE}"/>
+              </a:ext>
+            </a:extLst>
+          </p:cNvPr>
+          <p:cNvSpPr txBox="1"/>
+          <p:nvPr/>
+        </p:nvSpPr>
+        <p:spPr>
+          <a:xfrm>
+            <a:off x="637309" y="207818"/>
+            <a:ext cx="2438400" cy="369332"/>
+          </a:xfrm>
+          <a:prstGeom prst="rect">
+            <a:avLst/>
+          </a:prstGeom>
+          <a:noFill/>
+        </p:spPr>
+        <p:txBody>
+          <a:bodyPr wrap="square" rtlCol="0">
+            <a:spAutoFit/>
+          </a:bodyPr>
+          <a:lstStyle/>
+          <a:p>
+            <a:r>
+              <a:rPr lang="en-US" altLang="ko-KR" dirty="0"/>
+              <a:t>III. </a:t>
+            </a:r>
+            <a:r>
+              <a:rPr lang="ko-KR" altLang="en-US" dirty="0"/>
+              <a:t>설계 </a:t>
+            </a:r>
+            <a:r>
+              <a:rPr lang="en-US" altLang="ko-KR" dirty="0"/>
+              <a:t>(ERD </a:t>
+            </a:r>
+            <a:r>
+              <a:rPr lang="ko-KR" altLang="en-US" dirty="0"/>
+              <a:t>구상도</a:t>
+            </a:r>
+            <a:r>
+              <a:rPr lang="en-US" altLang="ko-KR" dirty="0"/>
+              <a:t>)</a:t>
+            </a:r>
+            <a:endParaRPr lang="ko-KR" altLang="en-US" dirty="0"/>
+          </a:p>
+        </p:txBody>
+      </p:sp>
+      <p:pic>
+        <p:nvPicPr>
+          <p:cNvPr id="3" name="그림 2">
+            <a:extLst>
+              <a:ext uri="{FF2B5EF4-FFF2-40B4-BE49-F238E27FC236}">
+                <a16:creationId xmlns:a16="http://schemas.microsoft.com/office/drawing/2014/main" id="{0A3AA64A-E274-E9E9-9110-8497167B0E86}"/>
+              </a:ext>
+            </a:extLst>
+          </p:cNvPr>
+          <p:cNvPicPr>
+            <a:picLocks noChangeAspect="1"/>
+          </p:cNvPicPr>
+          <p:nvPr/>
+        </p:nvPicPr>
+        <p:blipFill>
+          <a:blip r:embed="rId2"/>
+          <a:stretch>
+            <a:fillRect/>
+          </a:stretch>
+        </p:blipFill>
+        <p:spPr>
+          <a:xfrm>
+            <a:off x="450397" y="577150"/>
+            <a:ext cx="11467476" cy="6280850"/>
+          </a:xfrm>
+          <a:prstGeom prst="rect">
+            <a:avLst/>
+          </a:prstGeom>
+        </p:spPr>
+      </p:pic>
+    </p:spTree>
+    <p:extLst>
+      <p:ext uri="{BB962C8B-B14F-4D97-AF65-F5344CB8AC3E}">
+        <p14:creationId xmlns:p14="http://schemas.microsoft.com/office/powerpoint/2010/main" val="939704192"/>
+      </p:ext>
+    </p:extLst>
+  </p:cSld>
+  <p:clrMapOvr>
+    <a:masterClrMapping/>
+  </p:clrMapOvr>
+</p:sld>
+</file>
+
+<file path=ppt/slides/slide15.xml><?xml version="1.0" encoding="utf-8"?>
+<p:sld xmlns:a="http://schemas.openxmlformats.org/drawingml/2006/main" xmlns:r="http://schemas.openxmlformats.org/officeDocument/2006/relationships" xmlns:p="http://schemas.openxmlformats.org/presentationml/2006/main">
+  <p:cSld>
+    <p:spTree>
+      <p:nvGrpSpPr>
+        <p:cNvPr id="1" name=""/>
+        <p:cNvGrpSpPr/>
+        <p:nvPr/>
+      </p:nvGrpSpPr>
+      <p:grpSpPr>
+        <a:xfrm>
+          <a:off x="0" y="0"/>
+          <a:ext cx="0" cy="0"/>
+          <a:chOff x="0" y="0"/>
+          <a:chExt cx="0" cy="0"/>
+        </a:xfrm>
+      </p:grpSpPr>
+      <p:sp>
+        <p:nvSpPr>
+          <p:cNvPr id="2" name="제목 1">
+            <a:extLst>
+              <a:ext uri="{FF2B5EF4-FFF2-40B4-BE49-F238E27FC236}">
+                <a16:creationId xmlns:a16="http://schemas.microsoft.com/office/drawing/2014/main" id="{4D8E6F30-5D6A-1105-C72E-0470E09933E6}"/>
+              </a:ext>
+            </a:extLst>
+          </p:cNvPr>
+          <p:cNvSpPr>
+            <a:spLocks noGrp="1"/>
+          </p:cNvSpPr>
+          <p:nvPr>
+            <p:ph type="title"/>
+          </p:nvPr>
+        </p:nvSpPr>
+        <p:spPr/>
+        <p:txBody>
+          <a:bodyPr/>
+          <a:lstStyle/>
+          <a:p>
+            <a:r>
+              <a:rPr lang="ko-KR" altLang="en-US" dirty="0"/>
+              <a:t>리더보드 시스템</a:t>
+            </a:r>
+          </a:p>
+        </p:txBody>
+      </p:sp>
+      <p:sp>
+        <p:nvSpPr>
+          <p:cNvPr id="3" name="내용 개체 틀 2">
+            <a:extLst>
+              <a:ext uri="{FF2B5EF4-FFF2-40B4-BE49-F238E27FC236}">
+                <a16:creationId xmlns:a16="http://schemas.microsoft.com/office/drawing/2014/main" id="{D3FDDF05-B87C-4776-B9A8-6476453ABF91}"/>
+              </a:ext>
+            </a:extLst>
+          </p:cNvPr>
+          <p:cNvSpPr>
+            <a:spLocks noGrp="1"/>
+          </p:cNvSpPr>
+          <p:nvPr>
+            <p:ph idx="1"/>
+          </p:nvPr>
+        </p:nvSpPr>
+        <p:spPr/>
+        <p:txBody>
+          <a:bodyPr/>
+          <a:lstStyle/>
+          <a:p>
+            <a:pPr marL="0" indent="0">
+              <a:buNone/>
+            </a:pPr>
+            <a:r>
+              <a:rPr lang="ko-KR" altLang="en-US" dirty="0"/>
+              <a:t>스팀</a:t>
+            </a:r>
+            <a:r>
+              <a:rPr lang="en-US" altLang="ko-KR" dirty="0"/>
+              <a:t>DB</a:t>
+            </a:r>
+            <a:r>
+              <a:rPr lang="ko-KR" altLang="en-US" dirty="0"/>
+              <a:t>에 저장된 게임 기반을 토대로 가져올 수 있는 기록으로 이용자들 간의 랭크 순위를 보여줌</a:t>
+            </a:r>
+            <a:endParaRPr lang="en-US" altLang="ko-KR" dirty="0"/>
+          </a:p>
+          <a:p>
+            <a:pPr marL="0" indent="0">
+              <a:buNone/>
+            </a:pPr>
+            <a:endParaRPr lang="en-US" altLang="ko-KR" dirty="0"/>
+          </a:p>
+          <a:p>
+            <a:pPr marL="0" indent="0">
+              <a:buNone/>
+            </a:pPr>
+            <a:r>
+              <a:rPr lang="ko-KR" altLang="en-US" dirty="0"/>
+              <a:t>주간 혹은 월간으로 게임을 바꾸며 해당 게임의 플레이 유저를 늘리게 되는 효과 기대</a:t>
+            </a:r>
+          </a:p>
+        </p:txBody>
+      </p:sp>
+    </p:spTree>
+    <p:extLst>
+      <p:ext uri="{BB962C8B-B14F-4D97-AF65-F5344CB8AC3E}">
+        <p14:creationId xmlns:p14="http://schemas.microsoft.com/office/powerpoint/2010/main" val="2670253992"/>
+      </p:ext>
+    </p:extLst>
+  </p:cSld>
+  <p:clrMapOvr>
+    <a:masterClrMapping/>
+  </p:clrMapOvr>
+</p:sld>
+</file>
+
+<file path=ppt/slides/slide16.xml><?xml version="1.0" encoding="utf-8"?>
+<p:sld xmlns:a="http://schemas.openxmlformats.org/drawingml/2006/main" xmlns:r="http://schemas.openxmlformats.org/officeDocument/2006/relationships" xmlns:p="http://schemas.openxmlformats.org/presentationml/2006/main">
+  <p:cSld>
+    <p:spTree>
+      <p:nvGrpSpPr>
+        <p:cNvPr id="1" name=""/>
+        <p:cNvGrpSpPr/>
+        <p:nvPr/>
+      </p:nvGrpSpPr>
+      <p:grpSpPr>
+        <a:xfrm>
+          <a:off x="0" y="0"/>
+          <a:ext cx="0" cy="0"/>
+          <a:chOff x="0" y="0"/>
+          <a:chExt cx="0" cy="0"/>
+        </a:xfrm>
+      </p:grpSpPr>
+      <p:sp>
+        <p:nvSpPr>
+          <p:cNvPr id="2" name="제목 1">
+            <a:extLst>
+              <a:ext uri="{FF2B5EF4-FFF2-40B4-BE49-F238E27FC236}">
+                <a16:creationId xmlns:a16="http://schemas.microsoft.com/office/drawing/2014/main" id="{E1438AFA-734F-24D5-8AE9-9A6E13C3E842}"/>
+              </a:ext>
+            </a:extLst>
+          </p:cNvPr>
+          <p:cNvSpPr>
+            <a:spLocks noGrp="1"/>
+          </p:cNvSpPr>
+          <p:nvPr>
+            <p:ph type="title"/>
+          </p:nvPr>
+        </p:nvSpPr>
+        <p:spPr/>
+        <p:txBody>
+          <a:bodyPr/>
+          <a:lstStyle/>
+          <a:p>
+            <a:r>
+              <a:rPr lang="ko-KR" altLang="en-US" dirty="0"/>
+              <a:t>포인트 시스템</a:t>
+            </a:r>
+          </a:p>
+        </p:txBody>
+      </p:sp>
+      <p:sp>
+        <p:nvSpPr>
+          <p:cNvPr id="3" name="내용 개체 틀 2">
+            <a:extLst>
+              <a:ext uri="{FF2B5EF4-FFF2-40B4-BE49-F238E27FC236}">
+                <a16:creationId xmlns:a16="http://schemas.microsoft.com/office/drawing/2014/main" id="{FDFACA67-B4F5-B76A-BFAB-BF2B7C6FBAB4}"/>
+              </a:ext>
+            </a:extLst>
+          </p:cNvPr>
+          <p:cNvSpPr>
+            <a:spLocks noGrp="1"/>
+          </p:cNvSpPr>
+          <p:nvPr>
+            <p:ph idx="1"/>
+          </p:nvPr>
+        </p:nvSpPr>
+        <p:spPr/>
+        <p:txBody>
+          <a:bodyPr/>
+          <a:lstStyle/>
+          <a:p>
+            <a:pPr marL="0" indent="0">
+              <a:buNone/>
+            </a:pPr>
+            <a:r>
+              <a:rPr lang="en-US" altLang="ko-KR" dirty="0"/>
+              <a:t>Steam DB</a:t>
+            </a:r>
+            <a:r>
+              <a:rPr lang="ko-KR" altLang="en-US" dirty="0"/>
+              <a:t>에 저장 되어있는 게임 플레이 타임 및 </a:t>
+            </a:r>
+            <a:r>
+              <a:rPr lang="ko-KR" altLang="en-US" dirty="0" err="1"/>
+              <a:t>업적등</a:t>
+            </a:r>
+            <a:r>
+              <a:rPr lang="ko-KR" altLang="en-US" dirty="0"/>
+              <a:t> 데이터를 가져와 게시글을 작성하면 포인트 부여</a:t>
+            </a:r>
+            <a:endParaRPr lang="en-US" altLang="ko-KR" dirty="0"/>
+          </a:p>
+          <a:p>
+            <a:pPr marL="0" indent="0">
+              <a:buNone/>
+            </a:pPr>
+            <a:endParaRPr lang="en-US" altLang="ko-KR" dirty="0"/>
+          </a:p>
+          <a:p>
+            <a:pPr marL="0" indent="0">
+              <a:buNone/>
+            </a:pPr>
+            <a:r>
+              <a:rPr lang="ko-KR" altLang="en-US" dirty="0"/>
+              <a:t>부여된 포인트를 포인트 </a:t>
+            </a:r>
+            <a:r>
+              <a:rPr lang="ko-KR" altLang="en-US" dirty="0" err="1"/>
+              <a:t>샵에서</a:t>
+            </a:r>
+            <a:r>
+              <a:rPr lang="ko-KR" altLang="en-US" dirty="0"/>
+              <a:t> 활용</a:t>
+            </a:r>
+            <a:endParaRPr lang="en-US" altLang="ko-KR" dirty="0"/>
+          </a:p>
+          <a:p>
+            <a:pPr marL="0" indent="0">
+              <a:buNone/>
+            </a:pPr>
+            <a:endParaRPr lang="en-US" altLang="ko-KR" dirty="0"/>
+          </a:p>
+          <a:p>
+            <a:pPr marL="0" indent="0">
+              <a:buNone/>
+            </a:pPr>
+            <a:r>
+              <a:rPr lang="ko-KR" altLang="en-US" dirty="0"/>
+              <a:t>포인트 </a:t>
+            </a:r>
+            <a:r>
+              <a:rPr lang="ko-KR" altLang="en-US" dirty="0" err="1"/>
+              <a:t>샵에는</a:t>
+            </a:r>
+            <a:r>
+              <a:rPr lang="ko-KR" altLang="en-US" dirty="0"/>
+              <a:t> 스팀 쿠폰 및 오픈마켓의 컴퓨터 장비 리스트</a:t>
+            </a:r>
+            <a:endParaRPr lang="en-US" altLang="ko-KR" dirty="0"/>
+          </a:p>
+          <a:p>
+            <a:pPr marL="0" indent="0">
+              <a:buNone/>
+            </a:pPr>
+            <a:r>
+              <a:rPr lang="en-US" altLang="ko-KR" dirty="0"/>
+              <a:t>(</a:t>
+            </a:r>
+            <a:r>
+              <a:rPr lang="ko-KR" altLang="en-US" dirty="0"/>
+              <a:t>혹은 오픈마켓과 제휴시스템</a:t>
+            </a:r>
+            <a:r>
+              <a:rPr lang="en-US" altLang="ko-KR" dirty="0"/>
+              <a:t>)</a:t>
+            </a:r>
+            <a:endParaRPr lang="ko-KR" altLang="en-US" dirty="0"/>
+          </a:p>
+        </p:txBody>
+      </p:sp>
+    </p:spTree>
+    <p:extLst>
+      <p:ext uri="{BB962C8B-B14F-4D97-AF65-F5344CB8AC3E}">
+        <p14:creationId xmlns:p14="http://schemas.microsoft.com/office/powerpoint/2010/main" val="7236793"/>
+      </p:ext>
+    </p:extLst>
+  </p:cSld>
+  <p:clrMapOvr>
+    <a:masterClrMapping/>
+  </p:clrMapOvr>
+</p:sld>
+</file>
+
+<file path=ppt/slides/slide17.xml><?xml version="1.0" encoding="utf-8"?>
+<p:sld xmlns:a="http://schemas.openxmlformats.org/drawingml/2006/main" xmlns:r="http://schemas.openxmlformats.org/officeDocument/2006/relationships" xmlns:p="http://schemas.openxmlformats.org/presentationml/2006/main">
+  <p:cSld>
+    <p:spTree>
+      <p:nvGrpSpPr>
+        <p:cNvPr id="1" name=""/>
+        <p:cNvGrpSpPr/>
+        <p:nvPr/>
+      </p:nvGrpSpPr>
+      <p:grpSpPr>
+        <a:xfrm>
+          <a:off x="0" y="0"/>
+          <a:ext cx="0" cy="0"/>
+          <a:chOff x="0" y="0"/>
+          <a:chExt cx="0" cy="0"/>
+        </a:xfrm>
+      </p:grpSpPr>
+      <p:sp>
+        <p:nvSpPr>
           <p:cNvPr id="2" name="제목 1">
             <a:extLst>
               <a:ext uri="{FF2B5EF4-FFF2-40B4-BE49-F238E27FC236}">
@@ -5872,7 +8854,7 @@
 </p:sld>
 </file>
 
-<file path=ppt/slides/slide15.xml><?xml version="1.0" encoding="utf-8"?>
+<file path=ppt/slides/slide18.xml><?xml version="1.0" encoding="utf-8"?>
 <p:sld xmlns:a="http://schemas.openxmlformats.org/drawingml/2006/main" xmlns:r="http://schemas.openxmlformats.org/officeDocument/2006/relationships" xmlns:p="http://schemas.openxmlformats.org/presentationml/2006/main">
   <p:cSld>
     <p:spTree>
@@ -9859,7 +12841,7 @@
 </p:sld>
 </file>
 
-<file path=ppt/slides/slide16.xml><?xml version="1.0" encoding="utf-8"?>
+<file path=ppt/slides/slide19.xml><?xml version="1.0" encoding="utf-8"?>
 <p:sld xmlns:a="http://schemas.openxmlformats.org/drawingml/2006/main" xmlns:r="http://schemas.openxmlformats.org/officeDocument/2006/relationships" xmlns:p="http://schemas.openxmlformats.org/presentationml/2006/main">
   <p:cSld>
     <p:spTree>
@@ -10436,130 +13418,6 @@
     <p:extLst>
       <p:ext uri="{BB962C8B-B14F-4D97-AF65-F5344CB8AC3E}">
         <p14:creationId xmlns:p14="http://schemas.microsoft.com/office/powerpoint/2010/main" val="474797699"/>
-      </p:ext>
-    </p:extLst>
-  </p:cSld>
-  <p:clrMapOvr>
-    <a:masterClrMapping/>
-  </p:clrMapOvr>
-</p:sld>
-</file>
-
-<file path=ppt/slides/slide17.xml><?xml version="1.0" encoding="utf-8"?>
-<p:sld xmlns:a="http://schemas.openxmlformats.org/drawingml/2006/main" xmlns:r="http://schemas.openxmlformats.org/officeDocument/2006/relationships" xmlns:p="http://schemas.openxmlformats.org/presentationml/2006/main">
-  <p:cSld>
-    <p:spTree>
-      <p:nvGrpSpPr>
-        <p:cNvPr id="1" name=""/>
-        <p:cNvGrpSpPr/>
-        <p:nvPr/>
-      </p:nvGrpSpPr>
-      <p:grpSpPr>
-        <a:xfrm>
-          <a:off x="0" y="0"/>
-          <a:ext cx="0" cy="0"/>
-          <a:chOff x="0" y="0"/>
-          <a:chExt cx="0" cy="0"/>
-        </a:xfrm>
-      </p:grpSpPr>
-      <p:sp>
-        <p:nvSpPr>
-          <p:cNvPr id="2" name="제목 1">
-            <a:extLst>
-              <a:ext uri="{FF2B5EF4-FFF2-40B4-BE49-F238E27FC236}">
-                <a16:creationId xmlns:a16="http://schemas.microsoft.com/office/drawing/2014/main" id="{239F4E06-EFCB-D151-4BD9-8C2C9CCED218}"/>
-              </a:ext>
-            </a:extLst>
-          </p:cNvPr>
-          <p:cNvSpPr>
-            <a:spLocks noGrp="1"/>
-          </p:cNvSpPr>
-          <p:nvPr>
-            <p:ph type="title"/>
-          </p:nvPr>
-        </p:nvSpPr>
-        <p:spPr/>
-        <p:txBody>
-          <a:bodyPr/>
-          <a:lstStyle/>
-          <a:p>
-            <a:r>
-              <a:rPr lang="ko-KR" altLang="en-US" dirty="0"/>
-              <a:t>서비스 가치</a:t>
-            </a:r>
-          </a:p>
-        </p:txBody>
-      </p:sp>
-      <p:sp>
-        <p:nvSpPr>
-          <p:cNvPr id="3" name="내용 개체 틀 2">
-            <a:extLst>
-              <a:ext uri="{FF2B5EF4-FFF2-40B4-BE49-F238E27FC236}">
-                <a16:creationId xmlns:a16="http://schemas.microsoft.com/office/drawing/2014/main" id="{D0E83803-395D-7E87-DA7B-2FBE4D8DA573}"/>
-              </a:ext>
-            </a:extLst>
-          </p:cNvPr>
-          <p:cNvSpPr>
-            <a:spLocks noGrp="1"/>
-          </p:cNvSpPr>
-          <p:nvPr>
-            <p:ph idx="1"/>
-          </p:nvPr>
-        </p:nvSpPr>
-        <p:spPr/>
-        <p:txBody>
-          <a:bodyPr/>
-          <a:lstStyle/>
-          <a:p>
-            <a:r>
-              <a:rPr lang="ko-KR" altLang="en-US" dirty="0"/>
-              <a:t>한국의 게임 스팀 유저 수의 증가와 커뮤니티 활성화</a:t>
-            </a:r>
-            <a:endParaRPr lang="en-US" altLang="ko-KR" dirty="0"/>
-          </a:p>
-          <a:p>
-            <a:endParaRPr lang="en-US" altLang="ko-KR" dirty="0"/>
-          </a:p>
-          <a:p>
-            <a:r>
-              <a:rPr lang="ko-KR" altLang="en-US" dirty="0"/>
-              <a:t>새로 출시된 게임의 홍보 및 컴퓨터 관련 상품 판매 촉진</a:t>
-            </a:r>
-            <a:endParaRPr lang="en-US" altLang="ko-KR" dirty="0"/>
-          </a:p>
-          <a:p>
-            <a:endParaRPr lang="en-US" altLang="ko-KR" dirty="0"/>
-          </a:p>
-          <a:p>
-            <a:r>
-              <a:rPr lang="ko-KR" altLang="en-US" dirty="0"/>
-              <a:t>고객의 게임 </a:t>
-            </a:r>
-            <a:r>
-              <a:rPr lang="ko-KR" altLang="en-US" dirty="0" err="1"/>
-              <a:t>서치를</a:t>
-            </a:r>
-            <a:r>
-              <a:rPr lang="ko-KR" altLang="en-US" dirty="0"/>
-              <a:t> 간편화</a:t>
-            </a:r>
-            <a:endParaRPr lang="en-US" altLang="ko-KR" dirty="0"/>
-          </a:p>
-          <a:p>
-            <a:endParaRPr lang="en-US" altLang="ko-KR" dirty="0"/>
-          </a:p>
-          <a:p>
-            <a:r>
-              <a:rPr lang="ko-KR" altLang="en-US" dirty="0"/>
-              <a:t>후기 작성을 통한 포인트 시스템을 통하여 유저의 참여 증가와 보상을 통하여 만족도 기대</a:t>
-            </a:r>
-          </a:p>
-        </p:txBody>
-      </p:sp>
-    </p:spTree>
-    <p:extLst>
-      <p:ext uri="{BB962C8B-B14F-4D97-AF65-F5344CB8AC3E}">
-        <p14:creationId xmlns:p14="http://schemas.microsoft.com/office/powerpoint/2010/main" val="2290331119"/>
       </p:ext>
     </p:extLst>
   </p:cSld>
@@ -10706,6 +13564,130 @@
     <p:extLst>
       <p:ext uri="{BB962C8B-B14F-4D97-AF65-F5344CB8AC3E}">
         <p14:creationId xmlns:p14="http://schemas.microsoft.com/office/powerpoint/2010/main" val="2100050489"/>
+      </p:ext>
+    </p:extLst>
+  </p:cSld>
+  <p:clrMapOvr>
+    <a:masterClrMapping/>
+  </p:clrMapOvr>
+</p:sld>
+</file>
+
+<file path=ppt/slides/slide20.xml><?xml version="1.0" encoding="utf-8"?>
+<p:sld xmlns:a="http://schemas.openxmlformats.org/drawingml/2006/main" xmlns:r="http://schemas.openxmlformats.org/officeDocument/2006/relationships" xmlns:p="http://schemas.openxmlformats.org/presentationml/2006/main">
+  <p:cSld>
+    <p:spTree>
+      <p:nvGrpSpPr>
+        <p:cNvPr id="1" name=""/>
+        <p:cNvGrpSpPr/>
+        <p:nvPr/>
+      </p:nvGrpSpPr>
+      <p:grpSpPr>
+        <a:xfrm>
+          <a:off x="0" y="0"/>
+          <a:ext cx="0" cy="0"/>
+          <a:chOff x="0" y="0"/>
+          <a:chExt cx="0" cy="0"/>
+        </a:xfrm>
+      </p:grpSpPr>
+      <p:sp>
+        <p:nvSpPr>
+          <p:cNvPr id="2" name="제목 1">
+            <a:extLst>
+              <a:ext uri="{FF2B5EF4-FFF2-40B4-BE49-F238E27FC236}">
+                <a16:creationId xmlns:a16="http://schemas.microsoft.com/office/drawing/2014/main" id="{239F4E06-EFCB-D151-4BD9-8C2C9CCED218}"/>
+              </a:ext>
+            </a:extLst>
+          </p:cNvPr>
+          <p:cNvSpPr>
+            <a:spLocks noGrp="1"/>
+          </p:cNvSpPr>
+          <p:nvPr>
+            <p:ph type="title"/>
+          </p:nvPr>
+        </p:nvSpPr>
+        <p:spPr/>
+        <p:txBody>
+          <a:bodyPr/>
+          <a:lstStyle/>
+          <a:p>
+            <a:r>
+              <a:rPr lang="ko-KR" altLang="en-US" dirty="0"/>
+              <a:t>서비스 가치</a:t>
+            </a:r>
+          </a:p>
+        </p:txBody>
+      </p:sp>
+      <p:sp>
+        <p:nvSpPr>
+          <p:cNvPr id="3" name="내용 개체 틀 2">
+            <a:extLst>
+              <a:ext uri="{FF2B5EF4-FFF2-40B4-BE49-F238E27FC236}">
+                <a16:creationId xmlns:a16="http://schemas.microsoft.com/office/drawing/2014/main" id="{D0E83803-395D-7E87-DA7B-2FBE4D8DA573}"/>
+              </a:ext>
+            </a:extLst>
+          </p:cNvPr>
+          <p:cNvSpPr>
+            <a:spLocks noGrp="1"/>
+          </p:cNvSpPr>
+          <p:nvPr>
+            <p:ph idx="1"/>
+          </p:nvPr>
+        </p:nvSpPr>
+        <p:spPr/>
+        <p:txBody>
+          <a:bodyPr/>
+          <a:lstStyle/>
+          <a:p>
+            <a:r>
+              <a:rPr lang="ko-KR" altLang="en-US" dirty="0"/>
+              <a:t>한국의 게임 스팀 유저 수의 증가와 커뮤니티 활성화</a:t>
+            </a:r>
+            <a:endParaRPr lang="en-US" altLang="ko-KR" dirty="0"/>
+          </a:p>
+          <a:p>
+            <a:endParaRPr lang="en-US" altLang="ko-KR" dirty="0"/>
+          </a:p>
+          <a:p>
+            <a:r>
+              <a:rPr lang="ko-KR" altLang="en-US" dirty="0"/>
+              <a:t>새로 출시된 게임의 홍보 및 컴퓨터 관련 상품 판매 촉진</a:t>
+            </a:r>
+            <a:endParaRPr lang="en-US" altLang="ko-KR" dirty="0"/>
+          </a:p>
+          <a:p>
+            <a:endParaRPr lang="en-US" altLang="ko-KR" dirty="0"/>
+          </a:p>
+          <a:p>
+            <a:r>
+              <a:rPr lang="ko-KR" altLang="en-US" dirty="0"/>
+              <a:t>고객의 게임 </a:t>
+            </a:r>
+            <a:r>
+              <a:rPr lang="ko-KR" altLang="en-US" dirty="0" err="1"/>
+              <a:t>서치를</a:t>
+            </a:r>
+            <a:r>
+              <a:rPr lang="ko-KR" altLang="en-US" dirty="0"/>
+              <a:t> 간편화</a:t>
+            </a:r>
+            <a:endParaRPr lang="en-US" altLang="ko-KR" dirty="0"/>
+          </a:p>
+          <a:p>
+            <a:endParaRPr lang="en-US" altLang="ko-KR" dirty="0"/>
+          </a:p>
+          <a:p>
+            <a:r>
+              <a:rPr lang="ko-KR" altLang="en-US" dirty="0"/>
+              <a:t>후기 작성을 통한 포인트 시스템을 통하여 유저의 참여 증가와 보상을 통하여 만족도 기대</a:t>
+            </a:r>
+          </a:p>
+        </p:txBody>
+      </p:sp>
+    </p:spTree>
+    <p:extLst>
+      <p:ext uri="{BB962C8B-B14F-4D97-AF65-F5344CB8AC3E}">
+        <p14:creationId xmlns:p14="http://schemas.microsoft.com/office/powerpoint/2010/main" val="2290331119"/>
       </p:ext>
     </p:extLst>
   </p:cSld>
@@ -12110,7 +15092,7 @@
         </p:nvSpPr>
         <p:spPr>
           <a:xfrm>
-            <a:off x="9634398" y="1309585"/>
+            <a:off x="9263203" y="1325853"/>
             <a:ext cx="2272419" cy="504524"/>
           </a:xfrm>
           <a:prstGeom prst="rect">
@@ -13482,7 +16464,7 @@
         </p:nvSpPr>
         <p:spPr>
           <a:xfrm>
-            <a:off x="9263203" y="1331825"/>
+            <a:off x="9263203" y="1323733"/>
             <a:ext cx="2272419" cy="504524"/>
           </a:xfrm>
           <a:prstGeom prst="rect">
@@ -14955,7 +17937,7 @@
         </p:nvSpPr>
         <p:spPr>
           <a:xfrm>
-            <a:off x="9263203" y="1331825"/>
+            <a:off x="9263203" y="1323733"/>
             <a:ext cx="2272419" cy="504524"/>
           </a:xfrm>
           <a:prstGeom prst="rect">
@@ -15711,13 +18693,15 @@
               </a:ext>
             </a:extLst>
           </p:cNvPr>
-          <p:cNvCxnSpPr/>
+          <p:cNvCxnSpPr>
+            <a:cxnSpLocks/>
+          </p:cNvCxnSpPr>
           <p:nvPr/>
         </p:nvCxnSpPr>
         <p:spPr>
-          <a:xfrm flipV="1">
-            <a:off x="1558516" y="2243491"/>
-            <a:ext cx="6284805" cy="16463"/>
+          <a:xfrm>
+            <a:off x="1558516" y="2259954"/>
+            <a:ext cx="6221430" cy="0"/>
           </a:xfrm>
           <a:prstGeom prst="line">
             <a:avLst/>
@@ -15747,13 +18731,15 @@
               </a:ext>
             </a:extLst>
           </p:cNvPr>
-          <p:cNvCxnSpPr/>
+          <p:cNvCxnSpPr>
+            <a:cxnSpLocks/>
+          </p:cNvCxnSpPr>
           <p:nvPr/>
         </p:nvCxnSpPr>
         <p:spPr>
-          <a:xfrm flipV="1">
-            <a:off x="1546322" y="1934645"/>
-            <a:ext cx="6284805" cy="16463"/>
+          <a:xfrm>
+            <a:off x="1558516" y="1959083"/>
+            <a:ext cx="6221430" cy="0"/>
           </a:xfrm>
           <a:prstGeom prst="line">
             <a:avLst/>
@@ -15804,7 +18790,7 @@
           <a:p>
             <a:r>
               <a:rPr lang="ko-KR" altLang="en-US" sz="1400" dirty="0"/>
-              <a:t>가격순 </a:t>
+              <a:t>정렬       가격순 </a:t>
             </a:r>
             <a:r>
               <a:rPr lang="en-US" altLang="ko-KR" sz="1400" dirty="0"/>
@@ -15816,7 +18802,7 @@
             </a:r>
             <a:r>
               <a:rPr lang="en-US" altLang="ko-KR" sz="1400" dirty="0"/>
-              <a:t>	</a:t>
+              <a:t>	     </a:t>
             </a:r>
             <a:r>
               <a:rPr lang="ko-KR" altLang="en-US" sz="1400" dirty="0"/>
@@ -16275,12 +19261,59 @@
           <a:chExt cx="0" cy="0"/>
         </a:xfrm>
       </p:grpSpPr>
-      <p:sp>
-        <p:nvSpPr>
-          <p:cNvPr id="4" name="TextBox 3">
-            <a:extLst>
-              <a:ext uri="{FF2B5EF4-FFF2-40B4-BE49-F238E27FC236}">
-                <a16:creationId xmlns:a16="http://schemas.microsoft.com/office/drawing/2014/main" id="{8BF1949D-38CB-3B37-9868-345FBBE2732D}"/>
+      <p:pic>
+        <p:nvPicPr>
+          <p:cNvPr id="1028" name="Picture 4">
+            <a:extLst>
+              <a:ext uri="{FF2B5EF4-FFF2-40B4-BE49-F238E27FC236}">
+                <a16:creationId xmlns:a16="http://schemas.microsoft.com/office/drawing/2014/main" id="{8C17E8EB-B340-25F5-947B-42450E942F23}"/>
+              </a:ext>
+            </a:extLst>
+          </p:cNvPr>
+          <p:cNvPicPr>
+            <a:picLocks noChangeAspect="1" noChangeArrowheads="1"/>
+          </p:cNvPicPr>
+          <p:nvPr/>
+        </p:nvPicPr>
+        <p:blipFill>
+          <a:blip r:embed="rId2">
+            <a:extLst>
+              <a:ext uri="{28A0092B-C50C-407E-A947-70E740481C1C}">
+                <a14:useLocalDpi xmlns:a14="http://schemas.microsoft.com/office/drawing/2010/main" val="0"/>
+              </a:ext>
+            </a:extLst>
+          </a:blip>
+          <a:srcRect/>
+          <a:stretch>
+            <a:fillRect/>
+          </a:stretch>
+        </p:blipFill>
+        <p:spPr bwMode="auto">
+          <a:xfrm>
+            <a:off x="491953" y="3842372"/>
+            <a:ext cx="1501268" cy="1334494"/>
+          </a:xfrm>
+          <a:prstGeom prst="rect">
+            <a:avLst/>
+          </a:prstGeom>
+          <a:noFill/>
+          <a:extLst>
+            <a:ext uri="{909E8E84-426E-40DD-AFC4-6F175D3DCCD1}">
+              <a14:hiddenFill xmlns:a14="http://schemas.microsoft.com/office/drawing/2010/main">
+                <a:solidFill>
+                  <a:srgbClr val="FFFFFF"/>
+                </a:solidFill>
+              </a14:hiddenFill>
+            </a:ext>
+          </a:extLst>
+        </p:spPr>
+      </p:pic>
+      <p:sp>
+        <p:nvSpPr>
+          <p:cNvPr id="5" name="TextBox 4">
+            <a:extLst>
+              <a:ext uri="{FF2B5EF4-FFF2-40B4-BE49-F238E27FC236}">
+                <a16:creationId xmlns:a16="http://schemas.microsoft.com/office/drawing/2014/main" id="{4A42545E-3B59-045A-BEC4-C61664F7E6AE}"/>
               </a:ext>
             </a:extLst>
           </p:cNvPr>
@@ -16289,8 +19322,8 @@
         </p:nvSpPr>
         <p:spPr>
           <a:xfrm>
-            <a:off x="581454" y="410099"/>
-            <a:ext cx="1917513" cy="369332"/>
+            <a:off x="4948850" y="706814"/>
+            <a:ext cx="744868" cy="646331"/>
           </a:xfrm>
           <a:prstGeom prst="rect">
             <a:avLst/>
@@ -16298,36 +19331,251 @@
           <a:noFill/>
         </p:spPr>
         <p:txBody>
-          <a:bodyPr wrap="none" rtlCol="0">
+          <a:bodyPr wrap="square" rtlCol="0">
             <a:spAutoFit/>
           </a:bodyPr>
           <a:lstStyle/>
           <a:p>
             <a:r>
-              <a:rPr lang="en-US" altLang="ko-KR" dirty="0"/>
-              <a:t>III. </a:t>
-            </a:r>
-            <a:r>
               <a:rPr lang="ko-KR" altLang="en-US" dirty="0"/>
-              <a:t>설계 </a:t>
-            </a:r>
-            <a:r>
-              <a:rPr lang="en-US" altLang="ko-KR" dirty="0"/>
-              <a:t>- </a:t>
-            </a:r>
+              <a:t>로고</a:t>
+            </a:r>
+            <a:endParaRPr lang="en-US" altLang="ko-KR" dirty="0"/>
+          </a:p>
+          <a:p>
+            <a:endParaRPr lang="ko-KR" altLang="en-US" dirty="0"/>
+          </a:p>
+        </p:txBody>
+      </p:sp>
+      <p:cxnSp>
+        <p:nvCxnSpPr>
+          <p:cNvPr id="7" name="직선 연결선 6">
+            <a:extLst>
+              <a:ext uri="{FF2B5EF4-FFF2-40B4-BE49-F238E27FC236}">
+                <a16:creationId xmlns:a16="http://schemas.microsoft.com/office/drawing/2014/main" id="{AB51CA58-EEF2-2896-7DFC-EAF326312288}"/>
+              </a:ext>
+            </a:extLst>
+          </p:cNvPr>
+          <p:cNvCxnSpPr/>
+          <p:nvPr/>
+        </p:nvCxnSpPr>
+        <p:spPr>
+          <a:xfrm>
+            <a:off x="81481" y="1312752"/>
+            <a:ext cx="12110519" cy="0"/>
+          </a:xfrm>
+          <a:prstGeom prst="line">
+            <a:avLst/>
+          </a:prstGeom>
+        </p:spPr>
+        <p:style>
+          <a:lnRef idx="1">
+            <a:schemeClr val="accent1"/>
+          </a:lnRef>
+          <a:fillRef idx="0">
+            <a:schemeClr val="accent1"/>
+          </a:fillRef>
+          <a:effectRef idx="0">
+            <a:schemeClr val="accent1"/>
+          </a:effectRef>
+          <a:fontRef idx="minor">
+            <a:schemeClr val="tx1"/>
+          </a:fontRef>
+        </p:style>
+      </p:cxnSp>
+      <p:cxnSp>
+        <p:nvCxnSpPr>
+          <p:cNvPr id="9" name="직선 연결선 8">
+            <a:extLst>
+              <a:ext uri="{FF2B5EF4-FFF2-40B4-BE49-F238E27FC236}">
+                <a16:creationId xmlns:a16="http://schemas.microsoft.com/office/drawing/2014/main" id="{FF30385D-8F51-1DEE-A14F-48331D32945D}"/>
+              </a:ext>
+            </a:extLst>
+          </p:cNvPr>
+          <p:cNvCxnSpPr>
+            <a:cxnSpLocks/>
+          </p:cNvCxnSpPr>
+          <p:nvPr/>
+        </p:nvCxnSpPr>
+        <p:spPr>
+          <a:xfrm>
+            <a:off x="81481" y="1828800"/>
+            <a:ext cx="12110519" cy="0"/>
+          </a:xfrm>
+          <a:prstGeom prst="line">
+            <a:avLst/>
+          </a:prstGeom>
+        </p:spPr>
+        <p:style>
+          <a:lnRef idx="1">
+            <a:schemeClr val="accent1"/>
+          </a:lnRef>
+          <a:fillRef idx="0">
+            <a:schemeClr val="accent1"/>
+          </a:fillRef>
+          <a:effectRef idx="0">
+            <a:schemeClr val="accent1"/>
+          </a:effectRef>
+          <a:fontRef idx="minor">
+            <a:schemeClr val="tx1"/>
+          </a:fontRef>
+        </p:style>
+      </p:cxnSp>
+      <p:cxnSp>
+        <p:nvCxnSpPr>
+          <p:cNvPr id="16" name="직선 연결선 15">
+            <a:extLst>
+              <a:ext uri="{FF2B5EF4-FFF2-40B4-BE49-F238E27FC236}">
+                <a16:creationId xmlns:a16="http://schemas.microsoft.com/office/drawing/2014/main" id="{21E8D0EA-3067-4412-60C2-A1777C664C19}"/>
+              </a:ext>
+            </a:extLst>
+          </p:cNvPr>
+          <p:cNvCxnSpPr>
+            <a:cxnSpLocks/>
+          </p:cNvCxnSpPr>
+          <p:nvPr/>
+        </p:nvCxnSpPr>
+        <p:spPr>
+          <a:xfrm>
+            <a:off x="7795033" y="1857891"/>
+            <a:ext cx="0" cy="5029200"/>
+          </a:xfrm>
+          <a:prstGeom prst="line">
+            <a:avLst/>
+          </a:prstGeom>
+        </p:spPr>
+        <p:style>
+          <a:lnRef idx="1">
+            <a:schemeClr val="accent1"/>
+          </a:lnRef>
+          <a:fillRef idx="0">
+            <a:schemeClr val="accent1"/>
+          </a:fillRef>
+          <a:effectRef idx="0">
+            <a:schemeClr val="accent1"/>
+          </a:effectRef>
+          <a:fontRef idx="minor">
+            <a:schemeClr val="tx1"/>
+          </a:fontRef>
+        </p:style>
+      </p:cxnSp>
+      <p:sp>
+        <p:nvSpPr>
+          <p:cNvPr id="18" name="TextBox 17">
+            <a:extLst>
+              <a:ext uri="{FF2B5EF4-FFF2-40B4-BE49-F238E27FC236}">
+                <a16:creationId xmlns:a16="http://schemas.microsoft.com/office/drawing/2014/main" id="{757D319B-1646-8783-0326-3ADC037BA0D9}"/>
+              </a:ext>
+            </a:extLst>
+          </p:cNvPr>
+          <p:cNvSpPr txBox="1"/>
+          <p:nvPr/>
+        </p:nvSpPr>
+        <p:spPr>
+          <a:xfrm>
+            <a:off x="8637005" y="2264688"/>
+            <a:ext cx="1557196" cy="646331"/>
+          </a:xfrm>
+          <a:prstGeom prst="rect">
+            <a:avLst/>
+          </a:prstGeom>
+          <a:noFill/>
+        </p:spPr>
+        <p:txBody>
+          <a:bodyPr wrap="square" rtlCol="0">
+            <a:spAutoFit/>
+          </a:bodyPr>
+          <a:lstStyle/>
+          <a:p>
             <a:r>
               <a:rPr lang="ko-KR" altLang="en-US" dirty="0"/>
               <a:t>로그인</a:t>
             </a:r>
-          </a:p>
-        </p:txBody>
-      </p:sp>
-      <p:sp>
-        <p:nvSpPr>
-          <p:cNvPr id="5" name="직사각형 4">
-            <a:extLst>
-              <a:ext uri="{FF2B5EF4-FFF2-40B4-BE49-F238E27FC236}">
-                <a16:creationId xmlns:a16="http://schemas.microsoft.com/office/drawing/2014/main" id="{74945501-085D-EF2B-1655-991A7BA123C4}"/>
+            <a:endParaRPr lang="en-US" altLang="ko-KR" dirty="0"/>
+          </a:p>
+          <a:p>
+            <a:endParaRPr lang="ko-KR" altLang="en-US" dirty="0"/>
+          </a:p>
+        </p:txBody>
+      </p:sp>
+      <p:cxnSp>
+        <p:nvCxnSpPr>
+          <p:cNvPr id="20" name="직선 연결선 19">
+            <a:extLst>
+              <a:ext uri="{FF2B5EF4-FFF2-40B4-BE49-F238E27FC236}">
+                <a16:creationId xmlns:a16="http://schemas.microsoft.com/office/drawing/2014/main" id="{34826BFA-9CA9-134A-1535-1467976DCDBE}"/>
+              </a:ext>
+            </a:extLst>
+          </p:cNvPr>
+          <p:cNvCxnSpPr/>
+          <p:nvPr/>
+        </p:nvCxnSpPr>
+        <p:spPr>
+          <a:xfrm>
+            <a:off x="7779946" y="3024553"/>
+            <a:ext cx="2749236" cy="0"/>
+          </a:xfrm>
+          <a:prstGeom prst="line">
+            <a:avLst/>
+          </a:prstGeom>
+        </p:spPr>
+        <p:style>
+          <a:lnRef idx="1">
+            <a:schemeClr val="accent1"/>
+          </a:lnRef>
+          <a:fillRef idx="0">
+            <a:schemeClr val="accent1"/>
+          </a:fillRef>
+          <a:effectRef idx="0">
+            <a:schemeClr val="accent1"/>
+          </a:effectRef>
+          <a:fontRef idx="minor">
+            <a:schemeClr val="tx1"/>
+          </a:fontRef>
+        </p:style>
+      </p:cxnSp>
+      <p:sp>
+        <p:nvSpPr>
+          <p:cNvPr id="21" name="TextBox 20">
+            <a:extLst>
+              <a:ext uri="{FF2B5EF4-FFF2-40B4-BE49-F238E27FC236}">
+                <a16:creationId xmlns:a16="http://schemas.microsoft.com/office/drawing/2014/main" id="{800827E3-7A23-710A-661C-246F2B246DD3}"/>
+              </a:ext>
+            </a:extLst>
+          </p:cNvPr>
+          <p:cNvSpPr txBox="1"/>
+          <p:nvPr/>
+        </p:nvSpPr>
+        <p:spPr>
+          <a:xfrm>
+            <a:off x="9174181" y="3066395"/>
+            <a:ext cx="1376124" cy="369332"/>
+          </a:xfrm>
+          <a:prstGeom prst="rect">
+            <a:avLst/>
+          </a:prstGeom>
+          <a:noFill/>
+        </p:spPr>
+        <p:txBody>
+          <a:bodyPr wrap="square" rtlCol="0">
+            <a:spAutoFit/>
+          </a:bodyPr>
+          <a:lstStyle/>
+          <a:p>
+            <a:r>
+              <a:rPr lang="ko-KR" altLang="en-US"/>
+              <a:t>인기게시글</a:t>
+            </a:r>
+            <a:endParaRPr lang="ko-KR" altLang="en-US" dirty="0"/>
+          </a:p>
+        </p:txBody>
+      </p:sp>
+      <p:sp>
+        <p:nvSpPr>
+          <p:cNvPr id="22" name="직사각형 21">
+            <a:extLst>
+              <a:ext uri="{FF2B5EF4-FFF2-40B4-BE49-F238E27FC236}">
+                <a16:creationId xmlns:a16="http://schemas.microsoft.com/office/drawing/2014/main" id="{A2C3C9DC-6BC1-4195-A272-B11B0ECC3228}"/>
               </a:ext>
             </a:extLst>
           </p:cNvPr>
@@ -16336,15 +19584,12 @@
         </p:nvSpPr>
         <p:spPr>
           <a:xfrm>
-            <a:off x="2581360" y="1383738"/>
-            <a:ext cx="6182315" cy="4863313"/>
+            <a:off x="9886287" y="1323733"/>
+            <a:ext cx="2272419" cy="504524"/>
           </a:xfrm>
           <a:prstGeom prst="rect">
             <a:avLst/>
           </a:prstGeom>
-          <a:solidFill>
-            <a:schemeClr val="bg1"/>
-          </a:solidFill>
         </p:spPr>
         <p:style>
           <a:lnRef idx="2">
@@ -16367,16 +19612,540 @@
           <a:lstStyle/>
           <a:p>
             <a:pPr algn="ctr"/>
+            <a:r>
+              <a:rPr lang="ko-KR" altLang="en-US" dirty="0"/>
+              <a:t>통합검색</a:t>
+            </a:r>
+          </a:p>
+        </p:txBody>
+      </p:sp>
+      <p:cxnSp>
+        <p:nvCxnSpPr>
+          <p:cNvPr id="26" name="직선 연결선 25">
+            <a:extLst>
+              <a:ext uri="{FF2B5EF4-FFF2-40B4-BE49-F238E27FC236}">
+                <a16:creationId xmlns:a16="http://schemas.microsoft.com/office/drawing/2014/main" id="{38C68FDE-191D-5EAD-C01B-D56BFC7DD0D8}"/>
+              </a:ext>
+            </a:extLst>
+          </p:cNvPr>
+          <p:cNvCxnSpPr>
+            <a:cxnSpLocks/>
+          </p:cNvCxnSpPr>
+          <p:nvPr/>
+        </p:nvCxnSpPr>
+        <p:spPr>
+          <a:xfrm>
+            <a:off x="1242587" y="1311246"/>
+            <a:ext cx="0" cy="516048"/>
+          </a:xfrm>
+          <a:prstGeom prst="line">
+            <a:avLst/>
+          </a:prstGeom>
+        </p:spPr>
+        <p:style>
+          <a:lnRef idx="1">
+            <a:schemeClr val="accent1"/>
+          </a:lnRef>
+          <a:fillRef idx="0">
+            <a:schemeClr val="accent1"/>
+          </a:fillRef>
+          <a:effectRef idx="0">
+            <a:schemeClr val="accent1"/>
+          </a:effectRef>
+          <a:fontRef idx="minor">
+            <a:schemeClr val="tx1"/>
+          </a:fontRef>
+        </p:style>
+      </p:cxnSp>
+      <p:cxnSp>
+        <p:nvCxnSpPr>
+          <p:cNvPr id="29" name="직선 연결선 28">
+            <a:extLst>
+              <a:ext uri="{FF2B5EF4-FFF2-40B4-BE49-F238E27FC236}">
+                <a16:creationId xmlns:a16="http://schemas.microsoft.com/office/drawing/2014/main" id="{D8AEC86E-E653-8ADF-068B-9C7E0267BFE8}"/>
+              </a:ext>
+            </a:extLst>
+          </p:cNvPr>
+          <p:cNvCxnSpPr/>
+          <p:nvPr/>
+        </p:nvCxnSpPr>
+        <p:spPr>
+          <a:xfrm>
+            <a:off x="7779946" y="3477568"/>
+            <a:ext cx="2749236" cy="0"/>
+          </a:xfrm>
+          <a:prstGeom prst="line">
+            <a:avLst/>
+          </a:prstGeom>
+        </p:spPr>
+        <p:style>
+          <a:lnRef idx="1">
+            <a:schemeClr val="accent1"/>
+          </a:lnRef>
+          <a:fillRef idx="0">
+            <a:schemeClr val="accent1"/>
+          </a:fillRef>
+          <a:effectRef idx="0">
+            <a:schemeClr val="accent1"/>
+          </a:effectRef>
+          <a:fontRef idx="minor">
+            <a:schemeClr val="tx1"/>
+          </a:fontRef>
+        </p:style>
+      </p:cxnSp>
+      <p:sp>
+        <p:nvSpPr>
+          <p:cNvPr id="30" name="TextBox 29">
+            <a:extLst>
+              <a:ext uri="{FF2B5EF4-FFF2-40B4-BE49-F238E27FC236}">
+                <a16:creationId xmlns:a16="http://schemas.microsoft.com/office/drawing/2014/main" id="{742B37F8-4CC1-4197-9E11-84CF396B2D0A}"/>
+              </a:ext>
+            </a:extLst>
+          </p:cNvPr>
+          <p:cNvSpPr txBox="1"/>
+          <p:nvPr/>
+        </p:nvSpPr>
+        <p:spPr>
+          <a:xfrm>
+            <a:off x="7843321" y="3066395"/>
+            <a:ext cx="1376124" cy="369332"/>
+          </a:xfrm>
+          <a:prstGeom prst="rect">
+            <a:avLst/>
+          </a:prstGeom>
+          <a:noFill/>
+        </p:spPr>
+        <p:txBody>
+          <a:bodyPr wrap="square" rtlCol="0">
+            <a:spAutoFit/>
+          </a:bodyPr>
+          <a:lstStyle/>
+          <a:p>
+            <a:r>
+              <a:rPr lang="ko-KR" altLang="en-US" dirty="0" err="1"/>
+              <a:t>최신게시글</a:t>
+            </a:r>
             <a:endParaRPr lang="ko-KR" altLang="en-US" dirty="0"/>
           </a:p>
         </p:txBody>
       </p:sp>
-      <p:sp>
-        <p:nvSpPr>
-          <p:cNvPr id="7" name="직사각형 6">
-            <a:extLst>
-              <a:ext uri="{FF2B5EF4-FFF2-40B4-BE49-F238E27FC236}">
-                <a16:creationId xmlns:a16="http://schemas.microsoft.com/office/drawing/2014/main" id="{8C76DF59-C717-AF3B-F374-351C0718E917}"/>
+      <p:cxnSp>
+        <p:nvCxnSpPr>
+          <p:cNvPr id="32" name="직선 연결선 31">
+            <a:extLst>
+              <a:ext uri="{FF2B5EF4-FFF2-40B4-BE49-F238E27FC236}">
+                <a16:creationId xmlns:a16="http://schemas.microsoft.com/office/drawing/2014/main" id="{F33AD353-3650-761F-9A9C-F5C002AD351C}"/>
+              </a:ext>
+            </a:extLst>
+          </p:cNvPr>
+          <p:cNvCxnSpPr/>
+          <p:nvPr/>
+        </p:nvCxnSpPr>
+        <p:spPr>
+          <a:xfrm>
+            <a:off x="9174182" y="3024553"/>
+            <a:ext cx="0" cy="453015"/>
+          </a:xfrm>
+          <a:prstGeom prst="line">
+            <a:avLst/>
+          </a:prstGeom>
+        </p:spPr>
+        <p:style>
+          <a:lnRef idx="1">
+            <a:schemeClr val="accent1"/>
+          </a:lnRef>
+          <a:fillRef idx="0">
+            <a:schemeClr val="accent1"/>
+          </a:fillRef>
+          <a:effectRef idx="0">
+            <a:schemeClr val="accent1"/>
+          </a:effectRef>
+          <a:fontRef idx="minor">
+            <a:schemeClr val="tx1"/>
+          </a:fontRef>
+        </p:style>
+      </p:cxnSp>
+      <p:sp>
+        <p:nvSpPr>
+          <p:cNvPr id="33" name="TextBox 32">
+            <a:extLst>
+              <a:ext uri="{FF2B5EF4-FFF2-40B4-BE49-F238E27FC236}">
+                <a16:creationId xmlns:a16="http://schemas.microsoft.com/office/drawing/2014/main" id="{B59AADED-DB8C-79A0-E91B-39788F19A83B}"/>
+              </a:ext>
+            </a:extLst>
+          </p:cNvPr>
+          <p:cNvSpPr txBox="1"/>
+          <p:nvPr/>
+        </p:nvSpPr>
+        <p:spPr>
+          <a:xfrm>
+            <a:off x="530381" y="1371565"/>
+            <a:ext cx="1424412" cy="369332"/>
+          </a:xfrm>
+          <a:prstGeom prst="rect">
+            <a:avLst/>
+          </a:prstGeom>
+          <a:noFill/>
+        </p:spPr>
+        <p:txBody>
+          <a:bodyPr wrap="square" rtlCol="0">
+            <a:spAutoFit/>
+          </a:bodyPr>
+          <a:lstStyle/>
+          <a:p>
+            <a:r>
+              <a:rPr lang="ko-KR" altLang="en-US" dirty="0"/>
+              <a:t>홈</a:t>
+            </a:r>
+          </a:p>
+        </p:txBody>
+      </p:sp>
+      <p:sp>
+        <p:nvSpPr>
+          <p:cNvPr id="34" name="TextBox 33">
+            <a:extLst>
+              <a:ext uri="{FF2B5EF4-FFF2-40B4-BE49-F238E27FC236}">
+                <a16:creationId xmlns:a16="http://schemas.microsoft.com/office/drawing/2014/main" id="{97A18680-5A49-36A1-628A-578EF0C8AB59}"/>
+              </a:ext>
+            </a:extLst>
+          </p:cNvPr>
+          <p:cNvSpPr txBox="1"/>
+          <p:nvPr/>
+        </p:nvSpPr>
+        <p:spPr>
+          <a:xfrm>
+            <a:off x="1706577" y="1384604"/>
+            <a:ext cx="1303699" cy="369332"/>
+          </a:xfrm>
+          <a:prstGeom prst="rect">
+            <a:avLst/>
+          </a:prstGeom>
+          <a:noFill/>
+        </p:spPr>
+        <p:txBody>
+          <a:bodyPr wrap="square" rtlCol="0">
+            <a:spAutoFit/>
+          </a:bodyPr>
+          <a:lstStyle/>
+          <a:p>
+            <a:r>
+              <a:rPr lang="ko-KR" altLang="en-US" dirty="0"/>
+              <a:t>뉴스</a:t>
+            </a:r>
+          </a:p>
+        </p:txBody>
+      </p:sp>
+      <p:cxnSp>
+        <p:nvCxnSpPr>
+          <p:cNvPr id="35" name="직선 연결선 34">
+            <a:extLst>
+              <a:ext uri="{FF2B5EF4-FFF2-40B4-BE49-F238E27FC236}">
+                <a16:creationId xmlns:a16="http://schemas.microsoft.com/office/drawing/2014/main" id="{AF5566D7-0E81-A3F9-F03A-BA5BC77AD300}"/>
+              </a:ext>
+            </a:extLst>
+          </p:cNvPr>
+          <p:cNvCxnSpPr>
+            <a:cxnSpLocks/>
+          </p:cNvCxnSpPr>
+          <p:nvPr/>
+        </p:nvCxnSpPr>
+        <p:spPr>
+          <a:xfrm>
+            <a:off x="2629404" y="1317956"/>
+            <a:ext cx="0" cy="516048"/>
+          </a:xfrm>
+          <a:prstGeom prst="line">
+            <a:avLst/>
+          </a:prstGeom>
+        </p:spPr>
+        <p:style>
+          <a:lnRef idx="1">
+            <a:schemeClr val="accent1"/>
+          </a:lnRef>
+          <a:fillRef idx="0">
+            <a:schemeClr val="accent1"/>
+          </a:fillRef>
+          <a:effectRef idx="0">
+            <a:schemeClr val="accent1"/>
+          </a:effectRef>
+          <a:fontRef idx="minor">
+            <a:schemeClr val="tx1"/>
+          </a:fontRef>
+        </p:style>
+      </p:cxnSp>
+      <p:cxnSp>
+        <p:nvCxnSpPr>
+          <p:cNvPr id="39" name="직선 연결선 38">
+            <a:extLst>
+              <a:ext uri="{FF2B5EF4-FFF2-40B4-BE49-F238E27FC236}">
+                <a16:creationId xmlns:a16="http://schemas.microsoft.com/office/drawing/2014/main" id="{4AA3DF56-64A3-DC70-C4B0-4C6DBCD654DC}"/>
+              </a:ext>
+            </a:extLst>
+          </p:cNvPr>
+          <p:cNvCxnSpPr>
+            <a:cxnSpLocks/>
+          </p:cNvCxnSpPr>
+          <p:nvPr/>
+        </p:nvCxnSpPr>
+        <p:spPr>
+          <a:xfrm>
+            <a:off x="3884289" y="1301772"/>
+            <a:ext cx="0" cy="542669"/>
+          </a:xfrm>
+          <a:prstGeom prst="line">
+            <a:avLst/>
+          </a:prstGeom>
+        </p:spPr>
+        <p:style>
+          <a:lnRef idx="1">
+            <a:schemeClr val="accent1"/>
+          </a:lnRef>
+          <a:fillRef idx="0">
+            <a:schemeClr val="accent1"/>
+          </a:fillRef>
+          <a:effectRef idx="0">
+            <a:schemeClr val="accent1"/>
+          </a:effectRef>
+          <a:fontRef idx="minor">
+            <a:schemeClr val="tx1"/>
+          </a:fontRef>
+        </p:style>
+      </p:cxnSp>
+      <p:sp>
+        <p:nvSpPr>
+          <p:cNvPr id="40" name="TextBox 39">
+            <a:extLst>
+              <a:ext uri="{FF2B5EF4-FFF2-40B4-BE49-F238E27FC236}">
+                <a16:creationId xmlns:a16="http://schemas.microsoft.com/office/drawing/2014/main" id="{E5DC1B8C-3E63-D654-1995-49FF4690D336}"/>
+              </a:ext>
+            </a:extLst>
+          </p:cNvPr>
+          <p:cNvSpPr txBox="1"/>
+          <p:nvPr/>
+        </p:nvSpPr>
+        <p:spPr>
+          <a:xfrm>
+            <a:off x="2897862" y="1400656"/>
+            <a:ext cx="906006" cy="369332"/>
+          </a:xfrm>
+          <a:prstGeom prst="rect">
+            <a:avLst/>
+          </a:prstGeom>
+          <a:noFill/>
+        </p:spPr>
+        <p:txBody>
+          <a:bodyPr wrap="square" rtlCol="0">
+            <a:spAutoFit/>
+          </a:bodyPr>
+          <a:lstStyle/>
+          <a:p>
+            <a:r>
+              <a:rPr lang="ko-KR" altLang="en-US" dirty="0"/>
+              <a:t>게시판</a:t>
+            </a:r>
+          </a:p>
+        </p:txBody>
+      </p:sp>
+      <p:sp>
+        <p:nvSpPr>
+          <p:cNvPr id="41" name="TextBox 40">
+            <a:extLst>
+              <a:ext uri="{FF2B5EF4-FFF2-40B4-BE49-F238E27FC236}">
+                <a16:creationId xmlns:a16="http://schemas.microsoft.com/office/drawing/2014/main" id="{697FA99B-C60E-69CC-B12B-36C427812A6F}"/>
+              </a:ext>
+            </a:extLst>
+          </p:cNvPr>
+          <p:cNvSpPr txBox="1"/>
+          <p:nvPr/>
+        </p:nvSpPr>
+        <p:spPr>
+          <a:xfrm>
+            <a:off x="5879714" y="1400656"/>
+            <a:ext cx="1181862" cy="369332"/>
+          </a:xfrm>
+          <a:prstGeom prst="rect">
+            <a:avLst/>
+          </a:prstGeom>
+          <a:noFill/>
+        </p:spPr>
+        <p:txBody>
+          <a:bodyPr wrap="square" rtlCol="0">
+            <a:spAutoFit/>
+          </a:bodyPr>
+          <a:lstStyle/>
+          <a:p>
+            <a:r>
+              <a:rPr lang="ko-KR" altLang="en-US" dirty="0"/>
+              <a:t>듀오 찾기</a:t>
+            </a:r>
+          </a:p>
+        </p:txBody>
+      </p:sp>
+      <p:cxnSp>
+        <p:nvCxnSpPr>
+          <p:cNvPr id="42" name="직선 연결선 41">
+            <a:extLst>
+              <a:ext uri="{FF2B5EF4-FFF2-40B4-BE49-F238E27FC236}">
+                <a16:creationId xmlns:a16="http://schemas.microsoft.com/office/drawing/2014/main" id="{8D676611-7D0A-EEF8-0540-7C323DC6002A}"/>
+              </a:ext>
+            </a:extLst>
+          </p:cNvPr>
+          <p:cNvCxnSpPr>
+            <a:cxnSpLocks/>
+          </p:cNvCxnSpPr>
+          <p:nvPr/>
+        </p:nvCxnSpPr>
+        <p:spPr>
+          <a:xfrm>
+            <a:off x="7174867" y="1311246"/>
+            <a:ext cx="0" cy="516048"/>
+          </a:xfrm>
+          <a:prstGeom prst="line">
+            <a:avLst/>
+          </a:prstGeom>
+        </p:spPr>
+        <p:style>
+          <a:lnRef idx="1">
+            <a:schemeClr val="accent1"/>
+          </a:lnRef>
+          <a:fillRef idx="0">
+            <a:schemeClr val="accent1"/>
+          </a:fillRef>
+          <a:effectRef idx="0">
+            <a:schemeClr val="accent1"/>
+          </a:effectRef>
+          <a:fontRef idx="minor">
+            <a:schemeClr val="tx1"/>
+          </a:fontRef>
+        </p:style>
+      </p:cxnSp>
+      <p:sp>
+        <p:nvSpPr>
+          <p:cNvPr id="43" name="TextBox 42">
+            <a:extLst>
+              <a:ext uri="{FF2B5EF4-FFF2-40B4-BE49-F238E27FC236}">
+                <a16:creationId xmlns:a16="http://schemas.microsoft.com/office/drawing/2014/main" id="{05B7BDFC-F5CB-0867-FAF9-A0E09C6FC18E}"/>
+              </a:ext>
+            </a:extLst>
+          </p:cNvPr>
+          <p:cNvSpPr txBox="1"/>
+          <p:nvPr/>
+        </p:nvSpPr>
+        <p:spPr>
+          <a:xfrm>
+            <a:off x="7345377" y="1389610"/>
+            <a:ext cx="1747317" cy="369332"/>
+          </a:xfrm>
+          <a:prstGeom prst="rect">
+            <a:avLst/>
+          </a:prstGeom>
+          <a:noFill/>
+        </p:spPr>
+        <p:txBody>
+          <a:bodyPr wrap="square" rtlCol="0">
+            <a:spAutoFit/>
+          </a:bodyPr>
+          <a:lstStyle/>
+          <a:p>
+            <a:r>
+              <a:rPr lang="ko-KR" altLang="en-US"/>
+              <a:t>포인트 교환소</a:t>
+            </a:r>
+            <a:endParaRPr lang="ko-KR" altLang="en-US" dirty="0"/>
+          </a:p>
+        </p:txBody>
+      </p:sp>
+      <p:sp>
+        <p:nvSpPr>
+          <p:cNvPr id="44" name="TextBox 43">
+            <a:extLst>
+              <a:ext uri="{FF2B5EF4-FFF2-40B4-BE49-F238E27FC236}">
+                <a16:creationId xmlns:a16="http://schemas.microsoft.com/office/drawing/2014/main" id="{EBBCD752-7E5A-F327-D48C-8376CAD97F70}"/>
+              </a:ext>
+            </a:extLst>
+          </p:cNvPr>
+          <p:cNvSpPr txBox="1"/>
+          <p:nvPr/>
+        </p:nvSpPr>
+        <p:spPr>
+          <a:xfrm>
+            <a:off x="468165" y="199706"/>
+            <a:ext cx="2148345" cy="369332"/>
+          </a:xfrm>
+          <a:prstGeom prst="rect">
+            <a:avLst/>
+          </a:prstGeom>
+          <a:noFill/>
+        </p:spPr>
+        <p:txBody>
+          <a:bodyPr wrap="none" rtlCol="0">
+            <a:spAutoFit/>
+          </a:bodyPr>
+          <a:lstStyle/>
+          <a:p>
+            <a:r>
+              <a:rPr lang="en-US" altLang="ko-KR" dirty="0"/>
+              <a:t>III. </a:t>
+            </a:r>
+            <a:r>
+              <a:rPr lang="ko-KR" altLang="en-US" dirty="0"/>
+              <a:t>설계 </a:t>
+            </a:r>
+            <a:r>
+              <a:rPr lang="en-US" altLang="ko-KR" dirty="0"/>
+              <a:t>- </a:t>
+            </a:r>
+            <a:r>
+              <a:rPr lang="ko-KR" altLang="en-US" dirty="0"/>
+              <a:t>리더보드</a:t>
+            </a:r>
+          </a:p>
+        </p:txBody>
+      </p:sp>
+      <p:cxnSp>
+        <p:nvCxnSpPr>
+          <p:cNvPr id="48" name="직선 연결선 47">
+            <a:extLst>
+              <a:ext uri="{FF2B5EF4-FFF2-40B4-BE49-F238E27FC236}">
+                <a16:creationId xmlns:a16="http://schemas.microsoft.com/office/drawing/2014/main" id="{636B0351-07D2-2816-0A73-849C76BBBABB}"/>
+              </a:ext>
+            </a:extLst>
+          </p:cNvPr>
+          <p:cNvCxnSpPr>
+            <a:cxnSpLocks/>
+          </p:cNvCxnSpPr>
+          <p:nvPr/>
+        </p:nvCxnSpPr>
+        <p:spPr>
+          <a:xfrm>
+            <a:off x="10550305" y="1759681"/>
+            <a:ext cx="0" cy="5029200"/>
+          </a:xfrm>
+          <a:prstGeom prst="line">
+            <a:avLst/>
+          </a:prstGeom>
+        </p:spPr>
+        <p:style>
+          <a:lnRef idx="1">
+            <a:schemeClr val="accent1"/>
+          </a:lnRef>
+          <a:fillRef idx="0">
+            <a:schemeClr val="accent1"/>
+          </a:fillRef>
+          <a:effectRef idx="0">
+            <a:schemeClr val="accent1"/>
+          </a:effectRef>
+          <a:fontRef idx="minor">
+            <a:schemeClr val="tx1"/>
+          </a:fontRef>
+        </p:style>
+      </p:cxnSp>
+      <p:sp>
+        <p:nvSpPr>
+          <p:cNvPr id="51" name="사각형: 둥근 모서리 50">
+            <a:extLst>
+              <a:ext uri="{FF2B5EF4-FFF2-40B4-BE49-F238E27FC236}">
+                <a16:creationId xmlns:a16="http://schemas.microsoft.com/office/drawing/2014/main" id="{6C930F47-58CF-0585-B43F-F1100E23FCA3}"/>
               </a:ext>
             </a:extLst>
           </p:cNvPr>
@@ -16385,15 +20154,12 @@
         </p:nvSpPr>
         <p:spPr>
           <a:xfrm>
-            <a:off x="3625232" y="2217217"/>
-            <a:ext cx="3641416" cy="372235"/>
-          </a:xfrm>
-          <a:prstGeom prst="rect">
-            <a:avLst/>
-          </a:prstGeom>
-          <a:solidFill>
-            <a:schemeClr val="bg1"/>
-          </a:solidFill>
+            <a:off x="10934334" y="2409431"/>
+            <a:ext cx="972483" cy="2589288"/>
+          </a:xfrm>
+          <a:prstGeom prst="roundRect">
+            <a:avLst/>
+          </a:prstGeom>
         </p:spPr>
         <p:style>
           <a:lnRef idx="2">
@@ -16416,135 +20182,16 @@
           <a:lstStyle/>
           <a:p>
             <a:pPr algn="ctr"/>
-            <a:r>
-              <a:rPr lang="ko-KR" altLang="en-US" dirty="0">
-                <a:solidFill>
-                  <a:schemeClr val="tx1"/>
-                </a:solidFill>
-              </a:rPr>
-              <a:t>아이디</a:t>
-            </a:r>
-          </a:p>
-        </p:txBody>
-      </p:sp>
-      <p:sp>
-        <p:nvSpPr>
-          <p:cNvPr id="9" name="직사각형 8">
-            <a:extLst>
-              <a:ext uri="{FF2B5EF4-FFF2-40B4-BE49-F238E27FC236}">
-                <a16:creationId xmlns:a16="http://schemas.microsoft.com/office/drawing/2014/main" id="{BCDA4D0D-B0D4-EB35-6D2A-62827D3FB36B}"/>
-              </a:ext>
-            </a:extLst>
-          </p:cNvPr>
-          <p:cNvSpPr/>
-          <p:nvPr/>
-        </p:nvSpPr>
-        <p:spPr>
-          <a:xfrm>
-            <a:off x="3625232" y="2782311"/>
-            <a:ext cx="3641416" cy="372235"/>
-          </a:xfrm>
-          <a:prstGeom prst="rect">
-            <a:avLst/>
-          </a:prstGeom>
-          <a:solidFill>
-            <a:schemeClr val="bg1"/>
-          </a:solidFill>
-        </p:spPr>
-        <p:style>
-          <a:lnRef idx="2">
-            <a:schemeClr val="accent1">
-              <a:shade val="15000"/>
-            </a:schemeClr>
-          </a:lnRef>
-          <a:fillRef idx="1">
-            <a:schemeClr val="accent1"/>
-          </a:fillRef>
-          <a:effectRef idx="0">
-            <a:schemeClr val="accent1"/>
-          </a:effectRef>
-          <a:fontRef idx="minor">
-            <a:schemeClr val="lt1"/>
-          </a:fontRef>
-        </p:style>
-        <p:txBody>
-          <a:bodyPr rtlCol="0" anchor="ctr"/>
-          <a:lstStyle/>
-          <a:p>
-            <a:pPr algn="ctr"/>
-            <a:r>
-              <a:rPr lang="ko-KR" altLang="en-US" dirty="0">
-                <a:solidFill>
-                  <a:schemeClr val="tx1"/>
-                </a:solidFill>
-              </a:rPr>
-              <a:t>비밀번호</a:t>
-            </a:r>
-          </a:p>
-        </p:txBody>
-      </p:sp>
-      <p:sp>
-        <p:nvSpPr>
-          <p:cNvPr id="10" name="타원 9">
-            <a:extLst>
-              <a:ext uri="{FF2B5EF4-FFF2-40B4-BE49-F238E27FC236}">
-                <a16:creationId xmlns:a16="http://schemas.microsoft.com/office/drawing/2014/main" id="{081E0597-9F72-ACC6-86E0-4126B9800C8B}"/>
-              </a:ext>
-            </a:extLst>
-          </p:cNvPr>
-          <p:cNvSpPr/>
-          <p:nvPr/>
-        </p:nvSpPr>
-        <p:spPr>
-          <a:xfrm>
-            <a:off x="4980648" y="3818626"/>
-            <a:ext cx="926538" cy="797740"/>
-          </a:xfrm>
-          <a:prstGeom prst="ellipse">
-            <a:avLst/>
-          </a:prstGeom>
-          <a:solidFill>
-            <a:schemeClr val="bg1"/>
-          </a:solidFill>
-        </p:spPr>
-        <p:style>
-          <a:lnRef idx="2">
-            <a:schemeClr val="accent1">
-              <a:shade val="15000"/>
-            </a:schemeClr>
-          </a:lnRef>
-          <a:fillRef idx="1">
-            <a:schemeClr val="accent1"/>
-          </a:fillRef>
-          <a:effectRef idx="0">
-            <a:schemeClr val="accent1"/>
-          </a:effectRef>
-          <a:fontRef idx="minor">
-            <a:schemeClr val="lt1"/>
-          </a:fontRef>
-        </p:style>
-        <p:txBody>
-          <a:bodyPr rtlCol="0" anchor="ctr"/>
-          <a:lstStyle/>
-          <a:p>
-            <a:pPr algn="ctr"/>
-            <a:r>
-              <a:rPr lang="ko-KR" altLang="en-US" dirty="0">
-                <a:solidFill>
-                  <a:schemeClr val="tx1"/>
-                </a:solidFill>
-              </a:rPr>
-              <a:t>스팀</a:t>
-            </a:r>
-          </a:p>
-        </p:txBody>
-      </p:sp>
-      <p:sp>
-        <p:nvSpPr>
-          <p:cNvPr id="11" name="TextBox 10">
-            <a:extLst>
-              <a:ext uri="{FF2B5EF4-FFF2-40B4-BE49-F238E27FC236}">
-                <a16:creationId xmlns:a16="http://schemas.microsoft.com/office/drawing/2014/main" id="{C3293F41-CF90-6D11-F60E-585A436FA771}"/>
+            <a:endParaRPr lang="ko-KR" altLang="en-US" dirty="0"/>
+          </a:p>
+        </p:txBody>
+      </p:sp>
+      <p:sp>
+        <p:nvSpPr>
+          <p:cNvPr id="52" name="TextBox 51">
+            <a:extLst>
+              <a:ext uri="{FF2B5EF4-FFF2-40B4-BE49-F238E27FC236}">
+                <a16:creationId xmlns:a16="http://schemas.microsoft.com/office/drawing/2014/main" id="{9D6E141C-2F59-4A7C-67F4-571503654330}"/>
               </a:ext>
             </a:extLst>
           </p:cNvPr>
@@ -16553,8 +20200,8 @@
         </p:nvSpPr>
         <p:spPr>
           <a:xfrm>
-            <a:off x="3382471" y="4814761"/>
-            <a:ext cx="1197621" cy="307777"/>
+            <a:off x="10975816" y="2587853"/>
+            <a:ext cx="1119612" cy="369332"/>
           </a:xfrm>
           <a:prstGeom prst="rect">
             <a:avLst/>
@@ -16568,144 +20215,27 @@
           <a:lstStyle/>
           <a:p>
             <a:r>
-              <a:rPr lang="ko-KR" altLang="en-US" sz="1400" dirty="0"/>
-              <a:t>회원가입</a:t>
-            </a:r>
-          </a:p>
-        </p:txBody>
-      </p:sp>
-      <p:sp>
-        <p:nvSpPr>
-          <p:cNvPr id="12" name="TextBox 11">
-            <a:extLst>
-              <a:ext uri="{FF2B5EF4-FFF2-40B4-BE49-F238E27FC236}">
-                <a16:creationId xmlns:a16="http://schemas.microsoft.com/office/drawing/2014/main" id="{DEFC3413-463F-878B-C685-5E5F8C1D0CCF}"/>
-              </a:ext>
-            </a:extLst>
-          </p:cNvPr>
-          <p:cNvSpPr txBox="1"/>
-          <p:nvPr/>
-        </p:nvSpPr>
-        <p:spPr>
-          <a:xfrm>
-            <a:off x="4806669" y="4814761"/>
-            <a:ext cx="1197621" cy="307777"/>
-          </a:xfrm>
-          <a:prstGeom prst="rect">
-            <a:avLst/>
-          </a:prstGeom>
-          <a:noFill/>
-        </p:spPr>
-        <p:txBody>
-          <a:bodyPr wrap="square" rtlCol="0">
-            <a:spAutoFit/>
-          </a:bodyPr>
-          <a:lstStyle/>
-          <a:p>
-            <a:r>
-              <a:rPr lang="ko-KR" altLang="en-US" sz="1400" dirty="0"/>
-              <a:t>아이디 찾기</a:t>
-            </a:r>
-          </a:p>
-        </p:txBody>
-      </p:sp>
-      <p:sp>
-        <p:nvSpPr>
-          <p:cNvPr id="13" name="TextBox 12">
-            <a:extLst>
-              <a:ext uri="{FF2B5EF4-FFF2-40B4-BE49-F238E27FC236}">
-                <a16:creationId xmlns:a16="http://schemas.microsoft.com/office/drawing/2014/main" id="{E6639DD2-B219-8B1B-F72B-6A7423423FCA}"/>
-              </a:ext>
-            </a:extLst>
-          </p:cNvPr>
-          <p:cNvSpPr txBox="1"/>
-          <p:nvPr/>
-        </p:nvSpPr>
-        <p:spPr>
-          <a:xfrm>
-            <a:off x="6230867" y="4814760"/>
-            <a:ext cx="1327094" cy="307777"/>
-          </a:xfrm>
-          <a:prstGeom prst="rect">
-            <a:avLst/>
-          </a:prstGeom>
-          <a:noFill/>
-        </p:spPr>
-        <p:txBody>
-          <a:bodyPr wrap="square" rtlCol="0">
-            <a:spAutoFit/>
-          </a:bodyPr>
-          <a:lstStyle/>
-          <a:p>
-            <a:r>
-              <a:rPr lang="ko-KR" altLang="en-US" sz="1400" dirty="0"/>
-              <a:t>비밀번호 찾기</a:t>
-            </a:r>
-          </a:p>
-        </p:txBody>
-      </p:sp>
-      <p:sp>
-        <p:nvSpPr>
-          <p:cNvPr id="14" name="직사각형 13">
-            <a:extLst>
-              <a:ext uri="{FF2B5EF4-FFF2-40B4-BE49-F238E27FC236}">
-                <a16:creationId xmlns:a16="http://schemas.microsoft.com/office/drawing/2014/main" id="{651E9A11-50D6-F7B6-E9AC-CC423925FF61}"/>
-              </a:ext>
-            </a:extLst>
-          </p:cNvPr>
-          <p:cNvSpPr/>
-          <p:nvPr/>
-        </p:nvSpPr>
-        <p:spPr>
-          <a:xfrm>
-            <a:off x="4926026" y="3323129"/>
-            <a:ext cx="1035781" cy="372235"/>
-          </a:xfrm>
-          <a:prstGeom prst="rect">
-            <a:avLst/>
-          </a:prstGeom>
-          <a:solidFill>
-            <a:schemeClr val="bg1"/>
-          </a:solidFill>
-        </p:spPr>
-        <p:style>
-          <a:lnRef idx="2">
-            <a:schemeClr val="accent1">
-              <a:shade val="15000"/>
-            </a:schemeClr>
-          </a:lnRef>
-          <a:fillRef idx="1">
-            <a:schemeClr val="accent1"/>
-          </a:fillRef>
-          <a:effectRef idx="0">
-            <a:schemeClr val="accent1"/>
-          </a:effectRef>
-          <a:fontRef idx="minor">
-            <a:schemeClr val="lt1"/>
-          </a:fontRef>
-        </p:style>
-        <p:txBody>
-          <a:bodyPr rtlCol="0" anchor="ctr"/>
-          <a:lstStyle/>
-          <a:p>
-            <a:pPr algn="ctr"/>
-            <a:r>
-              <a:rPr lang="ko-KR" altLang="en-US" dirty="0">
-                <a:solidFill>
-                  <a:schemeClr val="tx1"/>
-                </a:solidFill>
-              </a:rPr>
-              <a:t>로그인</a:t>
-            </a:r>
+              <a:rPr lang="en-US" altLang="ko-KR" dirty="0"/>
+              <a:t>ON</a:t>
+            </a:r>
+            <a:r>
+              <a:rPr lang="ko-KR" altLang="en-US" dirty="0"/>
+              <a:t> </a:t>
+            </a:r>
+            <a:r>
+              <a:rPr lang="en-US" altLang="ko-KR" dirty="0"/>
+              <a:t>AIR</a:t>
+            </a:r>
+            <a:endParaRPr lang="ko-KR" altLang="en-US" dirty="0"/>
           </a:p>
         </p:txBody>
       </p:sp>
       <p:cxnSp>
         <p:nvCxnSpPr>
-          <p:cNvPr id="16" name="연결선: 꺾임 15">
-            <a:extLst>
-              <a:ext uri="{FF2B5EF4-FFF2-40B4-BE49-F238E27FC236}">
-                <a16:creationId xmlns:a16="http://schemas.microsoft.com/office/drawing/2014/main" id="{AB8D4A5F-C3B0-DF53-C1BE-6A52CAF9AA8B}"/>
+          <p:cNvPr id="8" name="직선 연결선 7">
+            <a:extLst>
+              <a:ext uri="{FF2B5EF4-FFF2-40B4-BE49-F238E27FC236}">
+                <a16:creationId xmlns:a16="http://schemas.microsoft.com/office/drawing/2014/main" id="{C50F1133-6DEB-9DD7-0FF3-0F349BC632EA}"/>
               </a:ext>
             </a:extLst>
           </p:cNvPr>
@@ -16715,16 +20245,13 @@
           <p:nvPr/>
         </p:nvCxnSpPr>
         <p:spPr>
-          <a:xfrm flipV="1">
-            <a:off x="6004290" y="1483539"/>
-            <a:ext cx="3892269" cy="2022939"/>
-          </a:xfrm>
-          <a:prstGeom prst="bentConnector3">
-            <a:avLst/>
-          </a:prstGeom>
-          <a:ln>
-            <a:tailEnd type="triangle"/>
-          </a:ln>
+          <a:xfrm>
+            <a:off x="5646997" y="1292332"/>
+            <a:ext cx="0" cy="542669"/>
+          </a:xfrm>
+          <a:prstGeom prst="line">
+            <a:avLst/>
+          </a:prstGeom>
         </p:spPr>
         <p:style>
           <a:lnRef idx="1">
@@ -16743,10 +20270,10 @@
       </p:cxnSp>
       <p:sp>
         <p:nvSpPr>
-          <p:cNvPr id="17" name="TextBox 16">
-            <a:extLst>
-              <a:ext uri="{FF2B5EF4-FFF2-40B4-BE49-F238E27FC236}">
-                <a16:creationId xmlns:a16="http://schemas.microsoft.com/office/drawing/2014/main" id="{1FC8902E-A94F-964D-02D1-A32EB8435AB1}"/>
+          <p:cNvPr id="11" name="TextBox 10">
+            <a:extLst>
+              <a:ext uri="{FF2B5EF4-FFF2-40B4-BE49-F238E27FC236}">
+                <a16:creationId xmlns:a16="http://schemas.microsoft.com/office/drawing/2014/main" id="{58BB0E0E-0BB5-7D78-3633-0334FF163444}"/>
               </a:ext>
             </a:extLst>
           </p:cNvPr>
@@ -16755,8 +20282,8 @@
         </p:nvSpPr>
         <p:spPr>
           <a:xfrm>
-            <a:off x="9807547" y="1211178"/>
-            <a:ext cx="1731695" cy="646331"/>
+            <a:off x="4216875" y="1382611"/>
+            <a:ext cx="1181862" cy="369332"/>
           </a:xfrm>
           <a:prstGeom prst="rect">
             <a:avLst/>
@@ -16770,39 +20297,536 @@
           <a:lstStyle/>
           <a:p>
             <a:r>
-              <a:rPr lang="ko-KR" altLang="en-US" dirty="0" err="1"/>
-              <a:t>엔터</a:t>
-            </a:r>
-            <a:r>
               <a:rPr lang="ko-KR" altLang="en-US" dirty="0"/>
-              <a:t> 혹은 버튼 누르면 로그인 </a:t>
-            </a:r>
+              <a:t>경쟁하기</a:t>
+            </a:r>
+          </a:p>
+        </p:txBody>
+      </p:sp>
+      <p:pic>
+        <p:nvPicPr>
+          <p:cNvPr id="1026" name="Picture 2">
+            <a:extLst>
+              <a:ext uri="{FF2B5EF4-FFF2-40B4-BE49-F238E27FC236}">
+                <a16:creationId xmlns:a16="http://schemas.microsoft.com/office/drawing/2014/main" id="{19F112C7-6CB7-48C6-BF7E-E3209C373D42}"/>
+              </a:ext>
+            </a:extLst>
+          </p:cNvPr>
+          <p:cNvPicPr>
+            <a:picLocks noChangeAspect="1" noChangeArrowheads="1"/>
+          </p:cNvPicPr>
+          <p:nvPr/>
+        </p:nvPicPr>
+        <p:blipFill>
+          <a:blip r:embed="rId3">
+            <a:extLst>
+              <a:ext uri="{28A0092B-C50C-407E-A947-70E740481C1C}">
+                <a14:useLocalDpi xmlns:a14="http://schemas.microsoft.com/office/drawing/2010/main" val="0"/>
+              </a:ext>
+            </a:extLst>
+          </a:blip>
+          <a:srcRect/>
+          <a:stretch>
+            <a:fillRect/>
+          </a:stretch>
+        </p:blipFill>
+        <p:spPr bwMode="auto">
+          <a:xfrm>
+            <a:off x="491565" y="2126061"/>
+            <a:ext cx="1488092" cy="1351507"/>
+          </a:xfrm>
+          <a:prstGeom prst="rect">
+            <a:avLst/>
+          </a:prstGeom>
+          <a:noFill/>
+          <a:extLst>
+            <a:ext uri="{909E8E84-426E-40DD-AFC4-6F175D3DCCD1}">
+              <a14:hiddenFill xmlns:a14="http://schemas.microsoft.com/office/drawing/2010/main">
+                <a:solidFill>
+                  <a:srgbClr val="FFFFFF"/>
+                </a:solidFill>
+              </a14:hiddenFill>
+            </a:ext>
+          </a:extLst>
+        </p:spPr>
+      </p:pic>
+      <p:sp>
+        <p:nvSpPr>
+          <p:cNvPr id="27" name="TextBox 26">
+            <a:extLst>
+              <a:ext uri="{FF2B5EF4-FFF2-40B4-BE49-F238E27FC236}">
+                <a16:creationId xmlns:a16="http://schemas.microsoft.com/office/drawing/2014/main" id="{C61E731F-5AFB-8D8D-950B-F69E7C2ADD78}"/>
+              </a:ext>
+            </a:extLst>
+          </p:cNvPr>
+          <p:cNvSpPr txBox="1"/>
+          <p:nvPr/>
+        </p:nvSpPr>
+        <p:spPr>
+          <a:xfrm>
+            <a:off x="2416625" y="2126060"/>
+            <a:ext cx="2435700" cy="369332"/>
+          </a:xfrm>
+          <a:prstGeom prst="rect">
+            <a:avLst/>
+          </a:prstGeom>
+          <a:noFill/>
+        </p:spPr>
+        <p:txBody>
+          <a:bodyPr wrap="square">
+            <a:spAutoFit/>
+          </a:bodyPr>
+          <a:lstStyle/>
+          <a:p>
+            <a:r>
+              <a:rPr lang="ko-KR" altLang="en-US" b="0" i="0" dirty="0">
+                <a:effectLst/>
+                <a:latin typeface="Motiva Sans"/>
+              </a:rPr>
+              <a:t>강철 </a:t>
+            </a:r>
+            <a:r>
+              <a:rPr lang="ko-KR" altLang="en-US" b="0" i="0" dirty="0" err="1">
+                <a:effectLst/>
+                <a:latin typeface="Motiva Sans"/>
+              </a:rPr>
+              <a:t>요새：시냅스</a:t>
+            </a:r>
+            <a:r>
+              <a:rPr lang="ko-KR" altLang="en-US" b="0" i="0" dirty="0">
+                <a:effectLst/>
+                <a:latin typeface="Motiva Sans"/>
+              </a:rPr>
+              <a:t> </a:t>
+            </a:r>
+            <a:r>
+              <a:rPr lang="en-US" altLang="ko-KR" b="0" i="0" dirty="0">
+                <a:effectLst/>
+                <a:latin typeface="Motiva Sans"/>
+              </a:rPr>
+              <a:t>TD</a:t>
+            </a:r>
+            <a:endParaRPr lang="ko-KR" altLang="en-US" dirty="0"/>
+          </a:p>
+        </p:txBody>
+      </p:sp>
+      <p:sp>
+        <p:nvSpPr>
+          <p:cNvPr id="31" name="TextBox 30">
+            <a:extLst>
+              <a:ext uri="{FF2B5EF4-FFF2-40B4-BE49-F238E27FC236}">
+                <a16:creationId xmlns:a16="http://schemas.microsoft.com/office/drawing/2014/main" id="{467D08E6-431A-1C9C-46E9-9151CC988E96}"/>
+              </a:ext>
+            </a:extLst>
+          </p:cNvPr>
+          <p:cNvSpPr txBox="1"/>
+          <p:nvPr/>
+        </p:nvSpPr>
+        <p:spPr>
+          <a:xfrm>
+            <a:off x="2416624" y="2500840"/>
+            <a:ext cx="4614851" cy="923330"/>
+          </a:xfrm>
+          <a:prstGeom prst="rect">
+            <a:avLst/>
+          </a:prstGeom>
+          <a:noFill/>
+        </p:spPr>
+        <p:txBody>
+          <a:bodyPr wrap="square">
+            <a:spAutoFit/>
+          </a:bodyPr>
+          <a:lstStyle/>
+          <a:p>
+            <a:r>
+              <a:rPr lang="ko-KR" altLang="en-US" sz="900" b="0" i="0" dirty="0">
+                <a:effectLst/>
+                <a:latin typeface="Motiva Sans"/>
+              </a:rPr>
+              <a:t>당신의 세상</a:t>
+            </a:r>
+            <a:r>
+              <a:rPr lang="en-US" altLang="ko-KR" sz="900" b="0" i="0" dirty="0">
+                <a:effectLst/>
+                <a:latin typeface="Motiva Sans"/>
+              </a:rPr>
+              <a:t>, </a:t>
+            </a:r>
+            <a:r>
+              <a:rPr lang="ko-KR" altLang="en-US" sz="900" b="0" i="0" dirty="0">
+                <a:effectLst/>
+                <a:latin typeface="Motiva Sans"/>
+              </a:rPr>
+              <a:t>당신이 창조하세요</a:t>
+            </a:r>
+            <a:r>
+              <a:rPr lang="en-US" altLang="ko-KR" sz="900" b="0" i="0" dirty="0">
+                <a:effectLst/>
+                <a:latin typeface="Motiva Sans"/>
+              </a:rPr>
+              <a:t>! </a:t>
+            </a:r>
+            <a:endParaRPr lang="en-US" altLang="ko-KR" sz="900" dirty="0">
+              <a:latin typeface="Motiva Sans"/>
+            </a:endParaRPr>
+          </a:p>
+          <a:p>
+            <a:r>
+              <a:rPr lang="en-US" altLang="ko-KR" sz="900" b="0" i="0" dirty="0">
+                <a:effectLst/>
+                <a:latin typeface="Motiva Sans"/>
+              </a:rPr>
+              <a:t>《</a:t>
+            </a:r>
+            <a:r>
+              <a:rPr lang="ko-KR" altLang="en-US" sz="900" b="0" i="0" dirty="0">
+                <a:effectLst/>
+                <a:latin typeface="Motiva Sans"/>
+              </a:rPr>
+              <a:t>강철 </a:t>
+            </a:r>
+            <a:r>
+              <a:rPr lang="ko-KR" altLang="en-US" sz="900" b="0" i="0" dirty="0" err="1">
+                <a:effectLst/>
+                <a:latin typeface="Motiva Sans"/>
+              </a:rPr>
+              <a:t>요새：시냅스</a:t>
+            </a:r>
+            <a:r>
+              <a:rPr lang="ko-KR" altLang="en-US" sz="900" b="0" i="0" dirty="0">
+                <a:effectLst/>
+                <a:latin typeface="Motiva Sans"/>
+              </a:rPr>
+              <a:t> </a:t>
+            </a:r>
+            <a:r>
+              <a:rPr lang="en-US" altLang="ko-KR" sz="900" b="0" i="0" dirty="0">
+                <a:effectLst/>
+                <a:latin typeface="Motiva Sans"/>
+              </a:rPr>
+              <a:t>TD》</a:t>
+            </a:r>
+            <a:r>
+              <a:rPr lang="ko-KR" altLang="en-US" sz="900" b="0" i="0" dirty="0">
+                <a:effectLst/>
+                <a:latin typeface="Motiva Sans"/>
+              </a:rPr>
+              <a:t>에서 당신은 지도 설계자가 됩니다</a:t>
+            </a:r>
+            <a:r>
+              <a:rPr lang="en-US" altLang="ko-KR" sz="900" b="0" i="0" dirty="0">
+                <a:effectLst/>
+                <a:latin typeface="Motiva Sans"/>
+              </a:rPr>
+              <a:t>. </a:t>
+            </a:r>
+          </a:p>
+          <a:p>
+            <a:r>
+              <a:rPr lang="ko-KR" altLang="en-US" sz="900" b="0" i="0" dirty="0">
+                <a:effectLst/>
+                <a:latin typeface="Motiva Sans"/>
+              </a:rPr>
+              <a:t>기존의 타워 디펜스에서 벗어나</a:t>
+            </a:r>
+            <a:r>
+              <a:rPr lang="en-US" altLang="ko-KR" sz="900" b="0" i="0" dirty="0">
+                <a:effectLst/>
+                <a:latin typeface="Motiva Sans"/>
+              </a:rPr>
+              <a:t>, </a:t>
+            </a:r>
+            <a:r>
+              <a:rPr lang="ko-KR" altLang="en-US" sz="900" b="0" i="0" dirty="0">
+                <a:effectLst/>
+                <a:latin typeface="Motiva Sans"/>
+              </a:rPr>
+              <a:t>경로 위에 타워를 배치하여 적의 길을 더 길게 만드는 것뿐만 아니라</a:t>
+            </a:r>
+            <a:r>
+              <a:rPr lang="en-US" altLang="ko-KR" sz="900" b="0" i="0" dirty="0">
+                <a:effectLst/>
+                <a:latin typeface="Motiva Sans"/>
+              </a:rPr>
+              <a:t>, </a:t>
+            </a:r>
+            <a:r>
+              <a:rPr lang="ko-KR" altLang="en-US" sz="900" b="0" i="0" dirty="0">
+                <a:effectLst/>
+                <a:latin typeface="Motiva Sans"/>
+              </a:rPr>
+              <a:t>플랫폼을 설치하고 길을 연결해 독창적인 방어 요새를 만들 수 있습니다</a:t>
+            </a:r>
+            <a:r>
+              <a:rPr lang="en-US" altLang="ko-KR" sz="900" b="0" i="0" dirty="0">
+                <a:effectLst/>
+                <a:latin typeface="Motiva Sans"/>
+              </a:rPr>
+              <a:t>. </a:t>
+            </a:r>
+          </a:p>
+          <a:p>
+            <a:r>
+              <a:rPr lang="ko-KR" altLang="en-US" sz="900" b="0" i="0" dirty="0">
+                <a:effectLst/>
+                <a:latin typeface="Motiva Sans"/>
+              </a:rPr>
+              <a:t>이 모든 것이 가능한 지도가 바로 당신의 캔버스입니다</a:t>
+            </a:r>
+            <a:r>
+              <a:rPr lang="en-US" altLang="ko-KR" sz="900" b="0" i="0" dirty="0">
+                <a:effectLst/>
+                <a:latin typeface="Motiva Sans"/>
+              </a:rPr>
+              <a:t>. </a:t>
+            </a:r>
+            <a:r>
+              <a:rPr lang="ko-KR" altLang="en-US" sz="900" b="0" i="0" dirty="0">
+                <a:effectLst/>
+                <a:latin typeface="Motiva Sans"/>
+              </a:rPr>
+              <a:t>당신의 상상력을 마음껏 발휘해 창의력을 현실로 만들어 보세요</a:t>
+            </a:r>
+            <a:r>
+              <a:rPr lang="en-US" altLang="ko-KR" sz="900" b="0" i="0" dirty="0">
+                <a:effectLst/>
+                <a:latin typeface="Motiva Sans"/>
+              </a:rPr>
+              <a:t>!</a:t>
+            </a:r>
+            <a:endParaRPr lang="ko-KR" altLang="en-US" sz="900" dirty="0"/>
+          </a:p>
+        </p:txBody>
+      </p:sp>
+      <p:sp>
+        <p:nvSpPr>
+          <p:cNvPr id="47" name="TextBox 46">
+            <a:extLst>
+              <a:ext uri="{FF2B5EF4-FFF2-40B4-BE49-F238E27FC236}">
+                <a16:creationId xmlns:a16="http://schemas.microsoft.com/office/drawing/2014/main" id="{7045EC7C-AD7D-AA9F-39C3-6576C599A9C6}"/>
+              </a:ext>
+            </a:extLst>
+          </p:cNvPr>
+          <p:cNvSpPr txBox="1"/>
+          <p:nvPr/>
+        </p:nvSpPr>
+        <p:spPr>
+          <a:xfrm>
+            <a:off x="7042228" y="4328401"/>
+            <a:ext cx="3032333" cy="923330"/>
+          </a:xfrm>
+          <a:prstGeom prst="rect">
+            <a:avLst/>
+          </a:prstGeom>
+          <a:noFill/>
+        </p:spPr>
+        <p:txBody>
+          <a:bodyPr wrap="square" rtlCol="0">
+            <a:spAutoFit/>
+          </a:bodyPr>
+          <a:lstStyle/>
+          <a:p>
+            <a:r>
+              <a:rPr lang="ko-KR" altLang="en-US" dirty="0"/>
+              <a:t>게임 이름이나 이미지를 누르면 해당 게임 리더보드 페이지로 이동</a:t>
+            </a:r>
+          </a:p>
+        </p:txBody>
+      </p:sp>
+      <p:sp>
+        <p:nvSpPr>
+          <p:cNvPr id="56" name="TextBox 55">
+            <a:extLst>
+              <a:ext uri="{FF2B5EF4-FFF2-40B4-BE49-F238E27FC236}">
+                <a16:creationId xmlns:a16="http://schemas.microsoft.com/office/drawing/2014/main" id="{76FB8268-9ACC-1442-8A69-055E06F177B4}"/>
+              </a:ext>
+            </a:extLst>
+          </p:cNvPr>
+          <p:cNvSpPr txBox="1"/>
+          <p:nvPr/>
+        </p:nvSpPr>
+        <p:spPr>
+          <a:xfrm>
+            <a:off x="2416624" y="3770483"/>
+            <a:ext cx="1488092" cy="369332"/>
+          </a:xfrm>
+          <a:prstGeom prst="rect">
+            <a:avLst/>
+          </a:prstGeom>
+          <a:noFill/>
+        </p:spPr>
+        <p:txBody>
+          <a:bodyPr wrap="square">
+            <a:spAutoFit/>
+          </a:bodyPr>
+          <a:lstStyle/>
+          <a:p>
+            <a:r>
+              <a:rPr lang="en-US" altLang="ko-KR" b="0" i="0" dirty="0">
+                <a:effectLst/>
+                <a:latin typeface="Motiva Sans"/>
+              </a:rPr>
+              <a:t>Rogue Waters</a:t>
+            </a:r>
+            <a:endParaRPr lang="ko-KR" altLang="en-US" dirty="0"/>
+          </a:p>
+        </p:txBody>
+      </p:sp>
+      <p:sp>
+        <p:nvSpPr>
+          <p:cNvPr id="58" name="TextBox 57">
+            <a:extLst>
+              <a:ext uri="{FF2B5EF4-FFF2-40B4-BE49-F238E27FC236}">
+                <a16:creationId xmlns:a16="http://schemas.microsoft.com/office/drawing/2014/main" id="{74F37FEE-7318-D48F-0C77-AE146E3CDC70}"/>
+              </a:ext>
+            </a:extLst>
+          </p:cNvPr>
+          <p:cNvSpPr txBox="1"/>
+          <p:nvPr/>
+        </p:nvSpPr>
+        <p:spPr>
+          <a:xfrm>
+            <a:off x="2457000" y="4167298"/>
+            <a:ext cx="4536941" cy="707886"/>
+          </a:xfrm>
+          <a:prstGeom prst="rect">
+            <a:avLst/>
+          </a:prstGeom>
+          <a:noFill/>
+        </p:spPr>
+        <p:txBody>
+          <a:bodyPr wrap="square">
+            <a:spAutoFit/>
+          </a:bodyPr>
+          <a:lstStyle/>
+          <a:p>
+            <a:r>
+              <a:rPr lang="en-US" altLang="ko-KR" sz="1000" b="0" i="0" dirty="0">
+                <a:effectLst/>
+                <a:latin typeface="Arial" panose="020B0604020202020204" pitchFamily="34" charset="0"/>
+              </a:rPr>
+              <a:t>Rogue Waters</a:t>
+            </a:r>
+            <a:r>
+              <a:rPr lang="ko-KR" altLang="en-US" sz="1000" b="0" i="0" dirty="0">
+                <a:effectLst/>
+                <a:latin typeface="Arial" panose="020B0604020202020204" pitchFamily="34" charset="0"/>
+              </a:rPr>
+              <a:t>는 전술적 </a:t>
+            </a:r>
+            <a:r>
+              <a:rPr lang="ko-KR" altLang="en-US" sz="1000" b="0" i="0" dirty="0" err="1">
+                <a:effectLst/>
+                <a:latin typeface="Arial" panose="020B0604020202020204" pitchFamily="34" charset="0"/>
+              </a:rPr>
+              <a:t>턴제</a:t>
+            </a:r>
+            <a:r>
+              <a:rPr lang="ko-KR" altLang="en-US" sz="1000" b="0" i="0" dirty="0">
+                <a:effectLst/>
+                <a:latin typeface="Arial" panose="020B0604020202020204" pitchFamily="34" charset="0"/>
+              </a:rPr>
+              <a:t> </a:t>
+            </a:r>
+            <a:r>
+              <a:rPr lang="ko-KR" altLang="en-US" sz="1000" b="0" i="0" dirty="0" err="1">
+                <a:effectLst/>
+                <a:latin typeface="Arial" panose="020B0604020202020204" pitchFamily="34" charset="0"/>
+              </a:rPr>
+              <a:t>로그라이트입니다</a:t>
+            </a:r>
+            <a:r>
+              <a:rPr lang="en-US" altLang="ko-KR" sz="1000" b="0" i="0" dirty="0">
+                <a:effectLst/>
+                <a:latin typeface="Arial" panose="020B0604020202020204" pitchFamily="34" charset="0"/>
+              </a:rPr>
+              <a:t>. </a:t>
+            </a:r>
+            <a:r>
+              <a:rPr lang="ko-KR" altLang="en-US" sz="1000" b="0" i="0" dirty="0">
+                <a:effectLst/>
+                <a:latin typeface="Arial" panose="020B0604020202020204" pitchFamily="34" charset="0"/>
+              </a:rPr>
+              <a:t>캡틴 커터가 되어 배와 승무원을 지휘하며 절차적으로 생성된 전투를 통해 복수를 추구하세요</a:t>
+            </a:r>
+            <a:r>
+              <a:rPr lang="en-US" altLang="ko-KR" sz="1000" b="0" i="0" dirty="0">
+                <a:effectLst/>
+                <a:latin typeface="Arial" panose="020B0604020202020204" pitchFamily="34" charset="0"/>
+              </a:rPr>
+              <a:t>. </a:t>
+            </a:r>
+            <a:r>
+              <a:rPr lang="ko-KR" altLang="en-US" sz="1000" b="0" i="0" dirty="0">
+                <a:effectLst/>
+                <a:latin typeface="Arial" panose="020B0604020202020204" pitchFamily="34" charset="0"/>
+              </a:rPr>
+              <a:t>승무원을 모집</a:t>
+            </a:r>
+            <a:r>
+              <a:rPr lang="en-US" altLang="ko-KR" sz="1000" b="0" i="0" dirty="0">
+                <a:effectLst/>
+                <a:latin typeface="Arial" panose="020B0604020202020204" pitchFamily="34" charset="0"/>
+              </a:rPr>
+              <a:t>, </a:t>
+            </a:r>
+            <a:r>
+              <a:rPr lang="ko-KR" altLang="en-US" sz="1000" b="0" i="0" dirty="0">
+                <a:effectLst/>
+                <a:latin typeface="Arial" panose="020B0604020202020204" pitchFamily="34" charset="0"/>
+              </a:rPr>
+              <a:t>훈련</a:t>
+            </a:r>
+            <a:r>
+              <a:rPr lang="en-US" altLang="ko-KR" sz="1000" b="0" i="0" dirty="0">
+                <a:effectLst/>
+                <a:latin typeface="Arial" panose="020B0604020202020204" pitchFamily="34" charset="0"/>
+              </a:rPr>
+              <a:t>, </a:t>
+            </a:r>
+            <a:r>
+              <a:rPr lang="ko-KR" altLang="en-US" sz="1000" b="0" i="0" dirty="0">
+                <a:effectLst/>
+                <a:latin typeface="Arial" panose="020B0604020202020204" pitchFamily="34" charset="0"/>
+              </a:rPr>
+              <a:t>업그레이드하고 강력한 해양 생물을 사용하여 역동적인 해상 및 근접 전투에서 우위를 점하세요</a:t>
+            </a:r>
+            <a:r>
+              <a:rPr lang="en-US" altLang="ko-KR" sz="1000" b="0" i="0" dirty="0">
+                <a:effectLst/>
+                <a:latin typeface="Arial" panose="020B0604020202020204" pitchFamily="34" charset="0"/>
+              </a:rPr>
+              <a:t>.</a:t>
+            </a:r>
+            <a:endParaRPr lang="ko-KR" altLang="en-US" sz="1000" dirty="0"/>
           </a:p>
         </p:txBody>
       </p:sp>
       <p:cxnSp>
         <p:nvCxnSpPr>
-          <p:cNvPr id="18" name="연결선: 꺾임 17">
-            <a:extLst>
-              <a:ext uri="{FF2B5EF4-FFF2-40B4-BE49-F238E27FC236}">
-                <a16:creationId xmlns:a16="http://schemas.microsoft.com/office/drawing/2014/main" id="{94881777-9AC8-E4B3-139B-DE2B07A7C23D}"/>
+          <p:cNvPr id="46" name="연결선: 꺾임 45">
+            <a:extLst>
+              <a:ext uri="{FF2B5EF4-FFF2-40B4-BE49-F238E27FC236}">
+                <a16:creationId xmlns:a16="http://schemas.microsoft.com/office/drawing/2014/main" id="{47329A22-25A8-4537-C038-03BBD5F94019}"/>
               </a:ext>
             </a:extLst>
           </p:cNvPr>
           <p:cNvCxnSpPr>
             <a:cxnSpLocks/>
+            <a:stCxn id="27" idx="2"/>
+            <a:endCxn id="47" idx="1"/>
           </p:cNvCxnSpPr>
           <p:nvPr/>
         </p:nvCxnSpPr>
         <p:spPr>
-          <a:xfrm flipV="1">
-            <a:off x="5907186" y="2403334"/>
-            <a:ext cx="3989373" cy="1842008"/>
-          </a:xfrm>
-          <a:prstGeom prst="bentConnector3">
-            <a:avLst/>
-          </a:prstGeom>
-          <a:ln>
+          <a:xfrm rot="16200000" flipH="1">
+            <a:off x="4191014" y="1938852"/>
+            <a:ext cx="2294674" cy="3407753"/>
+          </a:xfrm>
+          <a:prstGeom prst="bentConnector2">
+            <a:avLst/>
+          </a:prstGeom>
+          <a:ln w="38100">
             <a:tailEnd type="triangle"/>
           </a:ln>
         </p:spPr>
@@ -16821,53 +20845,10 @@
           </a:fontRef>
         </p:style>
       </p:cxnSp>
-      <p:sp>
-        <p:nvSpPr>
-          <p:cNvPr id="21" name="TextBox 20">
-            <a:extLst>
-              <a:ext uri="{FF2B5EF4-FFF2-40B4-BE49-F238E27FC236}">
-                <a16:creationId xmlns:a16="http://schemas.microsoft.com/office/drawing/2014/main" id="{78EBD425-EE2B-EBED-B3F5-5436E18B2C47}"/>
-              </a:ext>
-            </a:extLst>
-          </p:cNvPr>
-          <p:cNvSpPr txBox="1"/>
-          <p:nvPr/>
-        </p:nvSpPr>
-        <p:spPr>
-          <a:xfrm>
-            <a:off x="9807546" y="2130973"/>
-            <a:ext cx="1869261" cy="646331"/>
-          </a:xfrm>
-          <a:prstGeom prst="rect">
-            <a:avLst/>
-          </a:prstGeom>
-          <a:noFill/>
-        </p:spPr>
-        <p:txBody>
-          <a:bodyPr wrap="square" rtlCol="0">
-            <a:spAutoFit/>
-          </a:bodyPr>
-          <a:lstStyle/>
-          <a:p>
-            <a:r>
-              <a:rPr lang="en-US" altLang="ko-KR" dirty="0" err="1"/>
-              <a:t>Oauth</a:t>
-            </a:r>
-            <a:r>
-              <a:rPr lang="en-US" altLang="ko-KR" dirty="0"/>
-              <a:t> </a:t>
-            </a:r>
-            <a:r>
-              <a:rPr lang="ko-KR" altLang="en-US" dirty="0"/>
-              <a:t>이용하여 스팀 연동</a:t>
-            </a:r>
-          </a:p>
-        </p:txBody>
-      </p:sp>
     </p:spTree>
     <p:extLst>
       <p:ext uri="{BB962C8B-B14F-4D97-AF65-F5344CB8AC3E}">
-        <p14:creationId xmlns:p14="http://schemas.microsoft.com/office/powerpoint/2010/main" val="3508435636"/>
+        <p14:creationId xmlns:p14="http://schemas.microsoft.com/office/powerpoint/2010/main" val="272546059"/>
       </p:ext>
     </p:extLst>
   </p:cSld>
